--- a/CMSIS/DoxyGen/Driver/src/images/driver.pptx
+++ b/CMSIS/DoxyGen/Driver/src/images/driver.pptx
@@ -5,13 +5,14 @@
     <p:sldMasterId id="2147483716" r:id="rId5"/>
   </p:sldMasterIdLst>
   <p:notesMasterIdLst>
-    <p:notesMasterId r:id="rId7"/>
+    <p:notesMasterId r:id="rId8"/>
   </p:notesMasterIdLst>
   <p:handoutMasterIdLst>
-    <p:handoutMasterId r:id="rId8"/>
+    <p:handoutMasterId r:id="rId9"/>
   </p:handoutMasterIdLst>
   <p:sldIdLst>
     <p:sldId id="414" r:id="rId6"/>
+    <p:sldId id="415" r:id="rId7"/>
   </p:sldIdLst>
   <p:sldSz cx="12188825" cy="6858000"/>
   <p:notesSz cx="9874250" cy="6797675"/>
@@ -110,6 +111,61 @@
       </a:defRPr>
     </a:lvl9pPr>
   </p:defaultTextStyle>
+  <p:extLst>
+    <p:ext uri="{EFAFB233-063F-42B5-8137-9DF3F51BA10A}">
+      <p15:sldGuideLst xmlns:p15="http://schemas.microsoft.com/office/powerpoint/2012/main">
+        <p15:guide id="1" orient="horz" pos="3865">
+          <p15:clr>
+            <a:srgbClr val="A4A3A4"/>
+          </p15:clr>
+        </p15:guide>
+        <p15:guide id="2" orient="horz" pos="501">
+          <p15:clr>
+            <a:srgbClr val="A4A3A4"/>
+          </p15:clr>
+        </p15:guide>
+        <p15:guide id="3" orient="horz" pos="1999">
+          <p15:clr>
+            <a:srgbClr val="A4A3A4"/>
+          </p15:clr>
+        </p15:guide>
+        <p15:guide id="4" pos="6742" userDrawn="1">
+          <p15:clr>
+            <a:srgbClr val="A4A3A4"/>
+          </p15:clr>
+        </p15:guide>
+        <p15:guide id="5" pos="464">
+          <p15:clr>
+            <a:srgbClr val="A4A3A4"/>
+          </p15:clr>
+        </p15:guide>
+        <p15:guide id="6" pos="3016">
+          <p15:clr>
+            <a:srgbClr val="A4A3A4"/>
+          </p15:clr>
+        </p15:guide>
+        <p15:guide id="7" pos="3132">
+          <p15:clr>
+            <a:srgbClr val="A4A3A4"/>
+          </p15:clr>
+        </p15:guide>
+      </p15:sldGuideLst>
+    </p:ext>
+    <p:ext uri="{2D200454-40CA-4A62-9FC3-DE9A4176ACB9}">
+      <p15:notesGuideLst xmlns:p15="http://schemas.microsoft.com/office/powerpoint/2012/main">
+        <p15:guide id="1" orient="horz" pos="2141">
+          <p15:clr>
+            <a:srgbClr val="A4A3A4"/>
+          </p15:clr>
+        </p15:guide>
+        <p15:guide id="2" pos="3110">
+          <p15:clr>
+            <a:srgbClr val="A4A3A4"/>
+          </p15:clr>
+        </p15:guide>
+      </p15:notesGuideLst>
+    </p:ext>
+  </p:extLst>
 </p:presentation>
 </file>
 
@@ -205,7 +261,7 @@
             <a:fld id="{E72D30EF-8F20-0B47-8B5D-39A8BC29E860}" type="datetimeFigureOut">
               <a:rPr lang="en-US" smtClean="0"/>
               <a:pPr/>
-              <a:t>10/29/2015</a:t>
+              <a:t>11/18/2019</a:t>
             </a:fld>
             <a:endParaRPr lang="en-US"/>
           </a:p>
@@ -373,7 +429,7 @@
             <a:fld id="{77EDD36E-1E02-F241-9611-1F1D9EAAD326}" type="datetimeFigureOut">
               <a:rPr lang="en-US" smtClean="0"/>
               <a:pPr/>
-              <a:t>10/29/2015</a:t>
+              <a:t>11/18/2019</a:t>
             </a:fld>
             <a:endParaRPr lang="en-US"/>
           </a:p>
@@ -439,35 +495,35 @@
           <a:p>
             <a:pPr lvl="0"/>
             <a:r>
-              <a:rPr lang="en-GB" smtClean="0"/>
+              <a:rPr lang="en-GB"/>
               <a:t>Click to edit Master text styles</a:t>
             </a:r>
           </a:p>
           <a:p>
             <a:pPr lvl="1"/>
             <a:r>
-              <a:rPr lang="en-GB" smtClean="0"/>
+              <a:rPr lang="en-GB"/>
               <a:t>Second level</a:t>
             </a:r>
           </a:p>
           <a:p>
             <a:pPr lvl="2"/>
             <a:r>
-              <a:rPr lang="en-GB" smtClean="0"/>
+              <a:rPr lang="en-GB"/>
               <a:t>Third level</a:t>
             </a:r>
           </a:p>
           <a:p>
             <a:pPr lvl="3"/>
             <a:r>
-              <a:rPr lang="en-GB" smtClean="0"/>
+              <a:rPr lang="en-GB"/>
               <a:t>Fourth level</a:t>
             </a:r>
           </a:p>
           <a:p>
             <a:pPr lvl="4"/>
             <a:r>
-              <a:rPr lang="en-GB" smtClean="0"/>
+              <a:rPr lang="en-GB"/>
               <a:t>Fifth level</a:t>
             </a:r>
             <a:endParaRPr lang="en-US"/>
@@ -690,23 +746,23 @@
           <a:lstStyle/>
           <a:p>
             <a:r>
-              <a:rPr lang="en-GB" dirty="0" smtClean="0"/>
+              <a:rPr lang="en-GB" dirty="0"/>
               <a:t>The standard peripheral driver interfaces connect microcontroller peripherals for example with middleware that implements communication stacks, file systems, or graphic user interfaces. Each peripheral driver interface may provide multiple instances reflecting the multiple physical interfaces of the same type in a device. For example the two physical SPI interfaces are reflected with a separate Access </a:t>
             </a:r>
             <a:r>
-              <a:rPr lang="en-GB" dirty="0" err="1" smtClean="0"/>
+              <a:rPr lang="en-GB" dirty="0" err="1"/>
               <a:t>Struct</a:t>
             </a:r>
             <a:r>
-              <a:rPr lang="en-GB" dirty="0" smtClean="0"/>
+              <a:rPr lang="en-GB" dirty="0"/>
               <a:t> for SPI1 and SPI2. The Access </a:t>
             </a:r>
             <a:r>
-              <a:rPr lang="en-GB" dirty="0" err="1" smtClean="0"/>
+              <a:rPr lang="en-GB" dirty="0" err="1"/>
               <a:t>Struct</a:t>
             </a:r>
             <a:r>
-              <a:rPr lang="en-GB" dirty="0" smtClean="0"/>
+              <a:rPr lang="en-GB" dirty="0"/>
               <a:t> is the interface of a driver to the middleware component or the user application.</a:t>
             </a:r>
           </a:p>
@@ -734,6 +790,113 @@
               <a:rPr lang="en-US" smtClean="0"/>
               <a:pPr/>
               <a:t>1</a:t>
+            </a:fld>
+            <a:endParaRPr lang="en-US"/>
+          </a:p>
+        </p:txBody>
+      </p:sp>
+    </p:spTree>
+    <p:extLst>
+      <p:ext uri="{BB962C8B-B14F-4D97-AF65-F5344CB8AC3E}">
+        <p14:creationId xmlns:p14="http://schemas.microsoft.com/office/powerpoint/2010/main" val="135475066"/>
+      </p:ext>
+    </p:extLst>
+  </p:cSld>
+  <p:clrMapOvr>
+    <a:masterClrMapping/>
+  </p:clrMapOvr>
+</p:notes>
+</file>
+
+<file path=ppt/notesSlides/notesSlide2.xml><?xml version="1.0" encoding="utf-8"?>
+<p:notes xmlns:a="http://schemas.openxmlformats.org/drawingml/2006/main" xmlns:r="http://schemas.openxmlformats.org/officeDocument/2006/relationships" xmlns:p="http://schemas.openxmlformats.org/presentationml/2006/main">
+  <p:cSld>
+    <p:spTree>
+      <p:nvGrpSpPr>
+        <p:cNvPr id="1" name=""/>
+        <p:cNvGrpSpPr/>
+        <p:nvPr/>
+      </p:nvGrpSpPr>
+      <p:grpSpPr>
+        <a:xfrm>
+          <a:off x="0" y="0"/>
+          <a:ext cx="0" cy="0"/>
+          <a:chOff x="0" y="0"/>
+          <a:chExt cx="0" cy="0"/>
+        </a:xfrm>
+      </p:grpSpPr>
+      <p:sp>
+        <p:nvSpPr>
+          <p:cNvPr id="2" name="Slide Image Placeholder 1"/>
+          <p:cNvSpPr>
+            <a:spLocks noGrp="1" noRot="1" noChangeAspect="1"/>
+          </p:cNvSpPr>
+          <p:nvPr>
+            <p:ph type="sldImg"/>
+          </p:nvPr>
+        </p:nvSpPr>
+        <p:spPr/>
+      </p:sp>
+      <p:sp>
+        <p:nvSpPr>
+          <p:cNvPr id="3" name="Notes Placeholder 2"/>
+          <p:cNvSpPr>
+            <a:spLocks noGrp="1"/>
+          </p:cNvSpPr>
+          <p:nvPr>
+            <p:ph type="body" idx="1"/>
+          </p:nvPr>
+        </p:nvSpPr>
+        <p:spPr/>
+        <p:txBody>
+          <a:bodyPr/>
+          <a:lstStyle/>
+          <a:p>
+            <a:r>
+              <a:rPr lang="en-GB" dirty="0"/>
+              <a:t>The standard peripheral driver interfaces connect microcontroller peripherals for example with middleware that implements communication stacks, file systems, or graphic user interfaces. Each peripheral driver interface may provide multiple instances reflecting the multiple physical interfaces of the same type in a device. For example the two physical SPI interfaces are reflected with a separate Access </a:t>
+            </a:r>
+            <a:r>
+              <a:rPr lang="en-GB" dirty="0" err="1"/>
+              <a:t>Struct</a:t>
+            </a:r>
+            <a:r>
+              <a:rPr lang="en-GB" dirty="0"/>
+              <a:t> for SPI1 and SPI2. The Access </a:t>
+            </a:r>
+            <a:r>
+              <a:rPr lang="en-GB" dirty="0" err="1"/>
+              <a:t>Struct</a:t>
+            </a:r>
+            <a:r>
+              <a:rPr lang="en-GB" dirty="0"/>
+              <a:t> is the interface of a driver to the middleware component or the user application.</a:t>
+            </a:r>
+          </a:p>
+          <a:p>
+            <a:endParaRPr lang="en-US" dirty="0"/>
+          </a:p>
+        </p:txBody>
+      </p:sp>
+      <p:sp>
+        <p:nvSpPr>
+          <p:cNvPr id="4" name="Slide Number Placeholder 3"/>
+          <p:cNvSpPr>
+            <a:spLocks noGrp="1"/>
+          </p:cNvSpPr>
+          <p:nvPr>
+            <p:ph type="sldNum" sz="quarter" idx="10"/>
+          </p:nvPr>
+        </p:nvSpPr>
+        <p:spPr/>
+        <p:txBody>
+          <a:bodyPr/>
+          <a:lstStyle/>
+          <a:p>
+            <a:fld id="{579786E7-EDAB-724E-B5AE-1BDD6B8AC677}" type="slidenum">
+              <a:rPr lang="en-US" smtClean="0"/>
+              <a:pPr/>
+              <a:t>2</a:t>
             </a:fld>
             <a:endParaRPr lang="en-US"/>
           </a:p>
@@ -813,7 +976,7 @@
           </a:lstStyle>
           <a:p>
             <a:r>
-              <a:rPr kumimoji="0" lang="en-GB" dirty="0" smtClean="0"/>
+              <a:rPr kumimoji="0" lang="en-GB" dirty="0"/>
               <a:t>Click to Edit Title</a:t>
             </a:r>
             <a:endParaRPr kumimoji="0" lang="en-US" dirty="0"/>
@@ -877,7 +1040,7 @@
           </a:lstStyle>
           <a:p>
             <a:r>
-              <a:rPr kumimoji="0" lang="en-GB" dirty="0" smtClean="0"/>
+              <a:rPr kumimoji="0" lang="en-GB" dirty="0"/>
               <a:t>Click to edit subtitle</a:t>
             </a:r>
             <a:endParaRPr kumimoji="0" lang="en-US" dirty="0"/>
@@ -889,13 +1052,6 @@
   <p:clrMapOvr>
     <a:masterClrMapping/>
   </p:clrMapOvr>
-  <p:timing>
-    <p:tnLst>
-      <p:par>
-        <p:cTn id="1" dur="indefinite" restart="never" nodeType="tmRoot"/>
-      </p:par>
-    </p:tnLst>
-  </p:timing>
 </p:sldLayout>
 </file>
 
@@ -954,35 +1110,35 @@
           <a:p>
             <a:pPr lvl="0" eaLnBrk="1" latinLnBrk="0" hangingPunct="1"/>
             <a:r>
-              <a:rPr lang="en-GB" dirty="0" smtClean="0"/>
+              <a:rPr lang="en-GB" dirty="0"/>
               <a:t>Click to edit text</a:t>
             </a:r>
           </a:p>
           <a:p>
             <a:pPr lvl="1" eaLnBrk="1" latinLnBrk="0" hangingPunct="1"/>
             <a:r>
-              <a:rPr lang="en-GB" dirty="0" smtClean="0"/>
+              <a:rPr lang="en-GB" dirty="0"/>
               <a:t>Second level</a:t>
             </a:r>
           </a:p>
           <a:p>
             <a:pPr lvl="2" eaLnBrk="1" latinLnBrk="0" hangingPunct="1"/>
             <a:r>
-              <a:rPr lang="en-GB" dirty="0" smtClean="0"/>
+              <a:rPr lang="en-GB" dirty="0"/>
               <a:t>Third level</a:t>
             </a:r>
           </a:p>
           <a:p>
             <a:pPr lvl="3" eaLnBrk="1" latinLnBrk="0" hangingPunct="1"/>
             <a:r>
-              <a:rPr lang="en-GB" dirty="0" smtClean="0"/>
+              <a:rPr lang="en-GB" dirty="0"/>
               <a:t>Fourth level</a:t>
             </a:r>
           </a:p>
           <a:p>
             <a:pPr lvl="4" eaLnBrk="1" latinLnBrk="0" hangingPunct="1"/>
             <a:r>
-              <a:rPr lang="en-GB" dirty="0" smtClean="0"/>
+              <a:rPr lang="en-GB" dirty="0"/>
               <a:t>Fifth level</a:t>
             </a:r>
             <a:endParaRPr kumimoji="0" lang="en-US" dirty="0"/>
@@ -1005,7 +1161,7 @@
           <a:lstStyle/>
           <a:p>
             <a:r>
-              <a:rPr lang="en-GB" dirty="0" smtClean="0"/>
+              <a:rPr lang="en-GB" dirty="0"/>
               <a:t>Click to Edit Title</a:t>
             </a:r>
             <a:endParaRPr lang="en-US" dirty="0"/>
@@ -1033,7 +1189,7 @@
           </a:bodyPr>
           <a:lstStyle/>
           <a:p>
-            <a:endParaRPr lang="en-US" dirty="0" smtClean="0"/>
+            <a:endParaRPr lang="en-US" dirty="0"/>
           </a:p>
         </p:txBody>
       </p:sp>
@@ -1084,7 +1240,7 @@
           <a:lstStyle/>
           <a:p>
             <a:r>
-              <a:rPr kumimoji="0" lang="en-GB" dirty="0" smtClean="0"/>
+              <a:rPr kumimoji="0" lang="en-GB" dirty="0"/>
               <a:t>Click to Edit Title</a:t>
             </a:r>
             <a:endParaRPr kumimoji="0" lang="en-US" dirty="0"/>
@@ -1129,35 +1285,35 @@
           <a:p>
             <a:pPr lvl="0" eaLnBrk="1" latinLnBrk="0" hangingPunct="1"/>
             <a:r>
-              <a:rPr lang="en-GB" dirty="0" smtClean="0"/>
+              <a:rPr lang="en-GB" dirty="0"/>
               <a:t>Click to edit text</a:t>
             </a:r>
           </a:p>
           <a:p>
             <a:pPr lvl="1" eaLnBrk="1" latinLnBrk="0" hangingPunct="1"/>
             <a:r>
-              <a:rPr lang="en-GB" dirty="0" smtClean="0"/>
+              <a:rPr lang="en-GB" dirty="0"/>
               <a:t>Second level</a:t>
             </a:r>
           </a:p>
           <a:p>
             <a:pPr lvl="2" eaLnBrk="1" latinLnBrk="0" hangingPunct="1"/>
             <a:r>
-              <a:rPr lang="en-GB" dirty="0" smtClean="0"/>
+              <a:rPr lang="en-GB" dirty="0"/>
               <a:t>Third level</a:t>
             </a:r>
           </a:p>
           <a:p>
             <a:pPr lvl="3" eaLnBrk="1" latinLnBrk="0" hangingPunct="1"/>
             <a:r>
-              <a:rPr lang="en-GB" dirty="0" smtClean="0"/>
+              <a:rPr lang="en-GB" dirty="0"/>
               <a:t>Fourth level</a:t>
             </a:r>
           </a:p>
           <a:p>
             <a:pPr lvl="4" eaLnBrk="1" latinLnBrk="0" hangingPunct="1"/>
             <a:r>
-              <a:rPr lang="en-GB" dirty="0" smtClean="0"/>
+              <a:rPr lang="en-GB" dirty="0"/>
               <a:t>Fifth level</a:t>
             </a:r>
             <a:endParaRPr kumimoji="0" lang="en-US" dirty="0"/>
@@ -1202,35 +1358,35 @@
           <a:p>
             <a:pPr lvl="0" eaLnBrk="1" latinLnBrk="0" hangingPunct="1"/>
             <a:r>
-              <a:rPr lang="en-GB" dirty="0" smtClean="0"/>
+              <a:rPr lang="en-GB" dirty="0"/>
               <a:t>Click to edit text</a:t>
             </a:r>
           </a:p>
           <a:p>
             <a:pPr lvl="1" eaLnBrk="1" latinLnBrk="0" hangingPunct="1"/>
             <a:r>
-              <a:rPr lang="en-GB" dirty="0" smtClean="0"/>
+              <a:rPr lang="en-GB" dirty="0"/>
               <a:t>Second level</a:t>
             </a:r>
           </a:p>
           <a:p>
             <a:pPr lvl="2" eaLnBrk="1" latinLnBrk="0" hangingPunct="1"/>
             <a:r>
-              <a:rPr lang="en-GB" dirty="0" smtClean="0"/>
+              <a:rPr lang="en-GB" dirty="0"/>
               <a:t>Third level</a:t>
             </a:r>
           </a:p>
           <a:p>
             <a:pPr lvl="3" eaLnBrk="1" latinLnBrk="0" hangingPunct="1"/>
             <a:r>
-              <a:rPr lang="en-GB" dirty="0" smtClean="0"/>
+              <a:rPr lang="en-GB" dirty="0"/>
               <a:t>Fourth level</a:t>
             </a:r>
           </a:p>
           <a:p>
             <a:pPr lvl="4" eaLnBrk="1" latinLnBrk="0" hangingPunct="1"/>
             <a:r>
-              <a:rPr lang="en-GB" dirty="0" smtClean="0"/>
+              <a:rPr lang="en-GB" dirty="0"/>
               <a:t>Fifth level</a:t>
             </a:r>
             <a:endParaRPr kumimoji="0" lang="en-US" dirty="0"/>
@@ -1301,35 +1457,35 @@
           <a:p>
             <a:pPr lvl="0" eaLnBrk="1" latinLnBrk="0" hangingPunct="1"/>
             <a:r>
-              <a:rPr lang="en-GB" dirty="0" smtClean="0"/>
+              <a:rPr lang="en-GB" dirty="0"/>
               <a:t>Click to edit text</a:t>
             </a:r>
           </a:p>
           <a:p>
             <a:pPr lvl="1" eaLnBrk="1" latinLnBrk="0" hangingPunct="1"/>
             <a:r>
-              <a:rPr lang="en-GB" dirty="0" smtClean="0"/>
+              <a:rPr lang="en-GB" dirty="0"/>
               <a:t>Second level</a:t>
             </a:r>
           </a:p>
           <a:p>
             <a:pPr lvl="2" eaLnBrk="1" latinLnBrk="0" hangingPunct="1"/>
             <a:r>
-              <a:rPr lang="en-GB" dirty="0" smtClean="0"/>
+              <a:rPr lang="en-GB" dirty="0"/>
               <a:t>Third level</a:t>
             </a:r>
           </a:p>
           <a:p>
             <a:pPr lvl="3" eaLnBrk="1" latinLnBrk="0" hangingPunct="1"/>
             <a:r>
-              <a:rPr lang="en-GB" dirty="0" smtClean="0"/>
+              <a:rPr lang="en-GB" dirty="0"/>
               <a:t>Fourth level</a:t>
             </a:r>
           </a:p>
           <a:p>
             <a:pPr lvl="4" eaLnBrk="1" latinLnBrk="0" hangingPunct="1"/>
             <a:r>
-              <a:rPr lang="en-GB" dirty="0" smtClean="0"/>
+              <a:rPr lang="en-GB" dirty="0"/>
               <a:t>Fifth level</a:t>
             </a:r>
             <a:endParaRPr kumimoji="0" lang="en-US" dirty="0"/>
@@ -1374,35 +1530,35 @@
           <a:p>
             <a:pPr lvl="0" eaLnBrk="1" latinLnBrk="0" hangingPunct="1"/>
             <a:r>
-              <a:rPr lang="en-GB" dirty="0" smtClean="0"/>
+              <a:rPr lang="en-GB" dirty="0"/>
               <a:t>Click to edit text</a:t>
             </a:r>
           </a:p>
           <a:p>
             <a:pPr lvl="1" eaLnBrk="1" latinLnBrk="0" hangingPunct="1"/>
             <a:r>
-              <a:rPr lang="en-GB" dirty="0" smtClean="0"/>
+              <a:rPr lang="en-GB" dirty="0"/>
               <a:t>Second level</a:t>
             </a:r>
           </a:p>
           <a:p>
             <a:pPr lvl="2" eaLnBrk="1" latinLnBrk="0" hangingPunct="1"/>
             <a:r>
-              <a:rPr lang="en-GB" dirty="0" smtClean="0"/>
+              <a:rPr lang="en-GB" dirty="0"/>
               <a:t>Third level</a:t>
             </a:r>
           </a:p>
           <a:p>
             <a:pPr lvl="3" eaLnBrk="1" latinLnBrk="0" hangingPunct="1"/>
             <a:r>
-              <a:rPr lang="en-GB" dirty="0" smtClean="0"/>
+              <a:rPr lang="en-GB" dirty="0"/>
               <a:t>Fourth level</a:t>
             </a:r>
           </a:p>
           <a:p>
             <a:pPr lvl="4" eaLnBrk="1" latinLnBrk="0" hangingPunct="1"/>
             <a:r>
-              <a:rPr lang="en-GB" dirty="0" smtClean="0"/>
+              <a:rPr lang="en-GB" dirty="0"/>
               <a:t>Fifth level</a:t>
             </a:r>
             <a:endParaRPr kumimoji="0" lang="en-US" dirty="0"/>
@@ -1425,7 +1581,7 @@
           <a:lstStyle/>
           <a:p>
             <a:r>
-              <a:rPr lang="en-GB" dirty="0" smtClean="0"/>
+              <a:rPr lang="en-GB" dirty="0"/>
               <a:t>Click to Edit Title</a:t>
             </a:r>
             <a:endParaRPr lang="en-US" dirty="0"/>
@@ -1463,7 +1619,7 @@
           <a:p>
             <a:pPr lvl="0"/>
             <a:r>
-              <a:rPr lang="en-GB" dirty="0" smtClean="0"/>
+              <a:rPr lang="en-GB" dirty="0"/>
               <a:t>Click to edit subtitle</a:t>
             </a:r>
             <a:endParaRPr lang="en-US" dirty="0"/>
@@ -1491,7 +1647,7 @@
           </a:bodyPr>
           <a:lstStyle/>
           <a:p>
-            <a:endParaRPr lang="en-US" dirty="0" smtClean="0"/>
+            <a:endParaRPr lang="en-US" dirty="0"/>
           </a:p>
         </p:txBody>
       </p:sp>
@@ -1564,35 +1720,35 @@
           <a:p>
             <a:pPr lvl="0" eaLnBrk="1" latinLnBrk="0" hangingPunct="1"/>
             <a:r>
-              <a:rPr lang="en-GB" dirty="0" smtClean="0"/>
+              <a:rPr lang="en-GB" dirty="0"/>
               <a:t>Click to edit text</a:t>
             </a:r>
           </a:p>
           <a:p>
             <a:pPr lvl="1" eaLnBrk="1" latinLnBrk="0" hangingPunct="1"/>
             <a:r>
-              <a:rPr lang="en-GB" dirty="0" smtClean="0"/>
+              <a:rPr lang="en-GB" dirty="0"/>
               <a:t>Second level</a:t>
             </a:r>
           </a:p>
           <a:p>
             <a:pPr lvl="2" eaLnBrk="1" latinLnBrk="0" hangingPunct="1"/>
             <a:r>
-              <a:rPr lang="en-GB" dirty="0" smtClean="0"/>
+              <a:rPr lang="en-GB" dirty="0"/>
               <a:t>Third level</a:t>
             </a:r>
           </a:p>
           <a:p>
             <a:pPr lvl="3" eaLnBrk="1" latinLnBrk="0" hangingPunct="1"/>
             <a:r>
-              <a:rPr lang="en-GB" dirty="0" smtClean="0"/>
+              <a:rPr lang="en-GB" dirty="0"/>
               <a:t>Fourth level</a:t>
             </a:r>
           </a:p>
           <a:p>
             <a:pPr lvl="4" eaLnBrk="1" latinLnBrk="0" hangingPunct="1"/>
             <a:r>
-              <a:rPr lang="en-GB" dirty="0" smtClean="0"/>
+              <a:rPr lang="en-GB" dirty="0"/>
               <a:t>Fifth level</a:t>
             </a:r>
             <a:endParaRPr kumimoji="0" lang="en-US" dirty="0"/>
@@ -1615,7 +1771,7 @@
           <a:lstStyle/>
           <a:p>
             <a:r>
-              <a:rPr lang="en-GB" dirty="0" smtClean="0"/>
+              <a:rPr lang="en-GB" dirty="0"/>
               <a:t>Click to Edit Title</a:t>
             </a:r>
             <a:endParaRPr lang="en-US" dirty="0"/>
@@ -1653,7 +1809,7 @@
           <a:p>
             <a:pPr lvl="0"/>
             <a:r>
-              <a:rPr lang="en-GB" dirty="0" smtClean="0"/>
+              <a:rPr lang="en-GB" dirty="0"/>
               <a:t>Click to edit subtitle</a:t>
             </a:r>
             <a:endParaRPr lang="en-US" dirty="0"/>
@@ -1681,7 +1837,7 @@
           </a:bodyPr>
           <a:lstStyle/>
           <a:p>
-            <a:endParaRPr lang="en-US" dirty="0" smtClean="0"/>
+            <a:endParaRPr lang="en-US" dirty="0"/>
           </a:p>
         </p:txBody>
       </p:sp>
@@ -1732,7 +1888,7 @@
           <a:lstStyle/>
           <a:p>
             <a:r>
-              <a:rPr kumimoji="0" lang="en-GB" dirty="0" smtClean="0"/>
+              <a:rPr kumimoji="0" lang="en-GB" dirty="0"/>
               <a:t>Click to Edit Title</a:t>
             </a:r>
             <a:endParaRPr kumimoji="0" lang="en-US" dirty="0"/>
@@ -1777,35 +1933,35 @@
           <a:p>
             <a:pPr lvl="0" eaLnBrk="1" latinLnBrk="0" hangingPunct="1"/>
             <a:r>
-              <a:rPr lang="en-GB" dirty="0" smtClean="0"/>
+              <a:rPr lang="en-GB" dirty="0"/>
               <a:t>Click to edit text</a:t>
             </a:r>
           </a:p>
           <a:p>
             <a:pPr lvl="1" eaLnBrk="1" latinLnBrk="0" hangingPunct="1"/>
             <a:r>
-              <a:rPr lang="en-GB" dirty="0" smtClean="0"/>
+              <a:rPr lang="en-GB" dirty="0"/>
               <a:t>Second level</a:t>
             </a:r>
           </a:p>
           <a:p>
             <a:pPr lvl="2" eaLnBrk="1" latinLnBrk="0" hangingPunct="1"/>
             <a:r>
-              <a:rPr lang="en-GB" dirty="0" smtClean="0"/>
+              <a:rPr lang="en-GB" dirty="0"/>
               <a:t>Third level</a:t>
             </a:r>
           </a:p>
           <a:p>
             <a:pPr lvl="3" eaLnBrk="1" latinLnBrk="0" hangingPunct="1"/>
             <a:r>
-              <a:rPr lang="en-GB" dirty="0" smtClean="0"/>
+              <a:rPr lang="en-GB" dirty="0"/>
               <a:t>Fourth level</a:t>
             </a:r>
           </a:p>
           <a:p>
             <a:pPr lvl="4" eaLnBrk="1" latinLnBrk="0" hangingPunct="1"/>
             <a:r>
-              <a:rPr lang="en-GB" dirty="0" smtClean="0"/>
+              <a:rPr lang="en-GB" dirty="0"/>
               <a:t>Fifth level</a:t>
             </a:r>
             <a:endParaRPr kumimoji="0" lang="en-US" dirty="0"/>
@@ -1864,7 +2020,7 @@
               <a:buNone/>
               <a:tabLst/>
             </a:pPr>
-            <a:endParaRPr kumimoji="0" lang="en-US" sz="1400" b="1" i="0" u="none" strike="noStrike" cap="none" normalizeH="0" baseline="0" smtClean="0">
+            <a:endParaRPr kumimoji="0" lang="en-US" sz="1400" b="1" i="0" u="none" strike="noStrike" cap="none" normalizeH="0" baseline="0">
               <a:ln>
                 <a:noFill/>
               </a:ln>
@@ -1931,7 +2087,7 @@
               <a:tabLst/>
             </a:pPr>
             <a:r>
-              <a:rPr kumimoji="0" lang="en-US" sz="1000" b="1" i="0" u="none" strike="noStrike" cap="none" normalizeH="0" baseline="0" dirty="0" smtClean="0">
+              <a:rPr kumimoji="0" lang="en-US" sz="1000" b="1" i="0" u="none" strike="noStrike" cap="none" normalizeH="0" baseline="0" dirty="0">
                 <a:ln>
                   <a:noFill/>
                 </a:ln>
@@ -1945,7 +2101,7 @@
               <a:t>Approximate</a:t>
             </a:r>
             <a:r>
-              <a:rPr kumimoji="0" lang="en-US" sz="1000" b="1" i="0" u="none" strike="noStrike" cap="none" normalizeH="0" dirty="0" smtClean="0">
+              <a:rPr kumimoji="0" lang="en-US" sz="1000" b="1" i="0" u="none" strike="noStrike" cap="none" normalizeH="0" dirty="0">
                 <a:ln>
                   <a:noFill/>
                 </a:ln>
@@ -1958,7 +2114,7 @@
               </a:rPr>
               <a:t> clearance</a:t>
             </a:r>
-            <a:endParaRPr kumimoji="0" lang="en-US" sz="1000" b="1" i="0" u="none" strike="noStrike" cap="none" normalizeH="0" baseline="0" dirty="0" smtClean="0">
+            <a:endParaRPr kumimoji="0" lang="en-US" sz="1000" b="1" i="0" u="none" strike="noStrike" cap="none" normalizeH="0" baseline="0" dirty="0">
               <a:ln>
                 <a:noFill/>
               </a:ln>
@@ -2017,7 +2173,7 @@
               </a:spcAft>
             </a:pPr>
             <a:r>
-              <a:rPr lang="en-US" sz="1000" b="1" dirty="0" smtClean="0">
+              <a:rPr lang="en-US" sz="1000" b="1" dirty="0">
                 <a:solidFill>
                   <a:srgbClr val="FFFFFF"/>
                 </a:solidFill>
@@ -2082,7 +2238,7 @@
               <a:tabLst/>
             </a:pPr>
             <a:r>
-              <a:rPr kumimoji="0" lang="en-US" sz="1000" b="1" i="0" u="none" strike="noStrike" cap="none" normalizeH="0" baseline="0" dirty="0" smtClean="0">
+              <a:rPr kumimoji="0" lang="en-US" sz="1000" b="1" i="0" u="none" strike="noStrike" cap="none" normalizeH="0" baseline="0" dirty="0">
                 <a:ln>
                   <a:noFill/>
                 </a:ln>
@@ -2096,7 +2252,7 @@
               <a:t>Approximate</a:t>
             </a:r>
             <a:r>
-              <a:rPr kumimoji="0" lang="en-US" sz="1000" b="1" i="0" u="none" strike="noStrike" cap="none" normalizeH="0" dirty="0" smtClean="0">
+              <a:rPr kumimoji="0" lang="en-US" sz="1000" b="1" i="0" u="none" strike="noStrike" cap="none" normalizeH="0" dirty="0">
                 <a:ln>
                   <a:noFill/>
                 </a:ln>
@@ -2109,7 +2265,7 @@
               </a:rPr>
               <a:t> clearance</a:t>
             </a:r>
-            <a:endParaRPr kumimoji="0" lang="en-US" sz="1000" b="1" i="0" u="none" strike="noStrike" cap="none" normalizeH="0" baseline="0" dirty="0" smtClean="0">
+            <a:endParaRPr kumimoji="0" lang="en-US" sz="1000" b="1" i="0" u="none" strike="noStrike" cap="none" normalizeH="0" baseline="0" dirty="0">
               <a:ln>
                 <a:noFill/>
               </a:ln>
@@ -2168,7 +2324,7 @@
               </a:spcAft>
             </a:pPr>
             <a:r>
-              <a:rPr lang="en-US" sz="1000" b="1" dirty="0" smtClean="0">
+              <a:rPr lang="en-US" sz="1000" b="1" dirty="0">
                 <a:solidFill>
                   <a:srgbClr val="FFFFFF"/>
                 </a:solidFill>
@@ -2221,7 +2377,7 @@
           <a:lstStyle/>
           <a:p>
             <a:r>
-              <a:rPr kumimoji="0" lang="en-GB" dirty="0" smtClean="0"/>
+              <a:rPr kumimoji="0" lang="en-GB" dirty="0"/>
               <a:t>Click to Edit Title</a:t>
             </a:r>
             <a:endParaRPr kumimoji="0" lang="en-US" dirty="0"/>
@@ -2280,7 +2436,7 @@
               <a:buNone/>
               <a:tabLst/>
             </a:pPr>
-            <a:endParaRPr kumimoji="0" lang="en-US" sz="1400" b="1" i="0" u="none" strike="noStrike" cap="none" normalizeH="0" baseline="0" smtClean="0">
+            <a:endParaRPr kumimoji="0" lang="en-US" sz="1400" b="1" i="0" u="none" strike="noStrike" cap="none" normalizeH="0" baseline="0">
               <a:ln>
                 <a:noFill/>
               </a:ln>
@@ -2347,7 +2503,7 @@
               <a:tabLst/>
             </a:pPr>
             <a:r>
-              <a:rPr kumimoji="0" lang="en-US" sz="1000" b="1" i="0" u="none" strike="noStrike" cap="none" normalizeH="0" baseline="0" dirty="0" smtClean="0">
+              <a:rPr kumimoji="0" lang="en-US" sz="1000" b="1" i="0" u="none" strike="noStrike" cap="none" normalizeH="0" baseline="0" dirty="0">
                 <a:ln>
                   <a:noFill/>
                 </a:ln>
@@ -2361,7 +2517,7 @@
               <a:t>Approximate</a:t>
             </a:r>
             <a:r>
-              <a:rPr kumimoji="0" lang="en-US" sz="1000" b="1" i="0" u="none" strike="noStrike" cap="none" normalizeH="0" dirty="0" smtClean="0">
+              <a:rPr kumimoji="0" lang="en-US" sz="1000" b="1" i="0" u="none" strike="noStrike" cap="none" normalizeH="0" dirty="0">
                 <a:ln>
                   <a:noFill/>
                 </a:ln>
@@ -2374,7 +2530,7 @@
               </a:rPr>
               <a:t> clearance</a:t>
             </a:r>
-            <a:endParaRPr kumimoji="0" lang="en-US" sz="1000" b="1" i="0" u="none" strike="noStrike" cap="none" normalizeH="0" baseline="0" dirty="0" smtClean="0">
+            <a:endParaRPr kumimoji="0" lang="en-US" sz="1000" b="1" i="0" u="none" strike="noStrike" cap="none" normalizeH="0" baseline="0" dirty="0">
               <a:ln>
                 <a:noFill/>
               </a:ln>
@@ -2433,7 +2589,7 @@
               </a:spcAft>
             </a:pPr>
             <a:r>
-              <a:rPr lang="en-US" sz="1000" b="1" dirty="0" smtClean="0">
+              <a:rPr lang="en-US" sz="1000" b="1" dirty="0">
                 <a:solidFill>
                   <a:srgbClr val="FFFFFF"/>
                 </a:solidFill>
@@ -2522,35 +2678,35 @@
           <a:p>
             <a:pPr lvl="0" eaLnBrk="1" latinLnBrk="0" hangingPunct="1"/>
             <a:r>
-              <a:rPr lang="en-GB" dirty="0" smtClean="0"/>
+              <a:rPr lang="en-GB" dirty="0"/>
               <a:t>Click to edit text</a:t>
             </a:r>
           </a:p>
           <a:p>
             <a:pPr lvl="1" eaLnBrk="1" latinLnBrk="0" hangingPunct="1"/>
             <a:r>
-              <a:rPr lang="en-GB" dirty="0" smtClean="0"/>
+              <a:rPr lang="en-GB" dirty="0"/>
               <a:t>Second level</a:t>
             </a:r>
           </a:p>
           <a:p>
             <a:pPr lvl="2" eaLnBrk="1" latinLnBrk="0" hangingPunct="1"/>
             <a:r>
-              <a:rPr lang="en-GB" dirty="0" smtClean="0"/>
+              <a:rPr lang="en-GB" dirty="0"/>
               <a:t>Third level</a:t>
             </a:r>
           </a:p>
           <a:p>
             <a:pPr lvl="3" eaLnBrk="1" latinLnBrk="0" hangingPunct="1"/>
             <a:r>
-              <a:rPr lang="en-GB" dirty="0" smtClean="0"/>
+              <a:rPr lang="en-GB" dirty="0"/>
               <a:t>Fourth level</a:t>
             </a:r>
           </a:p>
           <a:p>
             <a:pPr lvl="4" eaLnBrk="1" latinLnBrk="0" hangingPunct="1"/>
             <a:r>
-              <a:rPr lang="en-GB" dirty="0" smtClean="0"/>
+              <a:rPr lang="en-GB" dirty="0"/>
               <a:t>Fifth level</a:t>
             </a:r>
             <a:endParaRPr kumimoji="0" lang="en-US" dirty="0"/>
@@ -2595,35 +2751,35 @@
           <a:p>
             <a:pPr lvl="0" eaLnBrk="1" latinLnBrk="0" hangingPunct="1"/>
             <a:r>
-              <a:rPr lang="en-GB" dirty="0" smtClean="0"/>
+              <a:rPr lang="en-GB" dirty="0"/>
               <a:t>Click to edit text</a:t>
             </a:r>
           </a:p>
           <a:p>
             <a:pPr lvl="1" eaLnBrk="1" latinLnBrk="0" hangingPunct="1"/>
             <a:r>
-              <a:rPr lang="en-GB" dirty="0" smtClean="0"/>
+              <a:rPr lang="en-GB" dirty="0"/>
               <a:t>Second level</a:t>
             </a:r>
           </a:p>
           <a:p>
             <a:pPr lvl="2" eaLnBrk="1" latinLnBrk="0" hangingPunct="1"/>
             <a:r>
-              <a:rPr lang="en-GB" dirty="0" smtClean="0"/>
+              <a:rPr lang="en-GB" dirty="0"/>
               <a:t>Third level</a:t>
             </a:r>
           </a:p>
           <a:p>
             <a:pPr lvl="3" eaLnBrk="1" latinLnBrk="0" hangingPunct="1"/>
             <a:r>
-              <a:rPr lang="en-GB" dirty="0" smtClean="0"/>
+              <a:rPr lang="en-GB" dirty="0"/>
               <a:t>Fourth level</a:t>
             </a:r>
           </a:p>
           <a:p>
             <a:pPr lvl="4" eaLnBrk="1" latinLnBrk="0" hangingPunct="1"/>
             <a:r>
-              <a:rPr lang="en-GB" dirty="0" smtClean="0"/>
+              <a:rPr lang="en-GB" dirty="0"/>
               <a:t>Fifth level</a:t>
             </a:r>
             <a:endParaRPr kumimoji="0" lang="en-US" dirty="0"/>
@@ -2683,7 +2839,7 @@
               <a:tabLst/>
             </a:pPr>
             <a:r>
-              <a:rPr kumimoji="0" lang="en-US" sz="1000" b="1" i="0" u="none" strike="noStrike" cap="none" normalizeH="0" baseline="0" dirty="0" smtClean="0">
+              <a:rPr kumimoji="0" lang="en-US" sz="1000" b="1" i="0" u="none" strike="noStrike" cap="none" normalizeH="0" baseline="0" dirty="0">
                 <a:ln>
                   <a:noFill/>
                 </a:ln>
@@ -2697,7 +2853,7 @@
               <a:t>Approximate</a:t>
             </a:r>
             <a:r>
-              <a:rPr kumimoji="0" lang="en-US" sz="1000" b="1" i="0" u="none" strike="noStrike" cap="none" normalizeH="0" dirty="0" smtClean="0">
+              <a:rPr kumimoji="0" lang="en-US" sz="1000" b="1" i="0" u="none" strike="noStrike" cap="none" normalizeH="0" dirty="0">
                 <a:ln>
                   <a:noFill/>
                 </a:ln>
@@ -2710,7 +2866,7 @@
               </a:rPr>
               <a:t> clearance</a:t>
             </a:r>
-            <a:endParaRPr kumimoji="0" lang="en-US" sz="1000" b="1" i="0" u="none" strike="noStrike" cap="none" normalizeH="0" baseline="0" dirty="0" smtClean="0">
+            <a:endParaRPr kumimoji="0" lang="en-US" sz="1000" b="1" i="0" u="none" strike="noStrike" cap="none" normalizeH="0" baseline="0" dirty="0">
               <a:ln>
                 <a:noFill/>
               </a:ln>
@@ -2769,7 +2925,7 @@
               </a:spcAft>
             </a:pPr>
             <a:r>
-              <a:rPr lang="en-US" sz="1000" b="1" dirty="0" smtClean="0">
+              <a:rPr lang="en-US" sz="1000" b="1" dirty="0">
                 <a:solidFill>
                   <a:srgbClr val="FFFFFF"/>
                 </a:solidFill>
@@ -2921,7 +3077,7 @@
           </a:lstStyle>
           <a:p>
             <a:r>
-              <a:rPr kumimoji="0" lang="en-GB" dirty="0" smtClean="0"/>
+              <a:rPr kumimoji="0" lang="en-GB" dirty="0"/>
               <a:t>Click to Edit Title</a:t>
             </a:r>
             <a:endParaRPr kumimoji="0" lang="en-US" dirty="0"/>
@@ -2938,13 +3094,6 @@
   <p:clrMapOvr>
     <a:masterClrMapping/>
   </p:clrMapOvr>
-  <p:timing>
-    <p:tnLst>
-      <p:par>
-        <p:cTn id="1" dur="indefinite" restart="never" nodeType="tmRoot"/>
-      </p:par>
-    </p:tnLst>
-  </p:timing>
 </p:sldLayout>
 </file>
 
@@ -2997,15 +3146,15 @@
           </a:lstStyle>
           <a:p>
             <a:r>
-              <a:rPr kumimoji="0" lang="en-GB" dirty="0" smtClean="0"/>
+              <a:rPr kumimoji="0" lang="en-GB" dirty="0"/>
               <a:t>Type or insert a quote into this box ensuring each line of text is as equal as possible.  There are three line to fill so please edit as required.  Character count </a:t>
             </a:r>
             <a:r>
-              <a:rPr kumimoji="0" lang="en-GB" dirty="0" err="1" smtClean="0"/>
+              <a:rPr kumimoji="0" lang="en-GB" dirty="0" err="1"/>
               <a:t>approx</a:t>
             </a:r>
             <a:r>
-              <a:rPr kumimoji="0" lang="en-GB" dirty="0" smtClean="0"/>
+              <a:rPr kumimoji="0" lang="en-GB" dirty="0"/>
               <a:t> 160</a:t>
             </a:r>
             <a:endParaRPr kumimoji="0" lang="en-US" dirty="0"/>
@@ -3033,7 +3182,7 @@
           </a:bodyPr>
           <a:lstStyle/>
           <a:p>
-            <a:endParaRPr lang="en-US" dirty="0" smtClean="0"/>
+            <a:endParaRPr lang="en-US" dirty="0"/>
           </a:p>
         </p:txBody>
       </p:sp>
@@ -3100,7 +3249,7 @@
           <a:p>
             <a:pPr lvl="0"/>
             <a:r>
-              <a:rPr lang="en-GB" dirty="0" smtClean="0"/>
+              <a:rPr lang="en-GB" dirty="0"/>
               <a:t>Type acknowledgement or source of statement</a:t>
             </a:r>
             <a:endParaRPr lang="en-US" dirty="0"/>
@@ -3117,13 +3266,6 @@
   <p:clrMapOvr>
     <a:masterClrMapping/>
   </p:clrMapOvr>
-  <p:timing>
-    <p:tnLst>
-      <p:par>
-        <p:cTn id="1" dur="indefinite" restart="never" nodeType="tmRoot"/>
-      </p:par>
-    </p:tnLst>
-  </p:timing>
   <p:hf sldNum="0" hdr="0" ftr="0" dt="0"/>
 </p:sldLayout>
 </file>
@@ -3183,7 +3325,7 @@
           <a:lstStyle/>
           <a:p>
             <a:r>
-              <a:rPr kumimoji="0" lang="en-GB" dirty="0" smtClean="0"/>
+              <a:rPr kumimoji="0" lang="en-GB" dirty="0"/>
               <a:t>Click to Edit Title</a:t>
             </a:r>
             <a:endParaRPr kumimoji="0" lang="en-US" dirty="0"/>
@@ -3217,35 +3359,35 @@
           <a:p>
             <a:pPr lvl="0" eaLnBrk="1" latinLnBrk="0" hangingPunct="1"/>
             <a:r>
-              <a:rPr kumimoji="0" lang="en-GB" dirty="0" smtClean="0"/>
+              <a:rPr kumimoji="0" lang="en-GB" dirty="0"/>
               <a:t>Click to edit text</a:t>
             </a:r>
           </a:p>
           <a:p>
             <a:pPr lvl="1" eaLnBrk="1" latinLnBrk="0" hangingPunct="1"/>
             <a:r>
-              <a:rPr kumimoji="0" lang="en-GB" dirty="0" smtClean="0"/>
+              <a:rPr kumimoji="0" lang="en-GB" dirty="0"/>
               <a:t>Second level</a:t>
             </a:r>
           </a:p>
           <a:p>
             <a:pPr lvl="2" eaLnBrk="1" latinLnBrk="0" hangingPunct="1"/>
             <a:r>
-              <a:rPr kumimoji="0" lang="en-GB" dirty="0" smtClean="0"/>
+              <a:rPr kumimoji="0" lang="en-GB" dirty="0"/>
               <a:t>Third level</a:t>
             </a:r>
           </a:p>
           <a:p>
             <a:pPr lvl="3" eaLnBrk="1" latinLnBrk="0" hangingPunct="1"/>
             <a:r>
-              <a:rPr kumimoji="0" lang="en-GB" dirty="0" smtClean="0"/>
+              <a:rPr kumimoji="0" lang="en-GB" dirty="0"/>
               <a:t>Fourth level</a:t>
             </a:r>
           </a:p>
           <a:p>
             <a:pPr lvl="4" eaLnBrk="1" latinLnBrk="0" hangingPunct="1"/>
             <a:r>
-              <a:rPr kumimoji="0" lang="en-GB" dirty="0" smtClean="0"/>
+              <a:rPr kumimoji="0" lang="en-GB" dirty="0"/>
               <a:t>Fifth level</a:t>
             </a:r>
             <a:endParaRPr kumimoji="0" lang="en-US" dirty="0"/>
@@ -3405,7 +3547,7 @@
               </a:pPr>
               <a:t>‹#›</a:t>
             </a:fld>
-            <a:endParaRPr lang="en-US" dirty="0" smtClean="0"/>
+            <a:endParaRPr lang="en-US" dirty="0"/>
           </a:p>
           <a:p>
             <a:endParaRPr lang="en-US" b="0" dirty="0"/>
@@ -3426,13 +3568,6 @@
     <p:sldLayoutId id="2147483723" r:id="rId8"/>
     <p:sldLayoutId id="2147483724" r:id="rId9"/>
   </p:sldLayoutIdLst>
-  <p:timing>
-    <p:tnLst>
-      <p:par>
-        <p:cTn id="1" dur="indefinite" restart="never" nodeType="tmRoot"/>
-      </p:par>
-    </p:tnLst>
-  </p:timing>
   <p:hf sldNum="0" hdr="0" ftr="0" dt="0"/>
   <p:txStyles>
     <p:titleStyle>
@@ -3798,7 +3933,7 @@
           <a:p>
             <a:pPr algn="ctr"/>
             <a:r>
-              <a:rPr lang="en-US" sz="2000" b="1" dirty="0" smtClean="0">
+              <a:rPr lang="en-US" sz="2000" b="1" dirty="0">
                 <a:solidFill>
                   <a:schemeClr val="tx1"/>
                 </a:solidFill>
@@ -3831,10 +3966,9 @@
           <a:lstStyle/>
           <a:p>
             <a:r>
-              <a:rPr lang="en-US" dirty="0" smtClean="0"/>
+              <a:rPr lang="en-US" dirty="0"/>
               <a:t>CMSIS-Driver 2.0</a:t>
             </a:r>
-            <a:endParaRPr lang="en-US" dirty="0"/>
           </a:p>
         </p:txBody>
       </p:sp>
@@ -3921,7 +4055,7 @@
               <a:defRPr/>
             </a:pPr>
             <a:r>
-              <a:rPr lang="en-US" sz="1200" dirty="0" smtClean="0">
+              <a:rPr lang="en-US" sz="1200" dirty="0">
                 <a:latin typeface="+mn-lt"/>
               </a:rPr>
               <a:t>SAI Controller</a:t>
@@ -3965,13 +4099,13 @@
               <a:defRPr/>
             </a:pPr>
             <a:r>
-              <a:rPr lang="en-US" sz="1200" dirty="0" smtClean="0">
+              <a:rPr lang="en-US" sz="1200" dirty="0">
                 <a:latin typeface="+mn-lt"/>
               </a:rPr>
               <a:t>SPI </a:t>
             </a:r>
             <a:r>
-              <a:rPr lang="en-US" sz="1200" dirty="0" smtClean="0"/>
+              <a:rPr lang="en-US" sz="1200" dirty="0"/>
               <a:t>Controller</a:t>
             </a:r>
             <a:endParaRPr lang="en-GB" sz="1200" dirty="0">
@@ -4015,13 +4149,13 @@
               <a:defRPr/>
             </a:pPr>
             <a:r>
-              <a:rPr lang="en-US" sz="1200" dirty="0" smtClean="0">
+              <a:rPr lang="en-US" sz="1200" dirty="0">
                 <a:latin typeface="+mn-lt"/>
               </a:rPr>
               <a:t>SPI </a:t>
             </a:r>
             <a:r>
-              <a:rPr lang="en-US" sz="1200" dirty="0" smtClean="0"/>
+              <a:rPr lang="en-US" sz="1200" dirty="0"/>
               <a:t>Controller</a:t>
             </a:r>
             <a:endParaRPr lang="en-GB" sz="1200" dirty="0">
@@ -4239,7 +4373,7 @@
               <a:defRPr/>
             </a:pPr>
             <a:r>
-              <a:rPr lang="en-US" sz="1200" dirty="0" smtClean="0">
+              <a:rPr lang="en-US" sz="1200" dirty="0">
                 <a:latin typeface="+mn-lt"/>
               </a:rPr>
               <a:t>Memory Controller</a:t>
@@ -4294,7 +4428,7 @@
               <a:defRPr/>
             </a:pPr>
             <a:r>
-              <a:rPr lang="de-DE" sz="1600" b="1" kern="0" dirty="0" smtClean="0">
+              <a:rPr lang="de-DE" sz="1600" b="1" kern="0" dirty="0">
                 <a:solidFill>
                   <a:srgbClr val="000000"/>
                 </a:solidFill>
@@ -4773,7 +4907,7 @@
               <a:defRPr/>
             </a:pPr>
             <a:r>
-              <a:rPr lang="en-US" sz="1200" dirty="0" smtClean="0">
+              <a:rPr lang="en-US" sz="1200" dirty="0">
                 <a:latin typeface="+mn-lt"/>
               </a:rPr>
               <a:t>USB</a:t>
@@ -4813,7 +4947,7 @@
               <a:defRPr/>
             </a:pPr>
             <a:r>
-              <a:rPr lang="en-US" sz="1200" dirty="0" smtClean="0">
+              <a:rPr lang="en-US" sz="1200" dirty="0">
                 <a:latin typeface="+mn-lt"/>
               </a:rPr>
               <a:t>I/O</a:t>
@@ -4853,7 +4987,7 @@
               <a:defRPr/>
             </a:pPr>
             <a:r>
-              <a:rPr lang="en-US" sz="1200" dirty="0" smtClean="0">
+              <a:rPr lang="en-US" sz="1200" dirty="0">
                 <a:latin typeface="+mn-lt"/>
               </a:rPr>
               <a:t>SDIO0</a:t>
@@ -4893,7 +5027,7 @@
               <a:defRPr/>
             </a:pPr>
             <a:r>
-              <a:rPr lang="en-US" sz="1200" dirty="0" smtClean="0">
+              <a:rPr lang="en-US" sz="1200" dirty="0">
                 <a:latin typeface="+mn-lt"/>
               </a:rPr>
               <a:t>SPI1</a:t>
@@ -4933,7 +5067,7 @@
               <a:defRPr/>
             </a:pPr>
             <a:r>
-              <a:rPr lang="en-US" sz="1200" dirty="0" smtClean="0">
+              <a:rPr lang="en-US" sz="1200" dirty="0">
                 <a:latin typeface="+mn-lt"/>
               </a:rPr>
               <a:t>SPI0</a:t>
@@ -4975,7 +5109,7 @@
               <a:defRPr/>
             </a:pPr>
             <a:r>
-              <a:rPr lang="en-US" sz="1200" dirty="0" smtClean="0">
+              <a:rPr lang="en-US" sz="1200" dirty="0">
                 <a:latin typeface="+mn-lt"/>
               </a:rPr>
               <a:t>SAI0</a:t>
@@ -5017,7 +5151,7 @@
               <a:defRPr/>
             </a:pPr>
             <a:r>
-              <a:rPr lang="en-US" sz="1200" dirty="0" smtClean="0">
+              <a:rPr lang="en-US" sz="1200" dirty="0">
                 <a:latin typeface="+mn-lt"/>
               </a:rPr>
               <a:t>USB</a:t>
@@ -5306,7 +5440,7 @@
               <a:defRPr/>
             </a:pPr>
             <a:r>
-              <a:rPr lang="de-DE" sz="1500" b="1" kern="0" dirty="0" smtClean="0">
+              <a:rPr lang="de-DE" sz="1500" b="1" kern="0" dirty="0">
                 <a:solidFill>
                   <a:sysClr val="window" lastClr="FFFFFF"/>
                 </a:solidFill>
@@ -5316,14 +5450,6 @@
               </a:rPr>
               <a:t>Startup/System</a:t>
             </a:r>
-            <a:endParaRPr lang="de-DE" sz="1500" b="1" kern="0" dirty="0">
-              <a:solidFill>
-                <a:sysClr val="window" lastClr="FFFFFF"/>
-              </a:solidFill>
-              <a:latin typeface="Gill Sans MT" pitchFamily="34" charset="0"/>
-              <a:ea typeface="ＭＳ Ｐゴシック" pitchFamily="34" charset="-128"/>
-              <a:cs typeface="Arial" charset="0"/>
-            </a:endParaRPr>
           </a:p>
         </p:txBody>
       </p:sp>
@@ -5377,7 +5503,7 @@
               <a:defRPr/>
             </a:pPr>
             <a:r>
-              <a:rPr lang="en-GB" sz="1200" dirty="0" smtClean="0">
+              <a:rPr lang="en-GB" sz="1200" dirty="0">
                 <a:solidFill>
                   <a:schemeClr val="tx1"/>
                 </a:solidFill>
@@ -5386,13 +5512,6 @@
               </a:rPr>
               <a:t>SAI0</a:t>
             </a:r>
-            <a:endParaRPr lang="en-GB" sz="1200" dirty="0">
-              <a:solidFill>
-                <a:schemeClr val="tx1"/>
-              </a:solidFill>
-              <a:latin typeface="Courier New" pitchFamily="49" charset="0"/>
-              <a:cs typeface="Courier New" pitchFamily="49" charset="0"/>
-            </a:endParaRPr>
           </a:p>
         </p:txBody>
       </p:sp>
@@ -5436,17 +5555,6 @@
               <a:defRPr/>
             </a:pPr>
             <a:r>
-              <a:rPr lang="de-DE" sz="1500" b="1" kern="0" dirty="0" smtClean="0">
-                <a:solidFill>
-                  <a:sysClr val="window" lastClr="FFFFFF"/>
-                </a:solidFill>
-                <a:latin typeface="Gill Sans MT" pitchFamily="34" charset="0"/>
-                <a:ea typeface="ＭＳ Ｐゴシック" pitchFamily="34" charset="-128"/>
-                <a:cs typeface="Arial" charset="0"/>
-              </a:rPr>
-              <a:t>SAI </a:t>
-            </a:r>
-            <a:r>
               <a:rPr lang="de-DE" sz="1500" b="1" kern="0" dirty="0">
                 <a:solidFill>
                   <a:sysClr val="window" lastClr="FFFFFF"/>
@@ -5455,7 +5563,7 @@
                 <a:ea typeface="ＭＳ Ｐゴシック" pitchFamily="34" charset="-128"/>
                 <a:cs typeface="Arial" charset="0"/>
               </a:rPr>
-              <a:t>Driver</a:t>
+              <a:t>SAI Driver</a:t>
             </a:r>
           </a:p>
         </p:txBody>
@@ -5510,7 +5618,7 @@
               <a:defRPr/>
             </a:pPr>
             <a:r>
-              <a:rPr lang="en-US" sz="1200" dirty="0" smtClean="0">
+              <a:rPr lang="en-US" sz="1200" dirty="0">
                 <a:solidFill>
                   <a:schemeClr val="tx1"/>
                 </a:solidFill>
@@ -5821,27 +5929,8 @@
                 <a:ea typeface="ＭＳ Ｐゴシック" pitchFamily="34" charset="-128"/>
                 <a:cs typeface="Arial" charset="0"/>
               </a:rPr>
-              <a:t>NAND </a:t>
-            </a:r>
-            <a:r>
-              <a:rPr lang="de-DE" sz="1500" b="1" kern="0" dirty="0" smtClean="0">
-                <a:solidFill>
-                  <a:sysClr val="window" lastClr="FFFFFF"/>
-                </a:solidFill>
-                <a:latin typeface="Gill Sans MT" pitchFamily="34" charset="0"/>
-                <a:ea typeface="ＭＳ Ｐゴシック" pitchFamily="34" charset="-128"/>
-                <a:cs typeface="Arial" charset="0"/>
-              </a:rPr>
-              <a:t>Driver</a:t>
-            </a:r>
-            <a:endParaRPr lang="de-DE" sz="1500" b="1" kern="0" dirty="0">
-              <a:solidFill>
-                <a:sysClr val="window" lastClr="FFFFFF"/>
-              </a:solidFill>
-              <a:latin typeface="Gill Sans MT" pitchFamily="34" charset="0"/>
-              <a:ea typeface="ＭＳ Ｐゴシック" pitchFamily="34" charset="-128"/>
-              <a:cs typeface="Arial" charset="0"/>
-            </a:endParaRPr>
+              <a:t>NAND Driver</a:t>
+            </a:r>
           </a:p>
         </p:txBody>
       </p:sp>
@@ -6450,17 +6539,6 @@
               <a:defRPr/>
             </a:pPr>
             <a:r>
-              <a:rPr lang="de-DE" sz="1500" b="1" kern="0" dirty="0" smtClean="0">
-                <a:solidFill>
-                  <a:sysClr val="window" lastClr="FFFFFF"/>
-                </a:solidFill>
-                <a:latin typeface="Gill Sans MT" pitchFamily="34" charset="0"/>
-                <a:ea typeface="ＭＳ Ｐゴシック" pitchFamily="34" charset="-128"/>
-                <a:cs typeface="Arial" charset="0"/>
-              </a:rPr>
-              <a:t>USART </a:t>
-            </a:r>
-            <a:r>
               <a:rPr lang="de-DE" sz="1500" b="1" kern="0" dirty="0">
                 <a:solidFill>
                   <a:sysClr val="window" lastClr="FFFFFF"/>
@@ -6469,7 +6547,7 @@
                 <a:ea typeface="ＭＳ Ｐゴシック" pitchFamily="34" charset="-128"/>
                 <a:cs typeface="Arial" charset="0"/>
               </a:rPr>
-              <a:t>Driver</a:t>
+              <a:t>USART Driver</a:t>
             </a:r>
           </a:p>
         </p:txBody>
@@ -6514,17 +6592,6 @@
               <a:defRPr/>
             </a:pPr>
             <a:r>
-              <a:rPr lang="de-DE" sz="1500" b="1" kern="0" dirty="0" smtClean="0">
-                <a:solidFill>
-                  <a:sysClr val="window" lastClr="FFFFFF"/>
-                </a:solidFill>
-                <a:latin typeface="Gill Sans MT" pitchFamily="34" charset="0"/>
-                <a:ea typeface="ＭＳ Ｐゴシック" pitchFamily="34" charset="-128"/>
-                <a:cs typeface="Arial" charset="0"/>
-              </a:rPr>
-              <a:t>CAN </a:t>
-            </a:r>
-            <a:r>
               <a:rPr lang="de-DE" sz="1500" b="1" kern="0" dirty="0">
                 <a:solidFill>
                   <a:sysClr val="window" lastClr="FFFFFF"/>
@@ -6533,7 +6600,7 @@
                 <a:ea typeface="ＭＳ Ｐゴシック" pitchFamily="34" charset="-128"/>
                 <a:cs typeface="Arial" charset="0"/>
               </a:rPr>
-              <a:t>Driver</a:t>
+              <a:t>CAN Driver</a:t>
             </a:r>
           </a:p>
         </p:txBody>
@@ -6578,17 +6645,6 @@
               <a:defRPr/>
             </a:pPr>
             <a:r>
-              <a:rPr lang="de-DE" sz="1500" b="1" kern="0" dirty="0" smtClean="0">
-                <a:solidFill>
-                  <a:sysClr val="window" lastClr="FFFFFF"/>
-                </a:solidFill>
-                <a:latin typeface="Gill Sans MT" pitchFamily="34" charset="0"/>
-                <a:ea typeface="ＭＳ Ｐゴシック" pitchFamily="34" charset="-128"/>
-                <a:cs typeface="Arial" charset="0"/>
-              </a:rPr>
-              <a:t>Flash </a:t>
-            </a:r>
-            <a:r>
               <a:rPr lang="de-DE" sz="1500" b="1" kern="0" dirty="0">
                 <a:solidFill>
                   <a:sysClr val="window" lastClr="FFFFFF"/>
@@ -6597,7 +6653,7 @@
                 <a:ea typeface="ＭＳ Ｐゴシック" pitchFamily="34" charset="-128"/>
                 <a:cs typeface="Arial" charset="0"/>
               </a:rPr>
-              <a:t>Driver</a:t>
+              <a:t>Flash Driver</a:t>
             </a:r>
           </a:p>
         </p:txBody>
@@ -6652,7 +6708,7 @@
               <a:defRPr/>
             </a:pPr>
             <a:r>
-              <a:rPr lang="en-US" sz="1200" dirty="0" smtClean="0">
+              <a:rPr lang="en-US" sz="1200" dirty="0">
                 <a:solidFill>
                   <a:schemeClr val="tx1"/>
                 </a:solidFill>
@@ -6721,7 +6777,7 @@
               <a:defRPr/>
             </a:pPr>
             <a:r>
-              <a:rPr lang="en-US" sz="1200" dirty="0" smtClean="0">
+              <a:rPr lang="en-US" sz="1200" dirty="0">
                 <a:solidFill>
                   <a:schemeClr val="tx1"/>
                 </a:solidFill>
@@ -6790,7 +6846,7 @@
               <a:defRPr/>
             </a:pPr>
             <a:r>
-              <a:rPr lang="en-GB" sz="1200" dirty="0" smtClean="0">
+              <a:rPr lang="en-GB" sz="1200" dirty="0">
                 <a:solidFill>
                   <a:schemeClr val="tx1"/>
                 </a:solidFill>
@@ -6799,13 +6855,6 @@
               </a:rPr>
               <a:t>SPI1</a:t>
             </a:r>
-            <a:endParaRPr lang="en-GB" sz="1200" dirty="0">
-              <a:solidFill>
-                <a:schemeClr val="tx1"/>
-              </a:solidFill>
-              <a:latin typeface="Courier New" pitchFamily="49" charset="0"/>
-              <a:cs typeface="Courier New" pitchFamily="49" charset="0"/>
-            </a:endParaRPr>
           </a:p>
         </p:txBody>
       </p:sp>
@@ -7263,7 +7312,7 @@
               <a:defRPr/>
             </a:pPr>
             <a:r>
-              <a:rPr lang="en-US" sz="1200" dirty="0" smtClean="0">
+              <a:rPr lang="en-US" sz="1200" dirty="0">
                 <a:latin typeface="+mn-lt"/>
               </a:rPr>
               <a:t>USART</a:t>
@@ -7309,7 +7358,7 @@
               <a:defRPr/>
             </a:pPr>
             <a:r>
-              <a:rPr lang="en-US" sz="1200" dirty="0" smtClean="0">
+              <a:rPr lang="en-US" sz="1200" dirty="0">
                 <a:latin typeface="+mn-lt"/>
               </a:rPr>
               <a:t>CAN Controller</a:t>
@@ -8573,7 +8622,7 @@
               <a:defRPr/>
             </a:pPr>
             <a:r>
-              <a:rPr lang="en-US" sz="1200" dirty="0" smtClean="0">
+              <a:rPr lang="en-US" sz="1200" dirty="0">
                 <a:latin typeface="+mn-lt"/>
               </a:rPr>
               <a:t>RX/TX</a:t>
@@ -8615,7 +8664,7 @@
               <a:defRPr/>
             </a:pPr>
             <a:r>
-              <a:rPr lang="en-US" sz="1200" dirty="0" smtClean="0">
+              <a:rPr lang="en-US" sz="1200" dirty="0">
                 <a:latin typeface="+mn-lt"/>
               </a:rPr>
               <a:t>RX/TX</a:t>
@@ -9218,13 +9267,5255 @@
   <p:clrMapOvr>
     <a:masterClrMapping/>
   </p:clrMapOvr>
-  <p:timing>
-    <p:tnLst>
-      <p:par>
-        <p:cTn id="1" dur="indefinite" restart="never" nodeType="tmRoot"/>
-      </p:par>
-    </p:tnLst>
-  </p:timing>
+</p:sld>
+</file>
+
+<file path=ppt/slides/slide2.xml><?xml version="1.0" encoding="utf-8"?>
+<p:sld xmlns:a="http://schemas.openxmlformats.org/drawingml/2006/main" xmlns:r="http://schemas.openxmlformats.org/officeDocument/2006/relationships" xmlns:p="http://schemas.openxmlformats.org/presentationml/2006/main">
+  <p:cSld>
+    <p:spTree>
+      <p:nvGrpSpPr>
+        <p:cNvPr id="1" name=""/>
+        <p:cNvGrpSpPr/>
+        <p:nvPr/>
+      </p:nvGrpSpPr>
+      <p:grpSpPr>
+        <a:xfrm>
+          <a:off x="0" y="0"/>
+          <a:ext cx="0" cy="0"/>
+          <a:chOff x="0" y="0"/>
+          <a:chExt cx="0" cy="0"/>
+        </a:xfrm>
+      </p:grpSpPr>
+      <p:sp>
+        <p:nvSpPr>
+          <p:cNvPr id="235" name="Rectangle 234"/>
+          <p:cNvSpPr/>
+          <p:nvPr/>
+        </p:nvSpPr>
+        <p:spPr>
+          <a:xfrm>
+            <a:off x="3672535" y="317699"/>
+            <a:ext cx="6170711" cy="6408000"/>
+          </a:xfrm>
+          <a:prstGeom prst="rect">
+            <a:avLst/>
+          </a:prstGeom>
+          <a:solidFill>
+            <a:srgbClr val="808082">
+              <a:alpha val="20000"/>
+            </a:srgbClr>
+          </a:solidFill>
+          <a:ln>
+            <a:noFill/>
+          </a:ln>
+          <a:effectLst/>
+        </p:spPr>
+        <p:style>
+          <a:lnRef idx="1">
+            <a:schemeClr val="accent1"/>
+          </a:lnRef>
+          <a:fillRef idx="3">
+            <a:schemeClr val="accent1"/>
+          </a:fillRef>
+          <a:effectRef idx="2">
+            <a:schemeClr val="accent1"/>
+          </a:effectRef>
+          <a:fontRef idx="minor">
+            <a:schemeClr val="lt1"/>
+          </a:fontRef>
+        </p:style>
+        <p:txBody>
+          <a:bodyPr vert="horz" rtlCol="0" anchor="t"/>
+          <a:lstStyle/>
+          <a:p>
+            <a:pPr algn="ctr"/>
+            <a:r>
+              <a:rPr lang="en-US" sz="2000" b="1" dirty="0">
+                <a:solidFill>
+                  <a:schemeClr val="tx1"/>
+                </a:solidFill>
+                <a:latin typeface="Calibri" panose="020F0502020204030204" pitchFamily="34" charset="0"/>
+                <a:cs typeface="Calibri" panose="020F0502020204030204" pitchFamily="34" charset="0"/>
+              </a:rPr>
+              <a:t>Software Packs</a:t>
+            </a:r>
+            <a:endParaRPr lang="en-GB" sz="3200" b="1" dirty="0">
+              <a:solidFill>
+                <a:schemeClr val="tx1"/>
+              </a:solidFill>
+              <a:latin typeface="Calibri" panose="020F0502020204030204" pitchFamily="34" charset="0"/>
+              <a:cs typeface="Calibri" panose="020F0502020204030204" pitchFamily="34" charset="0"/>
+            </a:endParaRPr>
+          </a:p>
+        </p:txBody>
+      </p:sp>
+      <p:sp>
+        <p:nvSpPr>
+          <p:cNvPr id="4" name="Rectangle 3"/>
+          <p:cNvSpPr/>
+          <p:nvPr/>
+        </p:nvSpPr>
+        <p:spPr bwMode="auto">
+          <a:xfrm>
+            <a:off x="1998841" y="1423536"/>
+            <a:ext cx="1440000" cy="4464050"/>
+          </a:xfrm>
+          <a:prstGeom prst="rect">
+            <a:avLst/>
+          </a:prstGeom>
+          <a:solidFill>
+            <a:schemeClr val="bg1">
+              <a:lumMod val="95000"/>
+            </a:schemeClr>
+          </a:solidFill>
+          <a:ln w="19050">
+            <a:noFill/>
+          </a:ln>
+        </p:spPr>
+        <p:style>
+          <a:lnRef idx="2">
+            <a:schemeClr val="accent1">
+              <a:shade val="50000"/>
+            </a:schemeClr>
+          </a:lnRef>
+          <a:fillRef idx="1">
+            <a:schemeClr val="accent1"/>
+          </a:fillRef>
+          <a:effectRef idx="0">
+            <a:schemeClr val="accent1"/>
+          </a:effectRef>
+          <a:fontRef idx="minor">
+            <a:schemeClr val="lt1"/>
+          </a:fontRef>
+        </p:style>
+        <p:txBody>
+          <a:bodyPr anchor="ctr"/>
+          <a:lstStyle/>
+          <a:p>
+            <a:pPr algn="r">
+              <a:defRPr/>
+            </a:pPr>
+            <a:endParaRPr lang="en-GB" dirty="0">
+              <a:latin typeface="Calibri" panose="020F0502020204030204" pitchFamily="34" charset="0"/>
+              <a:cs typeface="Calibri" panose="020F0502020204030204" pitchFamily="34" charset="0"/>
+            </a:endParaRPr>
+          </a:p>
+        </p:txBody>
+      </p:sp>
+      <p:sp>
+        <p:nvSpPr>
+          <p:cNvPr id="7" name="TextBox 6"/>
+          <p:cNvSpPr txBox="1"/>
+          <p:nvPr/>
+        </p:nvSpPr>
+        <p:spPr bwMode="auto">
+          <a:xfrm>
+            <a:off x="2000439" y="3538796"/>
+            <a:ext cx="1440000" cy="288000"/>
+          </a:xfrm>
+          <a:prstGeom prst="rect">
+            <a:avLst/>
+          </a:prstGeom>
+          <a:solidFill>
+            <a:schemeClr val="bg1">
+              <a:lumMod val="85000"/>
+            </a:schemeClr>
+          </a:solidFill>
+          <a:ln>
+            <a:noFill/>
+          </a:ln>
+        </p:spPr>
+        <p:txBody>
+          <a:bodyPr rIns="144000">
+            <a:spAutoFit/>
+          </a:bodyPr>
+          <a:lstStyle/>
+          <a:p>
+            <a:pPr algn="r">
+              <a:defRPr/>
+            </a:pPr>
+            <a:r>
+              <a:rPr lang="en-US" sz="1200" dirty="0">
+                <a:latin typeface="Calibri" panose="020F0502020204030204" pitchFamily="34" charset="0"/>
+                <a:cs typeface="Calibri" panose="020F0502020204030204" pitchFamily="34" charset="0"/>
+              </a:rPr>
+              <a:t>SPI Controller</a:t>
+            </a:r>
+            <a:endParaRPr lang="en-GB" sz="1200" dirty="0">
+              <a:latin typeface="Calibri" panose="020F0502020204030204" pitchFamily="34" charset="0"/>
+              <a:ea typeface="Segoe UI" panose="020B0502040204020203" pitchFamily="34" charset="0"/>
+              <a:cs typeface="Calibri" panose="020F0502020204030204" pitchFamily="34" charset="0"/>
+            </a:endParaRPr>
+          </a:p>
+        </p:txBody>
+      </p:sp>
+      <p:sp>
+        <p:nvSpPr>
+          <p:cNvPr id="8" name="TextBox 7"/>
+          <p:cNvSpPr txBox="1"/>
+          <p:nvPr/>
+        </p:nvSpPr>
+        <p:spPr bwMode="auto">
+          <a:xfrm>
+            <a:off x="2000439" y="4311111"/>
+            <a:ext cx="1440000" cy="288000"/>
+          </a:xfrm>
+          <a:prstGeom prst="rect">
+            <a:avLst/>
+          </a:prstGeom>
+          <a:solidFill>
+            <a:schemeClr val="bg1">
+              <a:lumMod val="85000"/>
+            </a:schemeClr>
+          </a:solidFill>
+          <a:ln>
+            <a:noFill/>
+          </a:ln>
+        </p:spPr>
+        <p:txBody>
+          <a:bodyPr rIns="144000">
+            <a:spAutoFit/>
+          </a:bodyPr>
+          <a:lstStyle/>
+          <a:p>
+            <a:pPr algn="r">
+              <a:defRPr/>
+            </a:pPr>
+            <a:r>
+              <a:rPr lang="en-US" sz="1200" dirty="0">
+                <a:latin typeface="Calibri" panose="020F0502020204030204" pitchFamily="34" charset="0"/>
+                <a:cs typeface="Calibri" panose="020F0502020204030204" pitchFamily="34" charset="0"/>
+              </a:rPr>
+              <a:t>SPI Controller</a:t>
+            </a:r>
+            <a:endParaRPr lang="en-GB" sz="1200" dirty="0">
+              <a:latin typeface="Calibri" panose="020F0502020204030204" pitchFamily="34" charset="0"/>
+              <a:cs typeface="Calibri" panose="020F0502020204030204" pitchFamily="34" charset="0"/>
+            </a:endParaRPr>
+          </a:p>
+        </p:txBody>
+      </p:sp>
+      <p:sp>
+        <p:nvSpPr>
+          <p:cNvPr id="9" name="TextBox 8"/>
+          <p:cNvSpPr txBox="1"/>
+          <p:nvPr/>
+        </p:nvSpPr>
+        <p:spPr bwMode="auto">
+          <a:xfrm>
+            <a:off x="2000439" y="5502620"/>
+            <a:ext cx="1440000" cy="288000"/>
+          </a:xfrm>
+          <a:prstGeom prst="rect">
+            <a:avLst/>
+          </a:prstGeom>
+          <a:solidFill>
+            <a:schemeClr val="bg1">
+              <a:lumMod val="85000"/>
+            </a:schemeClr>
+          </a:solidFill>
+          <a:ln>
+            <a:noFill/>
+          </a:ln>
+        </p:spPr>
+        <p:txBody>
+          <a:bodyPr rIns="144000">
+            <a:spAutoFit/>
+          </a:bodyPr>
+          <a:lstStyle/>
+          <a:p>
+            <a:pPr algn="r">
+              <a:defRPr/>
+            </a:pPr>
+            <a:r>
+              <a:rPr lang="en-US" sz="1200" dirty="0">
+                <a:latin typeface="Calibri" panose="020F0502020204030204" pitchFamily="34" charset="0"/>
+                <a:cs typeface="Calibri" panose="020F0502020204030204" pitchFamily="34" charset="0"/>
+              </a:rPr>
+              <a:t>USB  Controller</a:t>
+            </a:r>
+            <a:endParaRPr lang="en-GB" sz="1200" dirty="0">
+              <a:latin typeface="Calibri" panose="020F0502020204030204" pitchFamily="34" charset="0"/>
+              <a:cs typeface="Calibri" panose="020F0502020204030204" pitchFamily="34" charset="0"/>
+            </a:endParaRPr>
+          </a:p>
+        </p:txBody>
+      </p:sp>
+      <p:sp>
+        <p:nvSpPr>
+          <p:cNvPr id="10" name="TextBox 9"/>
+          <p:cNvSpPr txBox="1"/>
+          <p:nvPr/>
+        </p:nvSpPr>
+        <p:spPr bwMode="auto">
+          <a:xfrm>
+            <a:off x="2000439" y="1569464"/>
+            <a:ext cx="1440000" cy="288000"/>
+          </a:xfrm>
+          <a:prstGeom prst="rect">
+            <a:avLst/>
+          </a:prstGeom>
+          <a:solidFill>
+            <a:schemeClr val="bg1">
+              <a:lumMod val="85000"/>
+            </a:schemeClr>
+          </a:solidFill>
+          <a:ln>
+            <a:noFill/>
+          </a:ln>
+        </p:spPr>
+        <p:txBody>
+          <a:bodyPr rIns="144000">
+            <a:spAutoFit/>
+          </a:bodyPr>
+          <a:lstStyle/>
+          <a:p>
+            <a:pPr algn="r">
+              <a:defRPr/>
+            </a:pPr>
+            <a:r>
+              <a:rPr lang="en-US" sz="1200" dirty="0">
+                <a:latin typeface="Calibri" panose="020F0502020204030204" pitchFamily="34" charset="0"/>
+                <a:cs typeface="Calibri" panose="020F0502020204030204" pitchFamily="34" charset="0"/>
+              </a:rPr>
+              <a:t>USB  Controller</a:t>
+            </a:r>
+            <a:endParaRPr lang="en-GB" sz="1200" dirty="0">
+              <a:latin typeface="Calibri" panose="020F0502020204030204" pitchFamily="34" charset="0"/>
+              <a:cs typeface="Calibri" panose="020F0502020204030204" pitchFamily="34" charset="0"/>
+            </a:endParaRPr>
+          </a:p>
+        </p:txBody>
+      </p:sp>
+      <p:sp>
+        <p:nvSpPr>
+          <p:cNvPr id="11" name="TextBox 10"/>
+          <p:cNvSpPr txBox="1"/>
+          <p:nvPr/>
+        </p:nvSpPr>
+        <p:spPr bwMode="auto">
+          <a:xfrm>
+            <a:off x="2000439" y="1956806"/>
+            <a:ext cx="1440000" cy="288000"/>
+          </a:xfrm>
+          <a:prstGeom prst="rect">
+            <a:avLst/>
+          </a:prstGeom>
+          <a:solidFill>
+            <a:schemeClr val="bg1">
+              <a:lumMod val="85000"/>
+            </a:schemeClr>
+          </a:solidFill>
+          <a:ln>
+            <a:noFill/>
+          </a:ln>
+        </p:spPr>
+        <p:txBody>
+          <a:bodyPr rIns="144000">
+            <a:spAutoFit/>
+          </a:bodyPr>
+          <a:lstStyle/>
+          <a:p>
+            <a:pPr algn="r">
+              <a:defRPr/>
+            </a:pPr>
+            <a:r>
+              <a:rPr lang="en-US" sz="1200" dirty="0">
+                <a:latin typeface="Calibri" panose="020F0502020204030204" pitchFamily="34" charset="0"/>
+                <a:cs typeface="Calibri" panose="020F0502020204030204" pitchFamily="34" charset="0"/>
+              </a:rPr>
+              <a:t>Ethernet  PHY</a:t>
+            </a:r>
+            <a:endParaRPr lang="en-GB" sz="1200" dirty="0">
+              <a:latin typeface="Calibri" panose="020F0502020204030204" pitchFamily="34" charset="0"/>
+              <a:cs typeface="Calibri" panose="020F0502020204030204" pitchFamily="34" charset="0"/>
+            </a:endParaRPr>
+          </a:p>
+        </p:txBody>
+      </p:sp>
+      <p:sp>
+        <p:nvSpPr>
+          <p:cNvPr id="12" name="TextBox 11"/>
+          <p:cNvSpPr txBox="1"/>
+          <p:nvPr/>
+        </p:nvSpPr>
+        <p:spPr bwMode="auto">
+          <a:xfrm>
+            <a:off x="2000439" y="4715168"/>
+            <a:ext cx="1440000" cy="288000"/>
+          </a:xfrm>
+          <a:prstGeom prst="rect">
+            <a:avLst/>
+          </a:prstGeom>
+          <a:solidFill>
+            <a:schemeClr val="bg1">
+              <a:lumMod val="85000"/>
+            </a:schemeClr>
+          </a:solidFill>
+          <a:ln>
+            <a:noFill/>
+          </a:ln>
+        </p:spPr>
+        <p:txBody>
+          <a:bodyPr rIns="144000">
+            <a:spAutoFit/>
+          </a:bodyPr>
+          <a:lstStyle/>
+          <a:p>
+            <a:pPr algn="r">
+              <a:defRPr/>
+            </a:pPr>
+            <a:r>
+              <a:rPr lang="en-US" sz="1200" dirty="0">
+                <a:latin typeface="Calibri" panose="020F0502020204030204" pitchFamily="34" charset="0"/>
+                <a:cs typeface="Calibri" panose="020F0502020204030204" pitchFamily="34" charset="0"/>
+              </a:rPr>
+              <a:t>SDIO</a:t>
+            </a:r>
+            <a:endParaRPr lang="en-GB" sz="1200" dirty="0">
+              <a:latin typeface="Calibri" panose="020F0502020204030204" pitchFamily="34" charset="0"/>
+              <a:cs typeface="Calibri" panose="020F0502020204030204" pitchFamily="34" charset="0"/>
+            </a:endParaRPr>
+          </a:p>
+        </p:txBody>
+      </p:sp>
+      <p:sp>
+        <p:nvSpPr>
+          <p:cNvPr id="13" name="TextBox 12"/>
+          <p:cNvSpPr txBox="1"/>
+          <p:nvPr/>
+        </p:nvSpPr>
+        <p:spPr bwMode="auto">
+          <a:xfrm>
+            <a:off x="2000439" y="5108381"/>
+            <a:ext cx="1440000" cy="288000"/>
+          </a:xfrm>
+          <a:prstGeom prst="rect">
+            <a:avLst/>
+          </a:prstGeom>
+          <a:solidFill>
+            <a:schemeClr val="bg1">
+              <a:lumMod val="85000"/>
+            </a:schemeClr>
+          </a:solidFill>
+          <a:ln>
+            <a:noFill/>
+          </a:ln>
+        </p:spPr>
+        <p:txBody>
+          <a:bodyPr rIns="108000">
+            <a:spAutoFit/>
+          </a:bodyPr>
+          <a:lstStyle/>
+          <a:p>
+            <a:pPr algn="r">
+              <a:defRPr/>
+            </a:pPr>
+            <a:r>
+              <a:rPr lang="en-US" sz="1200" dirty="0">
+                <a:latin typeface="Calibri" panose="020F0502020204030204" pitchFamily="34" charset="0"/>
+                <a:cs typeface="Calibri" panose="020F0502020204030204" pitchFamily="34" charset="0"/>
+              </a:rPr>
+              <a:t>Memory Controller</a:t>
+            </a:r>
+            <a:endParaRPr lang="en-GB" sz="1200" dirty="0">
+              <a:latin typeface="Calibri" panose="020F0502020204030204" pitchFamily="34" charset="0"/>
+              <a:cs typeface="Calibri" panose="020F0502020204030204" pitchFamily="34" charset="0"/>
+            </a:endParaRPr>
+          </a:p>
+        </p:txBody>
+      </p:sp>
+      <p:sp>
+        <p:nvSpPr>
+          <p:cNvPr id="20" name="Rounded Rectangle 19"/>
+          <p:cNvSpPr/>
+          <p:nvPr/>
+        </p:nvSpPr>
+        <p:spPr bwMode="auto">
+          <a:xfrm>
+            <a:off x="3798274" y="794657"/>
+            <a:ext cx="3095625" cy="5761038"/>
+          </a:xfrm>
+          <a:prstGeom prst="roundRect">
+            <a:avLst>
+              <a:gd name="adj" fmla="val 0"/>
+            </a:avLst>
+          </a:prstGeom>
+          <a:solidFill>
+            <a:srgbClr val="808082">
+              <a:alpha val="40000"/>
+            </a:srgbClr>
+          </a:solidFill>
+          <a:ln w="28575" cap="flat" cmpd="sng" algn="ctr">
+            <a:noFill/>
+            <a:prstDash val="solid"/>
+            <a:round/>
+            <a:headEnd type="none" w="med" len="med"/>
+            <a:tailEnd type="none" w="med" len="med"/>
+          </a:ln>
+          <a:effectLst/>
+        </p:spPr>
+        <p:txBody>
+          <a:bodyPr lIns="121944" tIns="60972" rIns="121944" bIns="60972"/>
+          <a:lstStyle/>
+          <a:p>
+            <a:pPr algn="ctr"/>
+            <a:r>
+              <a:rPr lang="en-US" sz="1600" b="1" kern="0" dirty="0">
+                <a:solidFill>
+                  <a:srgbClr val="000000"/>
+                </a:solidFill>
+                <a:latin typeface="Calibri" panose="020F0502020204030204" pitchFamily="34" charset="0"/>
+                <a:ea typeface="ＭＳ Ｐゴシック" pitchFamily="34" charset="-128"/>
+                <a:cs typeface="Calibri" panose="020F0502020204030204" pitchFamily="34" charset="0"/>
+              </a:rPr>
+              <a:t>Device Pack</a:t>
+            </a:r>
+            <a:endParaRPr lang="en-GB" sz="1600" b="1" kern="0" dirty="0">
+              <a:solidFill>
+                <a:srgbClr val="000000"/>
+              </a:solidFill>
+              <a:latin typeface="Calibri" panose="020F0502020204030204" pitchFamily="34" charset="0"/>
+              <a:ea typeface="ＭＳ Ｐゴシック" pitchFamily="34" charset="-128"/>
+              <a:cs typeface="Calibri" panose="020F0502020204030204" pitchFamily="34" charset="0"/>
+            </a:endParaRPr>
+          </a:p>
+        </p:txBody>
+      </p:sp>
+      <p:sp>
+        <p:nvSpPr>
+          <p:cNvPr id="37" name="Rounded Rectangle 36"/>
+          <p:cNvSpPr/>
+          <p:nvPr/>
+        </p:nvSpPr>
+        <p:spPr bwMode="auto">
+          <a:xfrm>
+            <a:off x="3904633" y="5907995"/>
+            <a:ext cx="2881318" cy="468000"/>
+          </a:xfrm>
+          <a:prstGeom prst="roundRect">
+            <a:avLst>
+              <a:gd name="adj" fmla="val 0"/>
+            </a:avLst>
+          </a:prstGeom>
+          <a:solidFill>
+            <a:schemeClr val="bg1"/>
+          </a:solidFill>
+          <a:ln w="19050" algn="ctr">
+            <a:noFill/>
+            <a:round/>
+            <a:headEnd/>
+            <a:tailEnd/>
+          </a:ln>
+        </p:spPr>
+        <p:txBody>
+          <a:bodyPr wrap="none" lIns="121944" tIns="60972" rIns="121944" bIns="60972" anchor="ctr"/>
+          <a:lstStyle/>
+          <a:p>
+            <a:pPr algn="ctr" fontAlgn="auto">
+              <a:spcBef>
+                <a:spcPts val="0"/>
+              </a:spcBef>
+              <a:spcAft>
+                <a:spcPts val="0"/>
+              </a:spcAft>
+              <a:defRPr/>
+            </a:pPr>
+            <a:r>
+              <a:rPr lang="de-DE" sz="1500" b="1" kern="0" dirty="0">
+                <a:latin typeface="Calibri" panose="020F0502020204030204" pitchFamily="34" charset="0"/>
+                <a:ea typeface="ＭＳ Ｐゴシック" pitchFamily="34" charset="-128"/>
+                <a:cs typeface="Calibri" panose="020F0502020204030204" pitchFamily="34" charset="0"/>
+              </a:rPr>
+              <a:t>RTE_Device.h</a:t>
+            </a:r>
+            <a:r>
+              <a:rPr lang="de-DE" sz="1500" kern="0" dirty="0">
+                <a:latin typeface="Calibri" panose="020F0502020204030204" pitchFamily="34" charset="0"/>
+                <a:ea typeface="ＭＳ Ｐゴシック" pitchFamily="34" charset="-128"/>
+                <a:cs typeface="Calibri" panose="020F0502020204030204" pitchFamily="34" charset="0"/>
+              </a:rPr>
+              <a:t> </a:t>
+            </a:r>
+            <a:br>
+              <a:rPr lang="de-DE" sz="1500" kern="0" dirty="0">
+                <a:latin typeface="Calibri" panose="020F0502020204030204" pitchFamily="34" charset="0"/>
+                <a:ea typeface="ＭＳ Ｐゴシック" pitchFamily="34" charset="-128"/>
+                <a:cs typeface="Calibri" panose="020F0502020204030204" pitchFamily="34" charset="0"/>
+              </a:rPr>
+            </a:br>
+            <a:r>
+              <a:rPr lang="de-DE" sz="1300" kern="0" dirty="0">
+                <a:latin typeface="Calibri" panose="020F0502020204030204" pitchFamily="34" charset="0"/>
+                <a:ea typeface="ＭＳ Ｐゴシック" pitchFamily="34" charset="-128"/>
+                <a:cs typeface="Calibri" panose="020F0502020204030204" pitchFamily="34" charset="0"/>
+              </a:rPr>
+              <a:t>Configuration File</a:t>
+            </a:r>
+          </a:p>
+        </p:txBody>
+      </p:sp>
+      <p:sp>
+        <p:nvSpPr>
+          <p:cNvPr id="54" name="TextBox 53"/>
+          <p:cNvSpPr txBox="1"/>
+          <p:nvPr/>
+        </p:nvSpPr>
+        <p:spPr bwMode="auto">
+          <a:xfrm>
+            <a:off x="2000439" y="2350041"/>
+            <a:ext cx="1440000" cy="288000"/>
+          </a:xfrm>
+          <a:prstGeom prst="rect">
+            <a:avLst/>
+          </a:prstGeom>
+          <a:solidFill>
+            <a:schemeClr val="bg1">
+              <a:lumMod val="85000"/>
+            </a:schemeClr>
+          </a:solidFill>
+          <a:ln>
+            <a:noFill/>
+          </a:ln>
+        </p:spPr>
+        <p:txBody>
+          <a:bodyPr wrap="square" rIns="144000">
+            <a:spAutoFit/>
+          </a:bodyPr>
+          <a:lstStyle/>
+          <a:p>
+            <a:pPr algn="r">
+              <a:defRPr/>
+            </a:pPr>
+            <a:r>
+              <a:rPr lang="en-US" sz="1200" dirty="0">
+                <a:latin typeface="Calibri" panose="020F0502020204030204" pitchFamily="34" charset="0"/>
+                <a:cs typeface="Calibri" panose="020F0502020204030204" pitchFamily="34" charset="0"/>
+              </a:rPr>
+              <a:t>Ethernet  MAC</a:t>
+            </a:r>
+            <a:endParaRPr lang="en-GB" sz="1200" dirty="0">
+              <a:latin typeface="Calibri" panose="020F0502020204030204" pitchFamily="34" charset="0"/>
+              <a:cs typeface="Calibri" panose="020F0502020204030204" pitchFamily="34" charset="0"/>
+            </a:endParaRPr>
+          </a:p>
+        </p:txBody>
+      </p:sp>
+      <p:sp>
+        <p:nvSpPr>
+          <p:cNvPr id="59" name="TextBox 58"/>
+          <p:cNvSpPr txBox="1"/>
+          <p:nvPr/>
+        </p:nvSpPr>
+        <p:spPr bwMode="auto">
+          <a:xfrm>
+            <a:off x="1037018" y="5477320"/>
+            <a:ext cx="647700" cy="276225"/>
+          </a:xfrm>
+          <a:prstGeom prst="rect">
+            <a:avLst/>
+          </a:prstGeom>
+          <a:noFill/>
+          <a:ln>
+            <a:noFill/>
+          </a:ln>
+        </p:spPr>
+        <p:txBody>
+          <a:bodyPr lIns="216000" rIns="36000">
+            <a:spAutoFit/>
+          </a:bodyPr>
+          <a:lstStyle/>
+          <a:p>
+            <a:pPr algn="r">
+              <a:defRPr/>
+            </a:pPr>
+            <a:r>
+              <a:rPr lang="en-US" sz="1200" dirty="0">
+                <a:latin typeface="Calibri" panose="020F0502020204030204" pitchFamily="34" charset="0"/>
+                <a:cs typeface="Calibri" panose="020F0502020204030204" pitchFamily="34" charset="0"/>
+              </a:rPr>
+              <a:t>USB</a:t>
+            </a:r>
+            <a:endParaRPr lang="en-GB" sz="1200" dirty="0">
+              <a:latin typeface="Calibri" panose="020F0502020204030204" pitchFamily="34" charset="0"/>
+              <a:cs typeface="Calibri" panose="020F0502020204030204" pitchFamily="34" charset="0"/>
+            </a:endParaRPr>
+          </a:p>
+        </p:txBody>
+      </p:sp>
+      <p:sp>
+        <p:nvSpPr>
+          <p:cNvPr id="60" name="TextBox 59"/>
+          <p:cNvSpPr txBox="1"/>
+          <p:nvPr/>
+        </p:nvSpPr>
+        <p:spPr bwMode="auto">
+          <a:xfrm>
+            <a:off x="1036552" y="5081263"/>
+            <a:ext cx="647700" cy="277812"/>
+          </a:xfrm>
+          <a:prstGeom prst="rect">
+            <a:avLst/>
+          </a:prstGeom>
+          <a:noFill/>
+          <a:ln>
+            <a:noFill/>
+          </a:ln>
+        </p:spPr>
+        <p:txBody>
+          <a:bodyPr lIns="216000" rIns="36000">
+            <a:spAutoFit/>
+          </a:bodyPr>
+          <a:lstStyle/>
+          <a:p>
+            <a:pPr algn="r">
+              <a:defRPr/>
+            </a:pPr>
+            <a:r>
+              <a:rPr lang="en-US" sz="1200" dirty="0">
+                <a:latin typeface="Calibri" panose="020F0502020204030204" pitchFamily="34" charset="0"/>
+                <a:cs typeface="Calibri" panose="020F0502020204030204" pitchFamily="34" charset="0"/>
+              </a:rPr>
+              <a:t>I/O</a:t>
+            </a:r>
+            <a:endParaRPr lang="en-GB" sz="1200" dirty="0">
+              <a:latin typeface="Calibri" panose="020F0502020204030204" pitchFamily="34" charset="0"/>
+              <a:cs typeface="Calibri" panose="020F0502020204030204" pitchFamily="34" charset="0"/>
+            </a:endParaRPr>
+          </a:p>
+        </p:txBody>
+      </p:sp>
+      <p:sp>
+        <p:nvSpPr>
+          <p:cNvPr id="61" name="TextBox 60"/>
+          <p:cNvSpPr txBox="1"/>
+          <p:nvPr/>
+        </p:nvSpPr>
+        <p:spPr bwMode="auto">
+          <a:xfrm>
+            <a:off x="922900" y="4688050"/>
+            <a:ext cx="761818" cy="277812"/>
+          </a:xfrm>
+          <a:prstGeom prst="rect">
+            <a:avLst/>
+          </a:prstGeom>
+          <a:noFill/>
+          <a:ln>
+            <a:noFill/>
+          </a:ln>
+        </p:spPr>
+        <p:txBody>
+          <a:bodyPr wrap="square" lIns="216000" rIns="36000">
+            <a:spAutoFit/>
+          </a:bodyPr>
+          <a:lstStyle/>
+          <a:p>
+            <a:pPr algn="r">
+              <a:defRPr/>
+            </a:pPr>
+            <a:r>
+              <a:rPr lang="en-US" sz="1200" dirty="0">
+                <a:latin typeface="Calibri" panose="020F0502020204030204" pitchFamily="34" charset="0"/>
+                <a:cs typeface="Calibri" panose="020F0502020204030204" pitchFamily="34" charset="0"/>
+              </a:rPr>
+              <a:t>SDIO0</a:t>
+            </a:r>
+            <a:endParaRPr lang="en-GB" sz="1200" dirty="0">
+              <a:latin typeface="Calibri" panose="020F0502020204030204" pitchFamily="34" charset="0"/>
+              <a:cs typeface="Calibri" panose="020F0502020204030204" pitchFamily="34" charset="0"/>
+            </a:endParaRPr>
+          </a:p>
+        </p:txBody>
+      </p:sp>
+      <p:sp>
+        <p:nvSpPr>
+          <p:cNvPr id="62" name="TextBox 61"/>
+          <p:cNvSpPr txBox="1"/>
+          <p:nvPr/>
+        </p:nvSpPr>
+        <p:spPr bwMode="auto">
+          <a:xfrm>
+            <a:off x="1036552" y="4289259"/>
+            <a:ext cx="647700" cy="276225"/>
+          </a:xfrm>
+          <a:prstGeom prst="rect">
+            <a:avLst/>
+          </a:prstGeom>
+          <a:noFill/>
+          <a:ln>
+            <a:noFill/>
+          </a:ln>
+        </p:spPr>
+        <p:txBody>
+          <a:bodyPr lIns="216000" rIns="36000">
+            <a:spAutoFit/>
+          </a:bodyPr>
+          <a:lstStyle/>
+          <a:p>
+            <a:pPr algn="r">
+              <a:defRPr/>
+            </a:pPr>
+            <a:r>
+              <a:rPr lang="en-US" sz="1200" dirty="0">
+                <a:latin typeface="Calibri" panose="020F0502020204030204" pitchFamily="34" charset="0"/>
+                <a:cs typeface="Calibri" panose="020F0502020204030204" pitchFamily="34" charset="0"/>
+              </a:rPr>
+              <a:t>SPI1</a:t>
+            </a:r>
+            <a:endParaRPr lang="en-GB" sz="1200" dirty="0">
+              <a:latin typeface="Calibri" panose="020F0502020204030204" pitchFamily="34" charset="0"/>
+              <a:cs typeface="Calibri" panose="020F0502020204030204" pitchFamily="34" charset="0"/>
+            </a:endParaRPr>
+          </a:p>
+        </p:txBody>
+      </p:sp>
+      <p:sp>
+        <p:nvSpPr>
+          <p:cNvPr id="63" name="TextBox 62"/>
+          <p:cNvSpPr txBox="1"/>
+          <p:nvPr/>
+        </p:nvSpPr>
+        <p:spPr bwMode="auto">
+          <a:xfrm>
+            <a:off x="1036552" y="3501501"/>
+            <a:ext cx="647700" cy="276225"/>
+          </a:xfrm>
+          <a:prstGeom prst="rect">
+            <a:avLst/>
+          </a:prstGeom>
+          <a:noFill/>
+          <a:ln>
+            <a:noFill/>
+          </a:ln>
+        </p:spPr>
+        <p:txBody>
+          <a:bodyPr lIns="216000" rIns="36000">
+            <a:spAutoFit/>
+          </a:bodyPr>
+          <a:lstStyle/>
+          <a:p>
+            <a:pPr algn="r">
+              <a:defRPr/>
+            </a:pPr>
+            <a:r>
+              <a:rPr lang="en-US" sz="1200" dirty="0">
+                <a:latin typeface="Calibri" panose="020F0502020204030204" pitchFamily="34" charset="0"/>
+                <a:cs typeface="Calibri" panose="020F0502020204030204" pitchFamily="34" charset="0"/>
+              </a:rPr>
+              <a:t>SPI0</a:t>
+            </a:r>
+            <a:endParaRPr lang="en-GB" sz="1200" dirty="0">
+              <a:latin typeface="Calibri" panose="020F0502020204030204" pitchFamily="34" charset="0"/>
+              <a:ea typeface="Segoe UI" panose="020B0502040204020203" pitchFamily="34" charset="0"/>
+              <a:cs typeface="Calibri" panose="020F0502020204030204" pitchFamily="34" charset="0"/>
+            </a:endParaRPr>
+          </a:p>
+        </p:txBody>
+      </p:sp>
+      <p:sp>
+        <p:nvSpPr>
+          <p:cNvPr id="65" name="TextBox 64"/>
+          <p:cNvSpPr txBox="1"/>
+          <p:nvPr/>
+        </p:nvSpPr>
+        <p:spPr bwMode="auto">
+          <a:xfrm>
+            <a:off x="1036552" y="1543139"/>
+            <a:ext cx="647700" cy="276225"/>
+          </a:xfrm>
+          <a:prstGeom prst="rect">
+            <a:avLst/>
+          </a:prstGeom>
+          <a:noFill/>
+          <a:ln>
+            <a:noFill/>
+          </a:ln>
+        </p:spPr>
+        <p:txBody>
+          <a:bodyPr lIns="216000" rIns="36000">
+            <a:spAutoFit/>
+          </a:bodyPr>
+          <a:lstStyle/>
+          <a:p>
+            <a:pPr algn="r">
+              <a:defRPr/>
+            </a:pPr>
+            <a:r>
+              <a:rPr lang="en-US" sz="1200" dirty="0">
+                <a:latin typeface="Calibri" panose="020F0502020204030204" pitchFamily="34" charset="0"/>
+                <a:cs typeface="Calibri" panose="020F0502020204030204" pitchFamily="34" charset="0"/>
+              </a:rPr>
+              <a:t>USB</a:t>
+            </a:r>
+            <a:endParaRPr lang="en-GB" sz="1200" dirty="0">
+              <a:latin typeface="Calibri" panose="020F0502020204030204" pitchFamily="34" charset="0"/>
+              <a:cs typeface="Calibri" panose="020F0502020204030204" pitchFamily="34" charset="0"/>
+            </a:endParaRPr>
+          </a:p>
+        </p:txBody>
+      </p:sp>
+      <p:sp>
+        <p:nvSpPr>
+          <p:cNvPr id="66" name="TextBox 65"/>
+          <p:cNvSpPr txBox="1"/>
+          <p:nvPr/>
+        </p:nvSpPr>
+        <p:spPr bwMode="auto">
+          <a:xfrm>
+            <a:off x="821118" y="1929709"/>
+            <a:ext cx="863600" cy="277813"/>
+          </a:xfrm>
+          <a:prstGeom prst="rect">
+            <a:avLst/>
+          </a:prstGeom>
+          <a:noFill/>
+          <a:ln>
+            <a:noFill/>
+          </a:ln>
+        </p:spPr>
+        <p:txBody>
+          <a:bodyPr lIns="216000" rIns="36000">
+            <a:spAutoFit/>
+          </a:bodyPr>
+          <a:lstStyle/>
+          <a:p>
+            <a:pPr algn="r">
+              <a:defRPr/>
+            </a:pPr>
+            <a:r>
+              <a:rPr lang="en-US" sz="1200" dirty="0">
+                <a:latin typeface="Calibri" panose="020F0502020204030204" pitchFamily="34" charset="0"/>
+                <a:cs typeface="Calibri" panose="020F0502020204030204" pitchFamily="34" charset="0"/>
+              </a:rPr>
+              <a:t>Ethernet</a:t>
+            </a:r>
+            <a:endParaRPr lang="en-GB" sz="1200" dirty="0">
+              <a:latin typeface="Calibri" panose="020F0502020204030204" pitchFamily="34" charset="0"/>
+              <a:cs typeface="Calibri" panose="020F0502020204030204" pitchFamily="34" charset="0"/>
+            </a:endParaRPr>
+          </a:p>
+        </p:txBody>
+      </p:sp>
+      <p:sp>
+        <p:nvSpPr>
+          <p:cNvPr id="71" name="Rounded Rectangle 70"/>
+          <p:cNvSpPr/>
+          <p:nvPr/>
+        </p:nvSpPr>
+        <p:spPr bwMode="auto">
+          <a:xfrm>
+            <a:off x="1820326" y="762907"/>
+            <a:ext cx="1800225" cy="433388"/>
+          </a:xfrm>
+          <a:prstGeom prst="roundRect">
+            <a:avLst/>
+          </a:prstGeom>
+          <a:noFill/>
+          <a:ln w="12700">
+            <a:noFill/>
+          </a:ln>
+        </p:spPr>
+        <p:style>
+          <a:lnRef idx="2">
+            <a:schemeClr val="accent1">
+              <a:shade val="50000"/>
+            </a:schemeClr>
+          </a:lnRef>
+          <a:fillRef idx="1">
+            <a:schemeClr val="accent1"/>
+          </a:fillRef>
+          <a:effectRef idx="0">
+            <a:schemeClr val="accent1"/>
+          </a:effectRef>
+          <a:fontRef idx="minor">
+            <a:schemeClr val="lt1"/>
+          </a:fontRef>
+        </p:style>
+        <p:txBody>
+          <a:bodyPr anchor="ctr"/>
+          <a:lstStyle/>
+          <a:p>
+            <a:pPr algn="ctr">
+              <a:defRPr/>
+            </a:pPr>
+            <a:r>
+              <a:rPr lang="en-US" sz="1600" b="1" dirty="0">
+                <a:solidFill>
+                  <a:schemeClr val="tx1"/>
+                </a:solidFill>
+                <a:latin typeface="Calibri" panose="020F0502020204030204" pitchFamily="34" charset="0"/>
+                <a:cs typeface="Calibri" panose="020F0502020204030204" pitchFamily="34" charset="0"/>
+              </a:rPr>
+              <a:t>Device</a:t>
+            </a:r>
+            <a:endParaRPr lang="en-GB" sz="1600" b="1" dirty="0">
+              <a:solidFill>
+                <a:schemeClr val="tx1"/>
+              </a:solidFill>
+              <a:latin typeface="Calibri" panose="020F0502020204030204" pitchFamily="34" charset="0"/>
+              <a:cs typeface="Calibri" panose="020F0502020204030204" pitchFamily="34" charset="0"/>
+            </a:endParaRPr>
+          </a:p>
+        </p:txBody>
+      </p:sp>
+      <p:grpSp>
+        <p:nvGrpSpPr>
+          <p:cNvPr id="144" name="Group 143"/>
+          <p:cNvGrpSpPr/>
+          <p:nvPr/>
+        </p:nvGrpSpPr>
+        <p:grpSpPr>
+          <a:xfrm>
+            <a:off x="1854380" y="5516214"/>
+            <a:ext cx="144462" cy="258762"/>
+            <a:chOff x="4487395" y="5226823"/>
+            <a:chExt cx="144462" cy="258762"/>
+          </a:xfrm>
+        </p:grpSpPr>
+        <p:sp>
+          <p:nvSpPr>
+            <p:cNvPr id="92" name="Rectangle 91"/>
+            <p:cNvSpPr/>
+            <p:nvPr/>
+          </p:nvSpPr>
+          <p:spPr bwMode="auto">
+            <a:xfrm>
+              <a:off x="4487395" y="5226823"/>
+              <a:ext cx="144462" cy="258762"/>
+            </a:xfrm>
+            <a:prstGeom prst="rect">
+              <a:avLst/>
+            </a:prstGeom>
+            <a:noFill/>
+            <a:ln w="19050">
+              <a:solidFill>
+                <a:schemeClr val="tx1"/>
+              </a:solidFill>
+              <a:miter lim="800000"/>
+            </a:ln>
+          </p:spPr>
+          <p:style>
+            <a:lnRef idx="2">
+              <a:schemeClr val="accent1">
+                <a:shade val="50000"/>
+              </a:schemeClr>
+            </a:lnRef>
+            <a:fillRef idx="1">
+              <a:schemeClr val="accent1"/>
+            </a:fillRef>
+            <a:effectRef idx="0">
+              <a:schemeClr val="accent1"/>
+            </a:effectRef>
+            <a:fontRef idx="minor">
+              <a:schemeClr val="lt1"/>
+            </a:fontRef>
+          </p:style>
+          <p:txBody>
+            <a:bodyPr anchor="ctr"/>
+            <a:lstStyle/>
+            <a:p>
+              <a:pPr algn="ctr">
+                <a:defRPr/>
+              </a:pPr>
+              <a:endParaRPr lang="en-GB">
+                <a:latin typeface="Calibri" panose="020F0502020204030204" pitchFamily="34" charset="0"/>
+                <a:cs typeface="Calibri" panose="020F0502020204030204" pitchFamily="34" charset="0"/>
+              </a:endParaRPr>
+            </a:p>
+          </p:txBody>
+        </p:sp>
+        <p:cxnSp>
+          <p:nvCxnSpPr>
+            <p:cNvPr id="93" name="Straight Connector 92"/>
+            <p:cNvCxnSpPr/>
+            <p:nvPr/>
+          </p:nvCxnSpPr>
+          <p:spPr bwMode="auto">
+            <a:xfrm>
+              <a:off x="4487395" y="5317310"/>
+              <a:ext cx="144462" cy="0"/>
+            </a:xfrm>
+            <a:prstGeom prst="line">
+              <a:avLst/>
+            </a:prstGeom>
+            <a:ln w="22225">
+              <a:solidFill>
+                <a:schemeClr val="tx1"/>
+              </a:solidFill>
+              <a:miter lim="800000"/>
+            </a:ln>
+          </p:spPr>
+          <p:style>
+            <a:lnRef idx="1">
+              <a:schemeClr val="accent1"/>
+            </a:lnRef>
+            <a:fillRef idx="0">
+              <a:schemeClr val="accent1"/>
+            </a:fillRef>
+            <a:effectRef idx="0">
+              <a:schemeClr val="accent1"/>
+            </a:effectRef>
+            <a:fontRef idx="minor">
+              <a:schemeClr val="tx1"/>
+            </a:fontRef>
+          </p:style>
+        </p:cxnSp>
+        <p:cxnSp>
+          <p:nvCxnSpPr>
+            <p:cNvPr id="94" name="Straight Connector 93"/>
+            <p:cNvCxnSpPr/>
+            <p:nvPr/>
+          </p:nvCxnSpPr>
+          <p:spPr bwMode="auto">
+            <a:xfrm>
+              <a:off x="4487395" y="5398273"/>
+              <a:ext cx="144462" cy="0"/>
+            </a:xfrm>
+            <a:prstGeom prst="line">
+              <a:avLst/>
+            </a:prstGeom>
+            <a:ln w="22225">
+              <a:solidFill>
+                <a:schemeClr val="tx1"/>
+              </a:solidFill>
+              <a:miter lim="800000"/>
+            </a:ln>
+          </p:spPr>
+          <p:style>
+            <a:lnRef idx="1">
+              <a:schemeClr val="accent1"/>
+            </a:lnRef>
+            <a:fillRef idx="0">
+              <a:schemeClr val="accent1"/>
+            </a:fillRef>
+            <a:effectRef idx="0">
+              <a:schemeClr val="accent1"/>
+            </a:effectRef>
+            <a:fontRef idx="minor">
+              <a:schemeClr val="tx1"/>
+            </a:fontRef>
+          </p:style>
+        </p:cxnSp>
+      </p:grpSp>
+      <p:sp>
+        <p:nvSpPr>
+          <p:cNvPr id="21" name="Rounded Rectangle 20"/>
+          <p:cNvSpPr/>
+          <p:nvPr/>
+        </p:nvSpPr>
+        <p:spPr bwMode="auto">
+          <a:xfrm>
+            <a:off x="3904639" y="1176251"/>
+            <a:ext cx="1944687" cy="288000"/>
+          </a:xfrm>
+          <a:prstGeom prst="roundRect">
+            <a:avLst>
+              <a:gd name="adj" fmla="val 0"/>
+            </a:avLst>
+          </a:prstGeom>
+          <a:solidFill>
+            <a:srgbClr val="00A960"/>
+          </a:solidFill>
+          <a:ln w="19050" algn="ctr">
+            <a:noFill/>
+            <a:round/>
+            <a:headEnd/>
+            <a:tailEnd/>
+          </a:ln>
+        </p:spPr>
+        <p:txBody>
+          <a:bodyPr wrap="none" lIns="121944" tIns="60972" rIns="121944" bIns="60972" anchor="ctr"/>
+          <a:lstStyle/>
+          <a:p>
+            <a:pPr algn="ctr" fontAlgn="auto">
+              <a:spcBef>
+                <a:spcPts val="0"/>
+              </a:spcBef>
+              <a:spcAft>
+                <a:spcPts val="0"/>
+              </a:spcAft>
+              <a:defRPr/>
+            </a:pPr>
+            <a:r>
+              <a:rPr lang="de-DE" sz="1500" b="1" kern="0" dirty="0">
+                <a:solidFill>
+                  <a:sysClr val="window" lastClr="FFFFFF"/>
+                </a:solidFill>
+                <a:latin typeface="Calibri" panose="020F0502020204030204" pitchFamily="34" charset="0"/>
+                <a:ea typeface="ＭＳ Ｐゴシック" pitchFamily="34" charset="-128"/>
+                <a:cs typeface="Calibri" panose="020F0502020204030204" pitchFamily="34" charset="0"/>
+              </a:rPr>
+              <a:t>Startup/System</a:t>
+            </a:r>
+          </a:p>
+        </p:txBody>
+      </p:sp>
+      <p:sp>
+        <p:nvSpPr>
+          <p:cNvPr id="24" name="Rectangle 23"/>
+          <p:cNvSpPr/>
+          <p:nvPr/>
+        </p:nvSpPr>
+        <p:spPr bwMode="auto">
+          <a:xfrm>
+            <a:off x="5847726" y="3560991"/>
+            <a:ext cx="936625" cy="207962"/>
+          </a:xfrm>
+          <a:prstGeom prst="rect">
+            <a:avLst/>
+          </a:prstGeom>
+          <a:solidFill>
+            <a:srgbClr val="CCEDDF"/>
+          </a:solidFill>
+          <a:ln w="6350">
+            <a:solidFill>
+              <a:schemeClr val="tx1"/>
+            </a:solidFill>
+          </a:ln>
+        </p:spPr>
+        <p:style>
+          <a:lnRef idx="2">
+            <a:schemeClr val="accent1">
+              <a:shade val="50000"/>
+            </a:schemeClr>
+          </a:lnRef>
+          <a:fillRef idx="1">
+            <a:schemeClr val="accent1"/>
+          </a:fillRef>
+          <a:effectRef idx="0">
+            <a:schemeClr val="accent1"/>
+          </a:effectRef>
+          <a:fontRef idx="minor">
+            <a:schemeClr val="lt1"/>
+          </a:fontRef>
+        </p:style>
+        <p:txBody>
+          <a:bodyPr anchor="ctr"/>
+          <a:lstStyle/>
+          <a:p>
+            <a:pPr algn="r">
+              <a:defRPr/>
+            </a:pPr>
+            <a:r>
+              <a:rPr lang="en-US" sz="1200" dirty="0">
+                <a:solidFill>
+                  <a:schemeClr val="tx1"/>
+                </a:solidFill>
+                <a:latin typeface="Calibri" panose="020F0502020204030204" pitchFamily="34" charset="0"/>
+                <a:cs typeface="Calibri" panose="020F0502020204030204" pitchFamily="34" charset="0"/>
+              </a:rPr>
+              <a:t>SPI0</a:t>
+            </a:r>
+            <a:endParaRPr lang="en-GB" sz="1200" dirty="0">
+              <a:solidFill>
+                <a:schemeClr val="tx1"/>
+              </a:solidFill>
+              <a:latin typeface="Calibri" panose="020F0502020204030204" pitchFamily="34" charset="0"/>
+              <a:cs typeface="Calibri" panose="020F0502020204030204" pitchFamily="34" charset="0"/>
+            </a:endParaRPr>
+          </a:p>
+        </p:txBody>
+      </p:sp>
+      <p:sp>
+        <p:nvSpPr>
+          <p:cNvPr id="26" name="Rounded Rectangle 25"/>
+          <p:cNvSpPr/>
+          <p:nvPr/>
+        </p:nvSpPr>
+        <p:spPr bwMode="auto">
+          <a:xfrm>
+            <a:off x="3904634" y="3535529"/>
+            <a:ext cx="1944687" cy="288000"/>
+          </a:xfrm>
+          <a:prstGeom prst="roundRect">
+            <a:avLst>
+              <a:gd name="adj" fmla="val 0"/>
+            </a:avLst>
+          </a:prstGeom>
+          <a:solidFill>
+            <a:srgbClr val="00A960"/>
+          </a:solidFill>
+          <a:ln w="19050" algn="ctr">
+            <a:noFill/>
+            <a:round/>
+            <a:headEnd/>
+            <a:tailEnd/>
+          </a:ln>
+        </p:spPr>
+        <p:txBody>
+          <a:bodyPr wrap="none" lIns="121944" tIns="60972" rIns="121944" bIns="60972" anchor="ctr"/>
+          <a:lstStyle/>
+          <a:p>
+            <a:pPr algn="ctr" fontAlgn="auto">
+              <a:spcBef>
+                <a:spcPts val="0"/>
+              </a:spcBef>
+              <a:spcAft>
+                <a:spcPts val="0"/>
+              </a:spcAft>
+              <a:defRPr/>
+            </a:pPr>
+            <a:r>
+              <a:rPr lang="de-DE" sz="1500" b="1" kern="0" dirty="0">
+                <a:solidFill>
+                  <a:sysClr val="window" lastClr="FFFFFF"/>
+                </a:solidFill>
+                <a:latin typeface="Calibri" panose="020F0502020204030204" pitchFamily="34" charset="0"/>
+                <a:ea typeface="ＭＳ Ｐゴシック" pitchFamily="34" charset="-128"/>
+                <a:cs typeface="Calibri" panose="020F0502020204030204" pitchFamily="34" charset="0"/>
+              </a:rPr>
+              <a:t>SPI Driver</a:t>
+            </a:r>
+          </a:p>
+        </p:txBody>
+      </p:sp>
+      <p:sp>
+        <p:nvSpPr>
+          <p:cNvPr id="27" name="Rectangle 26"/>
+          <p:cNvSpPr/>
+          <p:nvPr/>
+        </p:nvSpPr>
+        <p:spPr bwMode="auto">
+          <a:xfrm>
+            <a:off x="5849326" y="4746455"/>
+            <a:ext cx="936625" cy="215900"/>
+          </a:xfrm>
+          <a:prstGeom prst="rect">
+            <a:avLst/>
+          </a:prstGeom>
+          <a:solidFill>
+            <a:srgbClr val="CCEDDF"/>
+          </a:solidFill>
+          <a:ln w="6350">
+            <a:solidFill>
+              <a:schemeClr val="tx1"/>
+            </a:solidFill>
+          </a:ln>
+        </p:spPr>
+        <p:style>
+          <a:lnRef idx="2">
+            <a:schemeClr val="accent1">
+              <a:shade val="50000"/>
+            </a:schemeClr>
+          </a:lnRef>
+          <a:fillRef idx="1">
+            <a:schemeClr val="accent1"/>
+          </a:fillRef>
+          <a:effectRef idx="0">
+            <a:schemeClr val="accent1"/>
+          </a:effectRef>
+          <a:fontRef idx="minor">
+            <a:schemeClr val="lt1"/>
+          </a:fontRef>
+        </p:style>
+        <p:txBody>
+          <a:bodyPr anchor="ctr"/>
+          <a:lstStyle/>
+          <a:p>
+            <a:pPr algn="r">
+              <a:defRPr/>
+            </a:pPr>
+            <a:r>
+              <a:rPr lang="en-US" sz="1200" dirty="0">
+                <a:solidFill>
+                  <a:schemeClr val="tx1"/>
+                </a:solidFill>
+                <a:latin typeface="Calibri" panose="020F0502020204030204" pitchFamily="34" charset="0"/>
+                <a:cs typeface="Calibri" panose="020F0502020204030204" pitchFamily="34" charset="0"/>
+              </a:rPr>
+              <a:t>MCI0</a:t>
+            </a:r>
+            <a:endParaRPr lang="en-GB" sz="1200" dirty="0">
+              <a:solidFill>
+                <a:schemeClr val="tx1"/>
+              </a:solidFill>
+              <a:latin typeface="Calibri" panose="020F0502020204030204" pitchFamily="34" charset="0"/>
+              <a:cs typeface="Calibri" panose="020F0502020204030204" pitchFamily="34" charset="0"/>
+            </a:endParaRPr>
+          </a:p>
+        </p:txBody>
+      </p:sp>
+      <p:sp>
+        <p:nvSpPr>
+          <p:cNvPr id="29" name="Rounded Rectangle 28"/>
+          <p:cNvSpPr/>
+          <p:nvPr/>
+        </p:nvSpPr>
+        <p:spPr bwMode="auto">
+          <a:xfrm>
+            <a:off x="3904639" y="4715168"/>
+            <a:ext cx="1944687" cy="288000"/>
+          </a:xfrm>
+          <a:prstGeom prst="roundRect">
+            <a:avLst>
+              <a:gd name="adj" fmla="val 0"/>
+            </a:avLst>
+          </a:prstGeom>
+          <a:solidFill>
+            <a:srgbClr val="00A960"/>
+          </a:solidFill>
+          <a:ln w="19050" algn="ctr">
+            <a:noFill/>
+            <a:round/>
+            <a:headEnd/>
+            <a:tailEnd/>
+          </a:ln>
+        </p:spPr>
+        <p:txBody>
+          <a:bodyPr wrap="none" lIns="121944" tIns="60972" rIns="121944" bIns="60972" anchor="ctr"/>
+          <a:lstStyle/>
+          <a:p>
+            <a:pPr algn="ctr" fontAlgn="auto">
+              <a:spcBef>
+                <a:spcPts val="0"/>
+              </a:spcBef>
+              <a:spcAft>
+                <a:spcPts val="0"/>
+              </a:spcAft>
+              <a:defRPr/>
+            </a:pPr>
+            <a:r>
+              <a:rPr lang="de-DE" sz="1500" b="1" kern="0" dirty="0">
+                <a:solidFill>
+                  <a:sysClr val="window" lastClr="FFFFFF"/>
+                </a:solidFill>
+                <a:latin typeface="Calibri" panose="020F0502020204030204" pitchFamily="34" charset="0"/>
+                <a:ea typeface="ＭＳ Ｐゴシック" pitchFamily="34" charset="-128"/>
+                <a:cs typeface="Calibri" panose="020F0502020204030204" pitchFamily="34" charset="0"/>
+              </a:rPr>
+              <a:t>MCI Driver</a:t>
+            </a:r>
+          </a:p>
+        </p:txBody>
+      </p:sp>
+      <p:sp>
+        <p:nvSpPr>
+          <p:cNvPr id="28" name="Rectangle 27"/>
+          <p:cNvSpPr/>
+          <p:nvPr/>
+        </p:nvSpPr>
+        <p:spPr bwMode="auto">
+          <a:xfrm>
+            <a:off x="5847728" y="5144431"/>
+            <a:ext cx="936625" cy="215900"/>
+          </a:xfrm>
+          <a:prstGeom prst="rect">
+            <a:avLst/>
+          </a:prstGeom>
+          <a:solidFill>
+            <a:srgbClr val="CCEDDF"/>
+          </a:solidFill>
+          <a:ln w="6350">
+            <a:solidFill>
+              <a:schemeClr val="tx1"/>
+            </a:solidFill>
+          </a:ln>
+        </p:spPr>
+        <p:style>
+          <a:lnRef idx="2">
+            <a:schemeClr val="accent1">
+              <a:shade val="50000"/>
+            </a:schemeClr>
+          </a:lnRef>
+          <a:fillRef idx="1">
+            <a:schemeClr val="accent1"/>
+          </a:fillRef>
+          <a:effectRef idx="0">
+            <a:schemeClr val="accent1"/>
+          </a:effectRef>
+          <a:fontRef idx="minor">
+            <a:schemeClr val="lt1"/>
+          </a:fontRef>
+        </p:style>
+        <p:txBody>
+          <a:bodyPr anchor="ctr"/>
+          <a:lstStyle/>
+          <a:p>
+            <a:pPr algn="r">
+              <a:defRPr/>
+            </a:pPr>
+            <a:r>
+              <a:rPr lang="en-US" sz="1200" dirty="0">
+                <a:solidFill>
+                  <a:schemeClr val="tx1"/>
+                </a:solidFill>
+                <a:latin typeface="Calibri" panose="020F0502020204030204" pitchFamily="34" charset="0"/>
+                <a:cs typeface="Calibri" panose="020F0502020204030204" pitchFamily="34" charset="0"/>
+              </a:rPr>
+              <a:t>NAND0</a:t>
+            </a:r>
+            <a:endParaRPr lang="en-GB" sz="1200" dirty="0">
+              <a:solidFill>
+                <a:schemeClr val="tx1"/>
+              </a:solidFill>
+              <a:latin typeface="Calibri" panose="020F0502020204030204" pitchFamily="34" charset="0"/>
+              <a:cs typeface="Calibri" panose="020F0502020204030204" pitchFamily="34" charset="0"/>
+            </a:endParaRPr>
+          </a:p>
+        </p:txBody>
+      </p:sp>
+      <p:sp>
+        <p:nvSpPr>
+          <p:cNvPr id="30" name="Rounded Rectangle 29"/>
+          <p:cNvSpPr/>
+          <p:nvPr/>
+        </p:nvSpPr>
+        <p:spPr bwMode="auto">
+          <a:xfrm>
+            <a:off x="3904639" y="5108381"/>
+            <a:ext cx="1944687" cy="288000"/>
+          </a:xfrm>
+          <a:prstGeom prst="roundRect">
+            <a:avLst>
+              <a:gd name="adj" fmla="val 0"/>
+            </a:avLst>
+          </a:prstGeom>
+          <a:solidFill>
+            <a:srgbClr val="00A960"/>
+          </a:solidFill>
+          <a:ln w="19050" algn="ctr">
+            <a:noFill/>
+            <a:round/>
+            <a:headEnd/>
+            <a:tailEnd/>
+          </a:ln>
+        </p:spPr>
+        <p:txBody>
+          <a:bodyPr wrap="none" lIns="121944" tIns="60972" rIns="121944" bIns="60972" anchor="ctr"/>
+          <a:lstStyle/>
+          <a:p>
+            <a:pPr algn="ctr" fontAlgn="auto">
+              <a:spcBef>
+                <a:spcPts val="0"/>
+              </a:spcBef>
+              <a:spcAft>
+                <a:spcPts val="0"/>
+              </a:spcAft>
+              <a:defRPr/>
+            </a:pPr>
+            <a:r>
+              <a:rPr lang="de-DE" sz="1500" b="1" kern="0" dirty="0">
+                <a:solidFill>
+                  <a:sysClr val="window" lastClr="FFFFFF"/>
+                </a:solidFill>
+                <a:latin typeface="Calibri" panose="020F0502020204030204" pitchFamily="34" charset="0"/>
+                <a:ea typeface="ＭＳ Ｐゴシック" pitchFamily="34" charset="-128"/>
+                <a:cs typeface="Calibri" panose="020F0502020204030204" pitchFamily="34" charset="0"/>
+              </a:rPr>
+              <a:t>NAND Driver</a:t>
+            </a:r>
+          </a:p>
+        </p:txBody>
+      </p:sp>
+      <p:sp>
+        <p:nvSpPr>
+          <p:cNvPr id="31" name="Rectangle 30"/>
+          <p:cNvSpPr/>
+          <p:nvPr/>
+        </p:nvSpPr>
+        <p:spPr bwMode="auto">
+          <a:xfrm>
+            <a:off x="5849320" y="1605514"/>
+            <a:ext cx="936625" cy="215900"/>
+          </a:xfrm>
+          <a:prstGeom prst="rect">
+            <a:avLst/>
+          </a:prstGeom>
+          <a:solidFill>
+            <a:srgbClr val="CCEDDF"/>
+          </a:solidFill>
+          <a:ln w="6350">
+            <a:solidFill>
+              <a:schemeClr val="tx1"/>
+            </a:solidFill>
+          </a:ln>
+        </p:spPr>
+        <p:style>
+          <a:lnRef idx="2">
+            <a:schemeClr val="accent1">
+              <a:shade val="50000"/>
+            </a:schemeClr>
+          </a:lnRef>
+          <a:fillRef idx="1">
+            <a:schemeClr val="accent1"/>
+          </a:fillRef>
+          <a:effectRef idx="0">
+            <a:schemeClr val="accent1"/>
+          </a:effectRef>
+          <a:fontRef idx="minor">
+            <a:schemeClr val="lt1"/>
+          </a:fontRef>
+        </p:style>
+        <p:txBody>
+          <a:bodyPr anchor="ctr"/>
+          <a:lstStyle/>
+          <a:p>
+            <a:pPr algn="r">
+              <a:defRPr/>
+            </a:pPr>
+            <a:r>
+              <a:rPr lang="en-US" sz="1200" dirty="0">
+                <a:solidFill>
+                  <a:schemeClr val="tx1"/>
+                </a:solidFill>
+                <a:latin typeface="Calibri" panose="020F0502020204030204" pitchFamily="34" charset="0"/>
+                <a:cs typeface="Calibri" panose="020F0502020204030204" pitchFamily="34" charset="0"/>
+              </a:rPr>
+              <a:t>USBD0</a:t>
+            </a:r>
+            <a:endParaRPr lang="en-GB" sz="1200" dirty="0">
+              <a:solidFill>
+                <a:schemeClr val="tx1"/>
+              </a:solidFill>
+              <a:latin typeface="Calibri" panose="020F0502020204030204" pitchFamily="34" charset="0"/>
+              <a:cs typeface="Calibri" panose="020F0502020204030204" pitchFamily="34" charset="0"/>
+            </a:endParaRPr>
+          </a:p>
+        </p:txBody>
+      </p:sp>
+      <p:sp>
+        <p:nvSpPr>
+          <p:cNvPr id="32" name="Rounded Rectangle 31"/>
+          <p:cNvSpPr/>
+          <p:nvPr/>
+        </p:nvSpPr>
+        <p:spPr bwMode="auto">
+          <a:xfrm>
+            <a:off x="3904638" y="1569464"/>
+            <a:ext cx="1944687" cy="288000"/>
+          </a:xfrm>
+          <a:prstGeom prst="roundRect">
+            <a:avLst>
+              <a:gd name="adj" fmla="val 0"/>
+            </a:avLst>
+          </a:prstGeom>
+          <a:solidFill>
+            <a:srgbClr val="00A960"/>
+          </a:solidFill>
+          <a:ln w="19050" algn="ctr">
+            <a:noFill/>
+            <a:round/>
+            <a:headEnd/>
+            <a:tailEnd/>
+          </a:ln>
+        </p:spPr>
+        <p:txBody>
+          <a:bodyPr wrap="none" lIns="121944" tIns="60972" rIns="121944" bIns="60972" anchor="ctr"/>
+          <a:lstStyle/>
+          <a:p>
+            <a:pPr algn="ctr" fontAlgn="auto">
+              <a:spcBef>
+                <a:spcPts val="0"/>
+              </a:spcBef>
+              <a:spcAft>
+                <a:spcPts val="0"/>
+              </a:spcAft>
+              <a:defRPr/>
+            </a:pPr>
+            <a:r>
+              <a:rPr lang="de-DE" sz="1500" b="1" kern="0" dirty="0">
+                <a:solidFill>
+                  <a:sysClr val="window" lastClr="FFFFFF"/>
+                </a:solidFill>
+                <a:latin typeface="Calibri" panose="020F0502020204030204" pitchFamily="34" charset="0"/>
+                <a:ea typeface="ＭＳ Ｐゴシック" pitchFamily="34" charset="-128"/>
+                <a:cs typeface="Calibri" panose="020F0502020204030204" pitchFamily="34" charset="0"/>
+              </a:rPr>
+              <a:t>USB Device Driver</a:t>
+            </a:r>
+          </a:p>
+        </p:txBody>
+      </p:sp>
+      <p:sp>
+        <p:nvSpPr>
+          <p:cNvPr id="33" name="Rectangle 32"/>
+          <p:cNvSpPr/>
+          <p:nvPr/>
+        </p:nvSpPr>
+        <p:spPr bwMode="auto">
+          <a:xfrm>
+            <a:off x="5849326" y="1992878"/>
+            <a:ext cx="936625" cy="215900"/>
+          </a:xfrm>
+          <a:prstGeom prst="rect">
+            <a:avLst/>
+          </a:prstGeom>
+          <a:solidFill>
+            <a:srgbClr val="CCEDDF"/>
+          </a:solidFill>
+          <a:ln w="6350">
+            <a:solidFill>
+              <a:schemeClr val="tx1"/>
+            </a:solidFill>
+          </a:ln>
+        </p:spPr>
+        <p:style>
+          <a:lnRef idx="2">
+            <a:schemeClr val="accent1">
+              <a:shade val="50000"/>
+            </a:schemeClr>
+          </a:lnRef>
+          <a:fillRef idx="1">
+            <a:schemeClr val="accent1"/>
+          </a:fillRef>
+          <a:effectRef idx="0">
+            <a:schemeClr val="accent1"/>
+          </a:effectRef>
+          <a:fontRef idx="minor">
+            <a:schemeClr val="lt1"/>
+          </a:fontRef>
+        </p:style>
+        <p:txBody>
+          <a:bodyPr anchor="ctr"/>
+          <a:lstStyle/>
+          <a:p>
+            <a:pPr algn="r">
+              <a:defRPr/>
+            </a:pPr>
+            <a:r>
+              <a:rPr lang="en-US" sz="1200" dirty="0">
+                <a:solidFill>
+                  <a:schemeClr val="tx1"/>
+                </a:solidFill>
+                <a:latin typeface="Calibri" panose="020F0502020204030204" pitchFamily="34" charset="0"/>
+                <a:cs typeface="Calibri" panose="020F0502020204030204" pitchFamily="34" charset="0"/>
+              </a:rPr>
+              <a:t>ETH_PHY0</a:t>
+            </a:r>
+            <a:endParaRPr lang="en-GB" sz="1200" dirty="0">
+              <a:solidFill>
+                <a:schemeClr val="tx1"/>
+              </a:solidFill>
+              <a:latin typeface="Calibri" panose="020F0502020204030204" pitchFamily="34" charset="0"/>
+              <a:cs typeface="Calibri" panose="020F0502020204030204" pitchFamily="34" charset="0"/>
+            </a:endParaRPr>
+          </a:p>
+        </p:txBody>
+      </p:sp>
+      <p:sp>
+        <p:nvSpPr>
+          <p:cNvPr id="34" name="Rectangle 33"/>
+          <p:cNvSpPr/>
+          <p:nvPr/>
+        </p:nvSpPr>
+        <p:spPr bwMode="auto">
+          <a:xfrm>
+            <a:off x="5847727" y="5537645"/>
+            <a:ext cx="936625" cy="215900"/>
+          </a:xfrm>
+          <a:prstGeom prst="rect">
+            <a:avLst/>
+          </a:prstGeom>
+          <a:solidFill>
+            <a:srgbClr val="CCEDDF"/>
+          </a:solidFill>
+          <a:ln w="6350">
+            <a:solidFill>
+              <a:schemeClr val="tx1"/>
+            </a:solidFill>
+          </a:ln>
+        </p:spPr>
+        <p:style>
+          <a:lnRef idx="2">
+            <a:schemeClr val="accent1">
+              <a:shade val="50000"/>
+            </a:schemeClr>
+          </a:lnRef>
+          <a:fillRef idx="1">
+            <a:schemeClr val="accent1"/>
+          </a:fillRef>
+          <a:effectRef idx="0">
+            <a:schemeClr val="accent1"/>
+          </a:effectRef>
+          <a:fontRef idx="minor">
+            <a:schemeClr val="lt1"/>
+          </a:fontRef>
+        </p:style>
+        <p:txBody>
+          <a:bodyPr anchor="ctr"/>
+          <a:lstStyle/>
+          <a:p>
+            <a:pPr algn="r">
+              <a:defRPr/>
+            </a:pPr>
+            <a:r>
+              <a:rPr lang="en-US" sz="1200" dirty="0">
+                <a:solidFill>
+                  <a:schemeClr val="tx1"/>
+                </a:solidFill>
+                <a:latin typeface="Calibri" panose="020F0502020204030204" pitchFamily="34" charset="0"/>
+                <a:cs typeface="Calibri" panose="020F0502020204030204" pitchFamily="34" charset="0"/>
+              </a:rPr>
+              <a:t>USBH0</a:t>
+            </a:r>
+            <a:endParaRPr lang="en-GB" sz="1200" dirty="0">
+              <a:solidFill>
+                <a:schemeClr val="tx1"/>
+              </a:solidFill>
+              <a:latin typeface="Calibri" panose="020F0502020204030204" pitchFamily="34" charset="0"/>
+              <a:cs typeface="Calibri" panose="020F0502020204030204" pitchFamily="34" charset="0"/>
+            </a:endParaRPr>
+          </a:p>
+        </p:txBody>
+      </p:sp>
+      <p:sp>
+        <p:nvSpPr>
+          <p:cNvPr id="35" name="Rounded Rectangle 34"/>
+          <p:cNvSpPr/>
+          <p:nvPr/>
+        </p:nvSpPr>
+        <p:spPr bwMode="auto">
+          <a:xfrm>
+            <a:off x="3904639" y="5501595"/>
+            <a:ext cx="1944687" cy="288000"/>
+          </a:xfrm>
+          <a:prstGeom prst="roundRect">
+            <a:avLst>
+              <a:gd name="adj" fmla="val 0"/>
+            </a:avLst>
+          </a:prstGeom>
+          <a:solidFill>
+            <a:srgbClr val="00A960"/>
+          </a:solidFill>
+          <a:ln w="19050" algn="ctr">
+            <a:noFill/>
+            <a:round/>
+            <a:headEnd/>
+            <a:tailEnd/>
+          </a:ln>
+        </p:spPr>
+        <p:txBody>
+          <a:bodyPr wrap="none" lIns="121944" tIns="60972" rIns="121944" bIns="60972" anchor="ctr"/>
+          <a:lstStyle/>
+          <a:p>
+            <a:pPr algn="ctr" fontAlgn="auto">
+              <a:spcBef>
+                <a:spcPts val="0"/>
+              </a:spcBef>
+              <a:spcAft>
+                <a:spcPts val="0"/>
+              </a:spcAft>
+              <a:defRPr/>
+            </a:pPr>
+            <a:r>
+              <a:rPr lang="de-DE" sz="1500" b="1" kern="0" dirty="0">
+                <a:solidFill>
+                  <a:sysClr val="window" lastClr="FFFFFF"/>
+                </a:solidFill>
+                <a:latin typeface="Calibri" panose="020F0502020204030204" pitchFamily="34" charset="0"/>
+                <a:ea typeface="ＭＳ Ｐゴシック" pitchFamily="34" charset="-128"/>
+                <a:cs typeface="Calibri" panose="020F0502020204030204" pitchFamily="34" charset="0"/>
+              </a:rPr>
+              <a:t>USB Host Driver</a:t>
+            </a:r>
+          </a:p>
+        </p:txBody>
+      </p:sp>
+      <p:sp>
+        <p:nvSpPr>
+          <p:cNvPr id="36" name="Rounded Rectangle 35"/>
+          <p:cNvSpPr/>
+          <p:nvPr/>
+        </p:nvSpPr>
+        <p:spPr bwMode="auto">
+          <a:xfrm>
+            <a:off x="3904636" y="1956828"/>
+            <a:ext cx="1944687" cy="288000"/>
+          </a:xfrm>
+          <a:prstGeom prst="roundRect">
+            <a:avLst>
+              <a:gd name="adj" fmla="val 0"/>
+            </a:avLst>
+          </a:prstGeom>
+          <a:solidFill>
+            <a:srgbClr val="00A960"/>
+          </a:solidFill>
+          <a:ln w="19050" algn="ctr">
+            <a:noFill/>
+            <a:round/>
+            <a:headEnd/>
+            <a:tailEnd/>
+          </a:ln>
+        </p:spPr>
+        <p:txBody>
+          <a:bodyPr wrap="none" lIns="121944" tIns="60972" rIns="121944" bIns="60972" anchor="ctr"/>
+          <a:lstStyle/>
+          <a:p>
+            <a:pPr algn="ctr" fontAlgn="auto">
+              <a:spcBef>
+                <a:spcPts val="0"/>
+              </a:spcBef>
+              <a:spcAft>
+                <a:spcPts val="0"/>
+              </a:spcAft>
+              <a:defRPr/>
+            </a:pPr>
+            <a:r>
+              <a:rPr lang="de-DE" sz="1500" b="1" kern="0" dirty="0">
+                <a:solidFill>
+                  <a:sysClr val="window" lastClr="FFFFFF"/>
+                </a:solidFill>
+                <a:latin typeface="Calibri" panose="020F0502020204030204" pitchFamily="34" charset="0"/>
+                <a:ea typeface="ＭＳ Ｐゴシック" pitchFamily="34" charset="-128"/>
+                <a:cs typeface="Calibri" panose="020F0502020204030204" pitchFamily="34" charset="0"/>
+              </a:rPr>
+              <a:t>Ethernet PHY</a:t>
+            </a:r>
+          </a:p>
+        </p:txBody>
+      </p:sp>
+      <p:sp>
+        <p:nvSpPr>
+          <p:cNvPr id="55" name="Rectangle 54"/>
+          <p:cNvSpPr/>
+          <p:nvPr/>
+        </p:nvSpPr>
+        <p:spPr bwMode="auto">
+          <a:xfrm>
+            <a:off x="5849319" y="2386091"/>
+            <a:ext cx="935037" cy="215900"/>
+          </a:xfrm>
+          <a:prstGeom prst="rect">
+            <a:avLst/>
+          </a:prstGeom>
+          <a:solidFill>
+            <a:srgbClr val="CCEDDF"/>
+          </a:solidFill>
+          <a:ln w="6350">
+            <a:solidFill>
+              <a:schemeClr val="tx1"/>
+            </a:solidFill>
+          </a:ln>
+        </p:spPr>
+        <p:style>
+          <a:lnRef idx="2">
+            <a:schemeClr val="accent1">
+              <a:shade val="50000"/>
+            </a:schemeClr>
+          </a:lnRef>
+          <a:fillRef idx="1">
+            <a:schemeClr val="accent1"/>
+          </a:fillRef>
+          <a:effectRef idx="0">
+            <a:schemeClr val="accent1"/>
+          </a:effectRef>
+          <a:fontRef idx="minor">
+            <a:schemeClr val="lt1"/>
+          </a:fontRef>
+        </p:style>
+        <p:txBody>
+          <a:bodyPr anchor="ctr"/>
+          <a:lstStyle/>
+          <a:p>
+            <a:pPr algn="r">
+              <a:defRPr/>
+            </a:pPr>
+            <a:r>
+              <a:rPr lang="en-US" sz="1200" dirty="0">
+                <a:solidFill>
+                  <a:schemeClr val="tx1"/>
+                </a:solidFill>
+                <a:latin typeface="Calibri" panose="020F0502020204030204" pitchFamily="34" charset="0"/>
+                <a:cs typeface="Calibri" panose="020F0502020204030204" pitchFamily="34" charset="0"/>
+              </a:rPr>
+              <a:t>ETH_MAC0</a:t>
+            </a:r>
+            <a:endParaRPr lang="en-GB" sz="1200" dirty="0">
+              <a:solidFill>
+                <a:schemeClr val="tx1"/>
+              </a:solidFill>
+              <a:latin typeface="Calibri" panose="020F0502020204030204" pitchFamily="34" charset="0"/>
+              <a:cs typeface="Calibri" panose="020F0502020204030204" pitchFamily="34" charset="0"/>
+            </a:endParaRPr>
+          </a:p>
+        </p:txBody>
+      </p:sp>
+      <p:sp>
+        <p:nvSpPr>
+          <p:cNvPr id="56" name="Rounded Rectangle 55"/>
+          <p:cNvSpPr/>
+          <p:nvPr/>
+        </p:nvSpPr>
+        <p:spPr bwMode="auto">
+          <a:xfrm>
+            <a:off x="3904639" y="2350041"/>
+            <a:ext cx="1944687" cy="288000"/>
+          </a:xfrm>
+          <a:prstGeom prst="roundRect">
+            <a:avLst>
+              <a:gd name="adj" fmla="val 0"/>
+            </a:avLst>
+          </a:prstGeom>
+          <a:solidFill>
+            <a:srgbClr val="00A960"/>
+          </a:solidFill>
+          <a:ln w="19050" algn="ctr">
+            <a:noFill/>
+            <a:round/>
+            <a:headEnd/>
+            <a:tailEnd/>
+          </a:ln>
+        </p:spPr>
+        <p:txBody>
+          <a:bodyPr wrap="none" lIns="121944" tIns="60972" rIns="121944" bIns="60972" anchor="ctr"/>
+          <a:lstStyle/>
+          <a:p>
+            <a:pPr algn="ctr" fontAlgn="auto">
+              <a:spcBef>
+                <a:spcPts val="0"/>
+              </a:spcBef>
+              <a:spcAft>
+                <a:spcPts val="0"/>
+              </a:spcAft>
+              <a:defRPr/>
+            </a:pPr>
+            <a:r>
+              <a:rPr lang="de-DE" sz="1500" b="1" kern="0" dirty="0">
+                <a:solidFill>
+                  <a:sysClr val="window" lastClr="FFFFFF"/>
+                </a:solidFill>
+                <a:latin typeface="Calibri" panose="020F0502020204030204" pitchFamily="34" charset="0"/>
+                <a:ea typeface="ＭＳ Ｐゴシック" pitchFamily="34" charset="-128"/>
+                <a:cs typeface="Calibri" panose="020F0502020204030204" pitchFamily="34" charset="0"/>
+              </a:rPr>
+              <a:t>Ethernet MAC</a:t>
+            </a:r>
+          </a:p>
+        </p:txBody>
+      </p:sp>
+      <p:sp>
+        <p:nvSpPr>
+          <p:cNvPr id="68" name="Rounded Rectangle 67"/>
+          <p:cNvSpPr/>
+          <p:nvPr/>
+        </p:nvSpPr>
+        <p:spPr bwMode="auto">
+          <a:xfrm>
+            <a:off x="5849326" y="1103557"/>
+            <a:ext cx="936625" cy="433388"/>
+          </a:xfrm>
+          <a:prstGeom prst="roundRect">
+            <a:avLst/>
+          </a:prstGeom>
+          <a:noFill/>
+          <a:ln w="12700">
+            <a:noFill/>
+          </a:ln>
+        </p:spPr>
+        <p:style>
+          <a:lnRef idx="2">
+            <a:schemeClr val="accent1">
+              <a:shade val="50000"/>
+            </a:schemeClr>
+          </a:lnRef>
+          <a:fillRef idx="1">
+            <a:schemeClr val="accent1"/>
+          </a:fillRef>
+          <a:effectRef idx="0">
+            <a:schemeClr val="accent1"/>
+          </a:effectRef>
+          <a:fontRef idx="minor">
+            <a:schemeClr val="lt1"/>
+          </a:fontRef>
+        </p:style>
+        <p:txBody>
+          <a:bodyPr anchor="ctr"/>
+          <a:lstStyle/>
+          <a:p>
+            <a:pPr algn="ctr">
+              <a:defRPr/>
+            </a:pPr>
+            <a:r>
+              <a:rPr lang="en-US" sz="1200" dirty="0">
+                <a:solidFill>
+                  <a:schemeClr val="tx1"/>
+                </a:solidFill>
+                <a:latin typeface="Calibri" panose="020F0502020204030204" pitchFamily="34" charset="0"/>
+                <a:cs typeface="Calibri" panose="020F0502020204030204" pitchFamily="34" charset="0"/>
+              </a:rPr>
+              <a:t>Control</a:t>
+            </a:r>
+          </a:p>
+          <a:p>
+            <a:pPr algn="ctr">
+              <a:defRPr/>
+            </a:pPr>
+            <a:r>
+              <a:rPr lang="en-US" sz="1200" dirty="0">
+                <a:solidFill>
+                  <a:schemeClr val="tx1"/>
+                </a:solidFill>
+                <a:latin typeface="Calibri" panose="020F0502020204030204" pitchFamily="34" charset="0"/>
+                <a:cs typeface="Calibri" panose="020F0502020204030204" pitchFamily="34" charset="0"/>
+              </a:rPr>
+              <a:t>Structs</a:t>
+            </a:r>
+            <a:endParaRPr lang="en-GB" sz="1200" dirty="0">
+              <a:solidFill>
+                <a:schemeClr val="tx1"/>
+              </a:solidFill>
+              <a:latin typeface="Calibri" panose="020F0502020204030204" pitchFamily="34" charset="0"/>
+              <a:cs typeface="Calibri" panose="020F0502020204030204" pitchFamily="34" charset="0"/>
+            </a:endParaRPr>
+          </a:p>
+        </p:txBody>
+      </p:sp>
+      <p:sp>
+        <p:nvSpPr>
+          <p:cNvPr id="96" name="Rounded Rectangle 95"/>
+          <p:cNvSpPr/>
+          <p:nvPr/>
+        </p:nvSpPr>
+        <p:spPr bwMode="auto">
+          <a:xfrm>
+            <a:off x="3904635" y="2743254"/>
+            <a:ext cx="1944687" cy="288000"/>
+          </a:xfrm>
+          <a:prstGeom prst="roundRect">
+            <a:avLst>
+              <a:gd name="adj" fmla="val 0"/>
+            </a:avLst>
+          </a:prstGeom>
+          <a:solidFill>
+            <a:srgbClr val="00A960"/>
+          </a:solidFill>
+          <a:ln w="19050" algn="ctr">
+            <a:noFill/>
+            <a:round/>
+            <a:headEnd/>
+            <a:tailEnd/>
+          </a:ln>
+        </p:spPr>
+        <p:txBody>
+          <a:bodyPr wrap="none" lIns="121944" tIns="60972" rIns="121944" bIns="60972" anchor="ctr"/>
+          <a:lstStyle/>
+          <a:p>
+            <a:pPr algn="ctr" fontAlgn="auto">
+              <a:spcBef>
+                <a:spcPts val="0"/>
+              </a:spcBef>
+              <a:spcAft>
+                <a:spcPts val="0"/>
+              </a:spcAft>
+              <a:defRPr/>
+            </a:pPr>
+            <a:r>
+              <a:rPr lang="de-DE" sz="1500" b="1" kern="0" dirty="0">
+                <a:solidFill>
+                  <a:sysClr val="window" lastClr="FFFFFF"/>
+                </a:solidFill>
+                <a:latin typeface="Calibri" panose="020F0502020204030204" pitchFamily="34" charset="0"/>
+                <a:ea typeface="ＭＳ Ｐゴシック" pitchFamily="34" charset="-128"/>
+                <a:cs typeface="Calibri" panose="020F0502020204030204" pitchFamily="34" charset="0"/>
+              </a:rPr>
+              <a:t>USART Driver</a:t>
+            </a:r>
+          </a:p>
+        </p:txBody>
+      </p:sp>
+      <p:sp>
+        <p:nvSpPr>
+          <p:cNvPr id="98" name="Rounded Rectangle 97"/>
+          <p:cNvSpPr/>
+          <p:nvPr/>
+        </p:nvSpPr>
+        <p:spPr bwMode="auto">
+          <a:xfrm>
+            <a:off x="3904639" y="3928742"/>
+            <a:ext cx="1944687" cy="288000"/>
+          </a:xfrm>
+          <a:prstGeom prst="roundRect">
+            <a:avLst>
+              <a:gd name="adj" fmla="val 0"/>
+            </a:avLst>
+          </a:prstGeom>
+          <a:solidFill>
+            <a:srgbClr val="00A960"/>
+          </a:solidFill>
+          <a:ln w="19050" algn="ctr">
+            <a:noFill/>
+            <a:round/>
+            <a:headEnd/>
+            <a:tailEnd/>
+          </a:ln>
+        </p:spPr>
+        <p:txBody>
+          <a:bodyPr wrap="none" lIns="121944" tIns="60972" rIns="121944" bIns="60972" anchor="ctr"/>
+          <a:lstStyle/>
+          <a:p>
+            <a:pPr algn="ctr" fontAlgn="auto">
+              <a:spcBef>
+                <a:spcPts val="0"/>
+              </a:spcBef>
+              <a:spcAft>
+                <a:spcPts val="0"/>
+              </a:spcAft>
+              <a:defRPr/>
+            </a:pPr>
+            <a:r>
+              <a:rPr lang="de-DE" sz="1500" b="1" kern="0" dirty="0">
+                <a:solidFill>
+                  <a:sysClr val="window" lastClr="FFFFFF"/>
+                </a:solidFill>
+                <a:latin typeface="Calibri" panose="020F0502020204030204" pitchFamily="34" charset="0"/>
+                <a:ea typeface="ＭＳ Ｐゴシック" pitchFamily="34" charset="-128"/>
+                <a:cs typeface="Calibri" panose="020F0502020204030204" pitchFamily="34" charset="0"/>
+              </a:rPr>
+              <a:t>CAN Driver</a:t>
+            </a:r>
+          </a:p>
+        </p:txBody>
+      </p:sp>
+      <p:sp>
+        <p:nvSpPr>
+          <p:cNvPr id="99" name="Rounded Rectangle 98"/>
+          <p:cNvSpPr/>
+          <p:nvPr/>
+        </p:nvSpPr>
+        <p:spPr bwMode="auto">
+          <a:xfrm>
+            <a:off x="3904633" y="4321955"/>
+            <a:ext cx="1944687" cy="288000"/>
+          </a:xfrm>
+          <a:prstGeom prst="roundRect">
+            <a:avLst>
+              <a:gd name="adj" fmla="val 0"/>
+            </a:avLst>
+          </a:prstGeom>
+          <a:solidFill>
+            <a:srgbClr val="00A960"/>
+          </a:solidFill>
+          <a:ln w="19050" algn="ctr">
+            <a:noFill/>
+            <a:round/>
+            <a:headEnd/>
+            <a:tailEnd/>
+          </a:ln>
+        </p:spPr>
+        <p:txBody>
+          <a:bodyPr wrap="none" lIns="121944" tIns="60972" rIns="121944" bIns="60972" anchor="ctr"/>
+          <a:lstStyle/>
+          <a:p>
+            <a:pPr algn="ctr" fontAlgn="auto">
+              <a:spcBef>
+                <a:spcPts val="0"/>
+              </a:spcBef>
+              <a:spcAft>
+                <a:spcPts val="0"/>
+              </a:spcAft>
+              <a:defRPr/>
+            </a:pPr>
+            <a:r>
+              <a:rPr lang="de-DE" sz="1500" b="1" kern="0" dirty="0">
+                <a:solidFill>
+                  <a:sysClr val="window" lastClr="FFFFFF"/>
+                </a:solidFill>
+                <a:latin typeface="Calibri" panose="020F0502020204030204" pitchFamily="34" charset="0"/>
+                <a:ea typeface="ＭＳ Ｐゴシック" pitchFamily="34" charset="-128"/>
+                <a:cs typeface="Calibri" panose="020F0502020204030204" pitchFamily="34" charset="0"/>
+              </a:rPr>
+              <a:t>Flash Driver</a:t>
+            </a:r>
+          </a:p>
+        </p:txBody>
+      </p:sp>
+      <p:sp>
+        <p:nvSpPr>
+          <p:cNvPr id="100" name="Rectangle 99"/>
+          <p:cNvSpPr/>
+          <p:nvPr/>
+        </p:nvSpPr>
+        <p:spPr bwMode="auto">
+          <a:xfrm>
+            <a:off x="5847731" y="2783273"/>
+            <a:ext cx="936625" cy="207962"/>
+          </a:xfrm>
+          <a:prstGeom prst="rect">
+            <a:avLst/>
+          </a:prstGeom>
+          <a:solidFill>
+            <a:srgbClr val="CCEDDF"/>
+          </a:solidFill>
+          <a:ln w="6350">
+            <a:solidFill>
+              <a:schemeClr val="tx1"/>
+            </a:solidFill>
+          </a:ln>
+        </p:spPr>
+        <p:style>
+          <a:lnRef idx="2">
+            <a:schemeClr val="accent1">
+              <a:shade val="50000"/>
+            </a:schemeClr>
+          </a:lnRef>
+          <a:fillRef idx="1">
+            <a:schemeClr val="accent1"/>
+          </a:fillRef>
+          <a:effectRef idx="0">
+            <a:schemeClr val="accent1"/>
+          </a:effectRef>
+          <a:fontRef idx="minor">
+            <a:schemeClr val="lt1"/>
+          </a:fontRef>
+        </p:style>
+        <p:txBody>
+          <a:bodyPr anchor="ctr"/>
+          <a:lstStyle/>
+          <a:p>
+            <a:pPr algn="r">
+              <a:defRPr/>
+            </a:pPr>
+            <a:r>
+              <a:rPr lang="en-US" sz="1200" dirty="0">
+                <a:solidFill>
+                  <a:schemeClr val="tx1"/>
+                </a:solidFill>
+                <a:latin typeface="Calibri" panose="020F0502020204030204" pitchFamily="34" charset="0"/>
+                <a:cs typeface="Calibri" panose="020F0502020204030204" pitchFamily="34" charset="0"/>
+              </a:rPr>
+              <a:t>USART0</a:t>
+            </a:r>
+            <a:endParaRPr lang="en-GB" sz="1200" dirty="0">
+              <a:solidFill>
+                <a:schemeClr val="tx1"/>
+              </a:solidFill>
+              <a:latin typeface="Calibri" panose="020F0502020204030204" pitchFamily="34" charset="0"/>
+              <a:cs typeface="Calibri" panose="020F0502020204030204" pitchFamily="34" charset="0"/>
+            </a:endParaRPr>
+          </a:p>
+        </p:txBody>
+      </p:sp>
+      <p:sp>
+        <p:nvSpPr>
+          <p:cNvPr id="102" name="Rectangle 101"/>
+          <p:cNvSpPr/>
+          <p:nvPr/>
+        </p:nvSpPr>
+        <p:spPr bwMode="auto">
+          <a:xfrm>
+            <a:off x="5847729" y="3968761"/>
+            <a:ext cx="936625" cy="207962"/>
+          </a:xfrm>
+          <a:prstGeom prst="rect">
+            <a:avLst/>
+          </a:prstGeom>
+          <a:solidFill>
+            <a:srgbClr val="CCEDDF"/>
+          </a:solidFill>
+          <a:ln w="6350">
+            <a:solidFill>
+              <a:schemeClr val="tx1"/>
+            </a:solidFill>
+          </a:ln>
+        </p:spPr>
+        <p:style>
+          <a:lnRef idx="2">
+            <a:schemeClr val="accent1">
+              <a:shade val="50000"/>
+            </a:schemeClr>
+          </a:lnRef>
+          <a:fillRef idx="1">
+            <a:schemeClr val="accent1"/>
+          </a:fillRef>
+          <a:effectRef idx="0">
+            <a:schemeClr val="accent1"/>
+          </a:effectRef>
+          <a:fontRef idx="minor">
+            <a:schemeClr val="lt1"/>
+          </a:fontRef>
+        </p:style>
+        <p:txBody>
+          <a:bodyPr anchor="ctr"/>
+          <a:lstStyle/>
+          <a:p>
+            <a:pPr algn="r">
+              <a:defRPr/>
+            </a:pPr>
+            <a:r>
+              <a:rPr lang="en-US" sz="1200" dirty="0">
+                <a:solidFill>
+                  <a:schemeClr val="tx1"/>
+                </a:solidFill>
+                <a:latin typeface="Calibri" panose="020F0502020204030204" pitchFamily="34" charset="0"/>
+                <a:cs typeface="Calibri" panose="020F0502020204030204" pitchFamily="34" charset="0"/>
+              </a:rPr>
+              <a:t>CAN0</a:t>
+            </a:r>
+            <a:endParaRPr lang="en-GB" sz="1200" dirty="0">
+              <a:solidFill>
+                <a:schemeClr val="tx1"/>
+              </a:solidFill>
+              <a:latin typeface="Calibri" panose="020F0502020204030204" pitchFamily="34" charset="0"/>
+              <a:cs typeface="Calibri" panose="020F0502020204030204" pitchFamily="34" charset="0"/>
+            </a:endParaRPr>
+          </a:p>
+        </p:txBody>
+      </p:sp>
+      <p:sp>
+        <p:nvSpPr>
+          <p:cNvPr id="103" name="Rectangle 102"/>
+          <p:cNvSpPr/>
+          <p:nvPr/>
+        </p:nvSpPr>
+        <p:spPr bwMode="auto">
+          <a:xfrm>
+            <a:off x="5849326" y="4348479"/>
+            <a:ext cx="936625" cy="215900"/>
+          </a:xfrm>
+          <a:prstGeom prst="rect">
+            <a:avLst/>
+          </a:prstGeom>
+          <a:solidFill>
+            <a:srgbClr val="CCEDDF"/>
+          </a:solidFill>
+          <a:ln w="6350">
+            <a:solidFill>
+              <a:schemeClr val="tx1"/>
+            </a:solidFill>
+          </a:ln>
+        </p:spPr>
+        <p:style>
+          <a:lnRef idx="2">
+            <a:schemeClr val="accent1">
+              <a:shade val="50000"/>
+            </a:schemeClr>
+          </a:lnRef>
+          <a:fillRef idx="1">
+            <a:schemeClr val="accent1"/>
+          </a:fillRef>
+          <a:effectRef idx="0">
+            <a:schemeClr val="accent1"/>
+          </a:effectRef>
+          <a:fontRef idx="minor">
+            <a:schemeClr val="lt1"/>
+          </a:fontRef>
+        </p:style>
+        <p:txBody>
+          <a:bodyPr anchor="ctr"/>
+          <a:lstStyle/>
+          <a:p>
+            <a:pPr algn="r">
+              <a:defRPr/>
+            </a:pPr>
+            <a:r>
+              <a:rPr lang="en-GB" sz="1200" dirty="0">
+                <a:solidFill>
+                  <a:schemeClr val="tx1"/>
+                </a:solidFill>
+                <a:latin typeface="Calibri" panose="020F0502020204030204" pitchFamily="34" charset="0"/>
+                <a:cs typeface="Calibri" panose="020F0502020204030204" pitchFamily="34" charset="0"/>
+              </a:rPr>
+              <a:t>SPI1</a:t>
+            </a:r>
+          </a:p>
+        </p:txBody>
+      </p:sp>
+      <p:sp>
+        <p:nvSpPr>
+          <p:cNvPr id="142" name="TextBox 141"/>
+          <p:cNvSpPr txBox="1"/>
+          <p:nvPr/>
+        </p:nvSpPr>
+        <p:spPr bwMode="auto">
+          <a:xfrm>
+            <a:off x="2000439" y="2743254"/>
+            <a:ext cx="1440000" cy="288000"/>
+          </a:xfrm>
+          <a:prstGeom prst="rect">
+            <a:avLst/>
+          </a:prstGeom>
+          <a:solidFill>
+            <a:schemeClr val="bg1">
+              <a:lumMod val="85000"/>
+            </a:schemeClr>
+          </a:solidFill>
+          <a:ln>
+            <a:noFill/>
+          </a:ln>
+        </p:spPr>
+        <p:txBody>
+          <a:bodyPr rIns="144000">
+            <a:spAutoFit/>
+          </a:bodyPr>
+          <a:lstStyle/>
+          <a:p>
+            <a:pPr algn="r">
+              <a:defRPr/>
+            </a:pPr>
+            <a:r>
+              <a:rPr lang="en-US" sz="1200" dirty="0">
+                <a:latin typeface="Calibri" panose="020F0502020204030204" pitchFamily="34" charset="0"/>
+                <a:cs typeface="Calibri" panose="020F0502020204030204" pitchFamily="34" charset="0"/>
+              </a:rPr>
+              <a:t>USART</a:t>
+            </a:r>
+            <a:endParaRPr lang="en-GB" sz="1200" dirty="0">
+              <a:latin typeface="Calibri" panose="020F0502020204030204" pitchFamily="34" charset="0"/>
+              <a:ea typeface="Segoe UI" panose="020B0502040204020203" pitchFamily="34" charset="0"/>
+              <a:cs typeface="Calibri" panose="020F0502020204030204" pitchFamily="34" charset="0"/>
+            </a:endParaRPr>
+          </a:p>
+        </p:txBody>
+      </p:sp>
+      <p:sp>
+        <p:nvSpPr>
+          <p:cNvPr id="143" name="TextBox 142"/>
+          <p:cNvSpPr txBox="1"/>
+          <p:nvPr/>
+        </p:nvSpPr>
+        <p:spPr bwMode="auto">
+          <a:xfrm>
+            <a:off x="2000439" y="3928742"/>
+            <a:ext cx="1440000" cy="288000"/>
+          </a:xfrm>
+          <a:prstGeom prst="rect">
+            <a:avLst/>
+          </a:prstGeom>
+          <a:solidFill>
+            <a:schemeClr val="bg1">
+              <a:lumMod val="85000"/>
+            </a:schemeClr>
+          </a:solidFill>
+          <a:ln>
+            <a:noFill/>
+          </a:ln>
+        </p:spPr>
+        <p:txBody>
+          <a:bodyPr rIns="144000">
+            <a:spAutoFit/>
+          </a:bodyPr>
+          <a:lstStyle/>
+          <a:p>
+            <a:pPr algn="r">
+              <a:defRPr/>
+            </a:pPr>
+            <a:r>
+              <a:rPr lang="en-US" sz="1200" dirty="0">
+                <a:latin typeface="Calibri" panose="020F0502020204030204" pitchFamily="34" charset="0"/>
+                <a:cs typeface="Calibri" panose="020F0502020204030204" pitchFamily="34" charset="0"/>
+              </a:rPr>
+              <a:t>CAN Controller</a:t>
+            </a:r>
+            <a:endParaRPr lang="en-GB" sz="1200" dirty="0">
+              <a:latin typeface="Calibri" panose="020F0502020204030204" pitchFamily="34" charset="0"/>
+              <a:cs typeface="Calibri" panose="020F0502020204030204" pitchFamily="34" charset="0"/>
+            </a:endParaRPr>
+          </a:p>
+        </p:txBody>
+      </p:sp>
+      <p:grpSp>
+        <p:nvGrpSpPr>
+          <p:cNvPr id="145" name="Group 144"/>
+          <p:cNvGrpSpPr/>
+          <p:nvPr/>
+        </p:nvGrpSpPr>
+        <p:grpSpPr>
+          <a:xfrm>
+            <a:off x="1854380" y="5123000"/>
+            <a:ext cx="144462" cy="258762"/>
+            <a:chOff x="4487395" y="5226823"/>
+            <a:chExt cx="144462" cy="258762"/>
+          </a:xfrm>
+        </p:grpSpPr>
+        <p:sp>
+          <p:nvSpPr>
+            <p:cNvPr id="146" name="Rectangle 145"/>
+            <p:cNvSpPr/>
+            <p:nvPr/>
+          </p:nvSpPr>
+          <p:spPr bwMode="auto">
+            <a:xfrm>
+              <a:off x="4487395" y="5226823"/>
+              <a:ext cx="144462" cy="258762"/>
+            </a:xfrm>
+            <a:prstGeom prst="rect">
+              <a:avLst/>
+            </a:prstGeom>
+            <a:noFill/>
+            <a:ln w="19050">
+              <a:solidFill>
+                <a:schemeClr val="tx1"/>
+              </a:solidFill>
+              <a:miter lim="800000"/>
+            </a:ln>
+          </p:spPr>
+          <p:style>
+            <a:lnRef idx="2">
+              <a:schemeClr val="accent1">
+                <a:shade val="50000"/>
+              </a:schemeClr>
+            </a:lnRef>
+            <a:fillRef idx="1">
+              <a:schemeClr val="accent1"/>
+            </a:fillRef>
+            <a:effectRef idx="0">
+              <a:schemeClr val="accent1"/>
+            </a:effectRef>
+            <a:fontRef idx="minor">
+              <a:schemeClr val="lt1"/>
+            </a:fontRef>
+          </p:style>
+          <p:txBody>
+            <a:bodyPr anchor="ctr"/>
+            <a:lstStyle/>
+            <a:p>
+              <a:pPr algn="ctr">
+                <a:defRPr/>
+              </a:pPr>
+              <a:endParaRPr lang="en-GB">
+                <a:latin typeface="Calibri" panose="020F0502020204030204" pitchFamily="34" charset="0"/>
+                <a:cs typeface="Calibri" panose="020F0502020204030204" pitchFamily="34" charset="0"/>
+              </a:endParaRPr>
+            </a:p>
+          </p:txBody>
+        </p:sp>
+        <p:cxnSp>
+          <p:nvCxnSpPr>
+            <p:cNvPr id="147" name="Straight Connector 146"/>
+            <p:cNvCxnSpPr/>
+            <p:nvPr/>
+          </p:nvCxnSpPr>
+          <p:spPr bwMode="auto">
+            <a:xfrm>
+              <a:off x="4487395" y="5317310"/>
+              <a:ext cx="144462" cy="0"/>
+            </a:xfrm>
+            <a:prstGeom prst="line">
+              <a:avLst/>
+            </a:prstGeom>
+            <a:ln w="22225">
+              <a:solidFill>
+                <a:schemeClr val="tx1"/>
+              </a:solidFill>
+              <a:miter lim="800000"/>
+            </a:ln>
+          </p:spPr>
+          <p:style>
+            <a:lnRef idx="1">
+              <a:schemeClr val="accent1"/>
+            </a:lnRef>
+            <a:fillRef idx="0">
+              <a:schemeClr val="accent1"/>
+            </a:fillRef>
+            <a:effectRef idx="0">
+              <a:schemeClr val="accent1"/>
+            </a:effectRef>
+            <a:fontRef idx="minor">
+              <a:schemeClr val="tx1"/>
+            </a:fontRef>
+          </p:style>
+        </p:cxnSp>
+        <p:cxnSp>
+          <p:nvCxnSpPr>
+            <p:cNvPr id="148" name="Straight Connector 147"/>
+            <p:cNvCxnSpPr/>
+            <p:nvPr/>
+          </p:nvCxnSpPr>
+          <p:spPr bwMode="auto">
+            <a:xfrm>
+              <a:off x="4487395" y="5398273"/>
+              <a:ext cx="144462" cy="0"/>
+            </a:xfrm>
+            <a:prstGeom prst="line">
+              <a:avLst/>
+            </a:prstGeom>
+            <a:ln w="22225">
+              <a:solidFill>
+                <a:schemeClr val="tx1"/>
+              </a:solidFill>
+              <a:miter lim="800000"/>
+            </a:ln>
+          </p:spPr>
+          <p:style>
+            <a:lnRef idx="1">
+              <a:schemeClr val="accent1"/>
+            </a:lnRef>
+            <a:fillRef idx="0">
+              <a:schemeClr val="accent1"/>
+            </a:fillRef>
+            <a:effectRef idx="0">
+              <a:schemeClr val="accent1"/>
+            </a:effectRef>
+            <a:fontRef idx="minor">
+              <a:schemeClr val="tx1"/>
+            </a:fontRef>
+          </p:style>
+        </p:cxnSp>
+      </p:grpSp>
+      <p:grpSp>
+        <p:nvGrpSpPr>
+          <p:cNvPr id="149" name="Group 148"/>
+          <p:cNvGrpSpPr/>
+          <p:nvPr/>
+        </p:nvGrpSpPr>
+        <p:grpSpPr>
+          <a:xfrm>
+            <a:off x="1854380" y="4729787"/>
+            <a:ext cx="144462" cy="258762"/>
+            <a:chOff x="4487395" y="5226823"/>
+            <a:chExt cx="144462" cy="258762"/>
+          </a:xfrm>
+        </p:grpSpPr>
+        <p:sp>
+          <p:nvSpPr>
+            <p:cNvPr id="150" name="Rectangle 149"/>
+            <p:cNvSpPr/>
+            <p:nvPr/>
+          </p:nvSpPr>
+          <p:spPr bwMode="auto">
+            <a:xfrm>
+              <a:off x="4487395" y="5226823"/>
+              <a:ext cx="144462" cy="258762"/>
+            </a:xfrm>
+            <a:prstGeom prst="rect">
+              <a:avLst/>
+            </a:prstGeom>
+            <a:noFill/>
+            <a:ln w="19050">
+              <a:solidFill>
+                <a:schemeClr val="tx1"/>
+              </a:solidFill>
+              <a:miter lim="800000"/>
+            </a:ln>
+          </p:spPr>
+          <p:style>
+            <a:lnRef idx="2">
+              <a:schemeClr val="accent1">
+                <a:shade val="50000"/>
+              </a:schemeClr>
+            </a:lnRef>
+            <a:fillRef idx="1">
+              <a:schemeClr val="accent1"/>
+            </a:fillRef>
+            <a:effectRef idx="0">
+              <a:schemeClr val="accent1"/>
+            </a:effectRef>
+            <a:fontRef idx="minor">
+              <a:schemeClr val="lt1"/>
+            </a:fontRef>
+          </p:style>
+          <p:txBody>
+            <a:bodyPr anchor="ctr"/>
+            <a:lstStyle/>
+            <a:p>
+              <a:pPr algn="ctr">
+                <a:defRPr/>
+              </a:pPr>
+              <a:endParaRPr lang="en-GB">
+                <a:latin typeface="Calibri" panose="020F0502020204030204" pitchFamily="34" charset="0"/>
+                <a:cs typeface="Calibri" panose="020F0502020204030204" pitchFamily="34" charset="0"/>
+              </a:endParaRPr>
+            </a:p>
+          </p:txBody>
+        </p:sp>
+        <p:cxnSp>
+          <p:nvCxnSpPr>
+            <p:cNvPr id="151" name="Straight Connector 150"/>
+            <p:cNvCxnSpPr/>
+            <p:nvPr/>
+          </p:nvCxnSpPr>
+          <p:spPr bwMode="auto">
+            <a:xfrm>
+              <a:off x="4487395" y="5317310"/>
+              <a:ext cx="144462" cy="0"/>
+            </a:xfrm>
+            <a:prstGeom prst="line">
+              <a:avLst/>
+            </a:prstGeom>
+            <a:ln w="22225">
+              <a:solidFill>
+                <a:schemeClr val="tx1"/>
+              </a:solidFill>
+              <a:miter lim="800000"/>
+            </a:ln>
+          </p:spPr>
+          <p:style>
+            <a:lnRef idx="1">
+              <a:schemeClr val="accent1"/>
+            </a:lnRef>
+            <a:fillRef idx="0">
+              <a:schemeClr val="accent1"/>
+            </a:fillRef>
+            <a:effectRef idx="0">
+              <a:schemeClr val="accent1"/>
+            </a:effectRef>
+            <a:fontRef idx="minor">
+              <a:schemeClr val="tx1"/>
+            </a:fontRef>
+          </p:style>
+        </p:cxnSp>
+        <p:cxnSp>
+          <p:nvCxnSpPr>
+            <p:cNvPr id="152" name="Straight Connector 151"/>
+            <p:cNvCxnSpPr/>
+            <p:nvPr/>
+          </p:nvCxnSpPr>
+          <p:spPr bwMode="auto">
+            <a:xfrm>
+              <a:off x="4487395" y="5398273"/>
+              <a:ext cx="144462" cy="0"/>
+            </a:xfrm>
+            <a:prstGeom prst="line">
+              <a:avLst/>
+            </a:prstGeom>
+            <a:ln w="22225">
+              <a:solidFill>
+                <a:schemeClr val="tx1"/>
+              </a:solidFill>
+              <a:miter lim="800000"/>
+            </a:ln>
+          </p:spPr>
+          <p:style>
+            <a:lnRef idx="1">
+              <a:schemeClr val="accent1"/>
+            </a:lnRef>
+            <a:fillRef idx="0">
+              <a:schemeClr val="accent1"/>
+            </a:fillRef>
+            <a:effectRef idx="0">
+              <a:schemeClr val="accent1"/>
+            </a:effectRef>
+            <a:fontRef idx="minor">
+              <a:schemeClr val="tx1"/>
+            </a:fontRef>
+          </p:style>
+        </p:cxnSp>
+      </p:grpSp>
+      <p:grpSp>
+        <p:nvGrpSpPr>
+          <p:cNvPr id="153" name="Group 152"/>
+          <p:cNvGrpSpPr/>
+          <p:nvPr/>
+        </p:nvGrpSpPr>
+        <p:grpSpPr>
+          <a:xfrm>
+            <a:off x="1854380" y="4330203"/>
+            <a:ext cx="144462" cy="258762"/>
+            <a:chOff x="4487395" y="5226823"/>
+            <a:chExt cx="144462" cy="258762"/>
+          </a:xfrm>
+        </p:grpSpPr>
+        <p:sp>
+          <p:nvSpPr>
+            <p:cNvPr id="154" name="Rectangle 153"/>
+            <p:cNvSpPr/>
+            <p:nvPr/>
+          </p:nvSpPr>
+          <p:spPr bwMode="auto">
+            <a:xfrm>
+              <a:off x="4487395" y="5226823"/>
+              <a:ext cx="144462" cy="258762"/>
+            </a:xfrm>
+            <a:prstGeom prst="rect">
+              <a:avLst/>
+            </a:prstGeom>
+            <a:noFill/>
+            <a:ln w="19050">
+              <a:solidFill>
+                <a:schemeClr val="tx1"/>
+              </a:solidFill>
+              <a:miter lim="800000"/>
+            </a:ln>
+          </p:spPr>
+          <p:style>
+            <a:lnRef idx="2">
+              <a:schemeClr val="accent1">
+                <a:shade val="50000"/>
+              </a:schemeClr>
+            </a:lnRef>
+            <a:fillRef idx="1">
+              <a:schemeClr val="accent1"/>
+            </a:fillRef>
+            <a:effectRef idx="0">
+              <a:schemeClr val="accent1"/>
+            </a:effectRef>
+            <a:fontRef idx="minor">
+              <a:schemeClr val="lt1"/>
+            </a:fontRef>
+          </p:style>
+          <p:txBody>
+            <a:bodyPr anchor="ctr"/>
+            <a:lstStyle/>
+            <a:p>
+              <a:pPr algn="ctr">
+                <a:defRPr/>
+              </a:pPr>
+              <a:endParaRPr lang="en-GB">
+                <a:latin typeface="Calibri" panose="020F0502020204030204" pitchFamily="34" charset="0"/>
+                <a:cs typeface="Calibri" panose="020F0502020204030204" pitchFamily="34" charset="0"/>
+              </a:endParaRPr>
+            </a:p>
+          </p:txBody>
+        </p:sp>
+        <p:cxnSp>
+          <p:nvCxnSpPr>
+            <p:cNvPr id="155" name="Straight Connector 154"/>
+            <p:cNvCxnSpPr/>
+            <p:nvPr/>
+          </p:nvCxnSpPr>
+          <p:spPr bwMode="auto">
+            <a:xfrm>
+              <a:off x="4487395" y="5317310"/>
+              <a:ext cx="144462" cy="0"/>
+            </a:xfrm>
+            <a:prstGeom prst="line">
+              <a:avLst/>
+            </a:prstGeom>
+            <a:ln w="22225">
+              <a:solidFill>
+                <a:schemeClr val="tx1"/>
+              </a:solidFill>
+              <a:miter lim="800000"/>
+            </a:ln>
+          </p:spPr>
+          <p:style>
+            <a:lnRef idx="1">
+              <a:schemeClr val="accent1"/>
+            </a:lnRef>
+            <a:fillRef idx="0">
+              <a:schemeClr val="accent1"/>
+            </a:fillRef>
+            <a:effectRef idx="0">
+              <a:schemeClr val="accent1"/>
+            </a:effectRef>
+            <a:fontRef idx="minor">
+              <a:schemeClr val="tx1"/>
+            </a:fontRef>
+          </p:style>
+        </p:cxnSp>
+        <p:cxnSp>
+          <p:nvCxnSpPr>
+            <p:cNvPr id="156" name="Straight Connector 155"/>
+            <p:cNvCxnSpPr/>
+            <p:nvPr/>
+          </p:nvCxnSpPr>
+          <p:spPr bwMode="auto">
+            <a:xfrm>
+              <a:off x="4487395" y="5398273"/>
+              <a:ext cx="144462" cy="0"/>
+            </a:xfrm>
+            <a:prstGeom prst="line">
+              <a:avLst/>
+            </a:prstGeom>
+            <a:ln w="22225">
+              <a:solidFill>
+                <a:schemeClr val="tx1"/>
+              </a:solidFill>
+              <a:miter lim="800000"/>
+            </a:ln>
+          </p:spPr>
+          <p:style>
+            <a:lnRef idx="1">
+              <a:schemeClr val="accent1"/>
+            </a:lnRef>
+            <a:fillRef idx="0">
+              <a:schemeClr val="accent1"/>
+            </a:fillRef>
+            <a:effectRef idx="0">
+              <a:schemeClr val="accent1"/>
+            </a:effectRef>
+            <a:fontRef idx="minor">
+              <a:schemeClr val="tx1"/>
+            </a:fontRef>
+          </p:style>
+        </p:cxnSp>
+      </p:grpSp>
+      <p:grpSp>
+        <p:nvGrpSpPr>
+          <p:cNvPr id="157" name="Group 156"/>
+          <p:cNvGrpSpPr/>
+          <p:nvPr/>
+        </p:nvGrpSpPr>
+        <p:grpSpPr>
+          <a:xfrm>
+            <a:off x="1854380" y="3944512"/>
+            <a:ext cx="144462" cy="258762"/>
+            <a:chOff x="4487395" y="5226823"/>
+            <a:chExt cx="144462" cy="258762"/>
+          </a:xfrm>
+        </p:grpSpPr>
+        <p:sp>
+          <p:nvSpPr>
+            <p:cNvPr id="158" name="Rectangle 157"/>
+            <p:cNvSpPr/>
+            <p:nvPr/>
+          </p:nvSpPr>
+          <p:spPr bwMode="auto">
+            <a:xfrm>
+              <a:off x="4487395" y="5226823"/>
+              <a:ext cx="144462" cy="258762"/>
+            </a:xfrm>
+            <a:prstGeom prst="rect">
+              <a:avLst/>
+            </a:prstGeom>
+            <a:noFill/>
+            <a:ln w="19050">
+              <a:solidFill>
+                <a:schemeClr val="tx1"/>
+              </a:solidFill>
+              <a:miter lim="800000"/>
+            </a:ln>
+          </p:spPr>
+          <p:style>
+            <a:lnRef idx="2">
+              <a:schemeClr val="accent1">
+                <a:shade val="50000"/>
+              </a:schemeClr>
+            </a:lnRef>
+            <a:fillRef idx="1">
+              <a:schemeClr val="accent1"/>
+            </a:fillRef>
+            <a:effectRef idx="0">
+              <a:schemeClr val="accent1"/>
+            </a:effectRef>
+            <a:fontRef idx="minor">
+              <a:schemeClr val="lt1"/>
+            </a:fontRef>
+          </p:style>
+          <p:txBody>
+            <a:bodyPr anchor="ctr"/>
+            <a:lstStyle/>
+            <a:p>
+              <a:pPr algn="ctr">
+                <a:defRPr/>
+              </a:pPr>
+              <a:endParaRPr lang="en-GB">
+                <a:latin typeface="Calibri" panose="020F0502020204030204" pitchFamily="34" charset="0"/>
+                <a:cs typeface="Calibri" panose="020F0502020204030204" pitchFamily="34" charset="0"/>
+              </a:endParaRPr>
+            </a:p>
+          </p:txBody>
+        </p:sp>
+        <p:cxnSp>
+          <p:nvCxnSpPr>
+            <p:cNvPr id="159" name="Straight Connector 158"/>
+            <p:cNvCxnSpPr/>
+            <p:nvPr/>
+          </p:nvCxnSpPr>
+          <p:spPr bwMode="auto">
+            <a:xfrm>
+              <a:off x="4487395" y="5317310"/>
+              <a:ext cx="144462" cy="0"/>
+            </a:xfrm>
+            <a:prstGeom prst="line">
+              <a:avLst/>
+            </a:prstGeom>
+            <a:ln w="22225">
+              <a:solidFill>
+                <a:schemeClr val="tx1"/>
+              </a:solidFill>
+              <a:miter lim="800000"/>
+            </a:ln>
+          </p:spPr>
+          <p:style>
+            <a:lnRef idx="1">
+              <a:schemeClr val="accent1"/>
+            </a:lnRef>
+            <a:fillRef idx="0">
+              <a:schemeClr val="accent1"/>
+            </a:fillRef>
+            <a:effectRef idx="0">
+              <a:schemeClr val="accent1"/>
+            </a:effectRef>
+            <a:fontRef idx="minor">
+              <a:schemeClr val="tx1"/>
+            </a:fontRef>
+          </p:style>
+        </p:cxnSp>
+        <p:cxnSp>
+          <p:nvCxnSpPr>
+            <p:cNvPr id="160" name="Straight Connector 159"/>
+            <p:cNvCxnSpPr/>
+            <p:nvPr/>
+          </p:nvCxnSpPr>
+          <p:spPr bwMode="auto">
+            <a:xfrm>
+              <a:off x="4487395" y="5398273"/>
+              <a:ext cx="144462" cy="0"/>
+            </a:xfrm>
+            <a:prstGeom prst="line">
+              <a:avLst/>
+            </a:prstGeom>
+            <a:ln w="22225">
+              <a:solidFill>
+                <a:schemeClr val="tx1"/>
+              </a:solidFill>
+              <a:miter lim="800000"/>
+            </a:ln>
+          </p:spPr>
+          <p:style>
+            <a:lnRef idx="1">
+              <a:schemeClr val="accent1"/>
+            </a:lnRef>
+            <a:fillRef idx="0">
+              <a:schemeClr val="accent1"/>
+            </a:fillRef>
+            <a:effectRef idx="0">
+              <a:schemeClr val="accent1"/>
+            </a:effectRef>
+            <a:fontRef idx="minor">
+              <a:schemeClr val="tx1"/>
+            </a:fontRef>
+          </p:style>
+        </p:cxnSp>
+      </p:grpSp>
+      <p:grpSp>
+        <p:nvGrpSpPr>
+          <p:cNvPr id="161" name="Group 160"/>
+          <p:cNvGrpSpPr/>
+          <p:nvPr/>
+        </p:nvGrpSpPr>
+        <p:grpSpPr>
+          <a:xfrm>
+            <a:off x="1854380" y="3557768"/>
+            <a:ext cx="144462" cy="258762"/>
+            <a:chOff x="4487395" y="5226823"/>
+            <a:chExt cx="144462" cy="258762"/>
+          </a:xfrm>
+        </p:grpSpPr>
+        <p:sp>
+          <p:nvSpPr>
+            <p:cNvPr id="162" name="Rectangle 161"/>
+            <p:cNvSpPr/>
+            <p:nvPr/>
+          </p:nvSpPr>
+          <p:spPr bwMode="auto">
+            <a:xfrm>
+              <a:off x="4487395" y="5226823"/>
+              <a:ext cx="144462" cy="258762"/>
+            </a:xfrm>
+            <a:prstGeom prst="rect">
+              <a:avLst/>
+            </a:prstGeom>
+            <a:noFill/>
+            <a:ln w="19050">
+              <a:solidFill>
+                <a:schemeClr val="tx1"/>
+              </a:solidFill>
+              <a:miter lim="800000"/>
+            </a:ln>
+          </p:spPr>
+          <p:style>
+            <a:lnRef idx="2">
+              <a:schemeClr val="accent1">
+                <a:shade val="50000"/>
+              </a:schemeClr>
+            </a:lnRef>
+            <a:fillRef idx="1">
+              <a:schemeClr val="accent1"/>
+            </a:fillRef>
+            <a:effectRef idx="0">
+              <a:schemeClr val="accent1"/>
+            </a:effectRef>
+            <a:fontRef idx="minor">
+              <a:schemeClr val="lt1"/>
+            </a:fontRef>
+          </p:style>
+          <p:txBody>
+            <a:bodyPr anchor="ctr"/>
+            <a:lstStyle/>
+            <a:p>
+              <a:pPr algn="ctr">
+                <a:defRPr/>
+              </a:pPr>
+              <a:endParaRPr lang="en-GB">
+                <a:latin typeface="Calibri" panose="020F0502020204030204" pitchFamily="34" charset="0"/>
+                <a:cs typeface="Calibri" panose="020F0502020204030204" pitchFamily="34" charset="0"/>
+              </a:endParaRPr>
+            </a:p>
+          </p:txBody>
+        </p:sp>
+        <p:cxnSp>
+          <p:nvCxnSpPr>
+            <p:cNvPr id="163" name="Straight Connector 162"/>
+            <p:cNvCxnSpPr/>
+            <p:nvPr/>
+          </p:nvCxnSpPr>
+          <p:spPr bwMode="auto">
+            <a:xfrm>
+              <a:off x="4487395" y="5317310"/>
+              <a:ext cx="144462" cy="0"/>
+            </a:xfrm>
+            <a:prstGeom prst="line">
+              <a:avLst/>
+            </a:prstGeom>
+            <a:ln w="22225">
+              <a:solidFill>
+                <a:schemeClr val="tx1"/>
+              </a:solidFill>
+              <a:miter lim="800000"/>
+            </a:ln>
+          </p:spPr>
+          <p:style>
+            <a:lnRef idx="1">
+              <a:schemeClr val="accent1"/>
+            </a:lnRef>
+            <a:fillRef idx="0">
+              <a:schemeClr val="accent1"/>
+            </a:fillRef>
+            <a:effectRef idx="0">
+              <a:schemeClr val="accent1"/>
+            </a:effectRef>
+            <a:fontRef idx="minor">
+              <a:schemeClr val="tx1"/>
+            </a:fontRef>
+          </p:style>
+        </p:cxnSp>
+        <p:cxnSp>
+          <p:nvCxnSpPr>
+            <p:cNvPr id="164" name="Straight Connector 163"/>
+            <p:cNvCxnSpPr/>
+            <p:nvPr/>
+          </p:nvCxnSpPr>
+          <p:spPr bwMode="auto">
+            <a:xfrm>
+              <a:off x="4487395" y="5398273"/>
+              <a:ext cx="144462" cy="0"/>
+            </a:xfrm>
+            <a:prstGeom prst="line">
+              <a:avLst/>
+            </a:prstGeom>
+            <a:ln w="22225">
+              <a:solidFill>
+                <a:schemeClr val="tx1"/>
+              </a:solidFill>
+              <a:miter lim="800000"/>
+            </a:ln>
+          </p:spPr>
+          <p:style>
+            <a:lnRef idx="1">
+              <a:schemeClr val="accent1"/>
+            </a:lnRef>
+            <a:fillRef idx="0">
+              <a:schemeClr val="accent1"/>
+            </a:fillRef>
+            <a:effectRef idx="0">
+              <a:schemeClr val="accent1"/>
+            </a:effectRef>
+            <a:fontRef idx="minor">
+              <a:schemeClr val="tx1"/>
+            </a:fontRef>
+          </p:style>
+        </p:cxnSp>
+      </p:grpSp>
+      <p:grpSp>
+        <p:nvGrpSpPr>
+          <p:cNvPr id="165" name="Group 164"/>
+          <p:cNvGrpSpPr/>
+          <p:nvPr/>
+        </p:nvGrpSpPr>
+        <p:grpSpPr>
+          <a:xfrm>
+            <a:off x="1854380" y="2757873"/>
+            <a:ext cx="144462" cy="258762"/>
+            <a:chOff x="4487395" y="5226823"/>
+            <a:chExt cx="144462" cy="258762"/>
+          </a:xfrm>
+        </p:grpSpPr>
+        <p:sp>
+          <p:nvSpPr>
+            <p:cNvPr id="166" name="Rectangle 165"/>
+            <p:cNvSpPr/>
+            <p:nvPr/>
+          </p:nvSpPr>
+          <p:spPr bwMode="auto">
+            <a:xfrm>
+              <a:off x="4487395" y="5226823"/>
+              <a:ext cx="144462" cy="258762"/>
+            </a:xfrm>
+            <a:prstGeom prst="rect">
+              <a:avLst/>
+            </a:prstGeom>
+            <a:noFill/>
+            <a:ln w="19050">
+              <a:solidFill>
+                <a:schemeClr val="tx1"/>
+              </a:solidFill>
+              <a:miter lim="800000"/>
+            </a:ln>
+          </p:spPr>
+          <p:style>
+            <a:lnRef idx="2">
+              <a:schemeClr val="accent1">
+                <a:shade val="50000"/>
+              </a:schemeClr>
+            </a:lnRef>
+            <a:fillRef idx="1">
+              <a:schemeClr val="accent1"/>
+            </a:fillRef>
+            <a:effectRef idx="0">
+              <a:schemeClr val="accent1"/>
+            </a:effectRef>
+            <a:fontRef idx="minor">
+              <a:schemeClr val="lt1"/>
+            </a:fontRef>
+          </p:style>
+          <p:txBody>
+            <a:bodyPr anchor="ctr"/>
+            <a:lstStyle/>
+            <a:p>
+              <a:pPr algn="ctr">
+                <a:defRPr/>
+              </a:pPr>
+              <a:endParaRPr lang="en-GB">
+                <a:latin typeface="Calibri" panose="020F0502020204030204" pitchFamily="34" charset="0"/>
+                <a:cs typeface="Calibri" panose="020F0502020204030204" pitchFamily="34" charset="0"/>
+              </a:endParaRPr>
+            </a:p>
+          </p:txBody>
+        </p:sp>
+        <p:cxnSp>
+          <p:nvCxnSpPr>
+            <p:cNvPr id="167" name="Straight Connector 166"/>
+            <p:cNvCxnSpPr/>
+            <p:nvPr/>
+          </p:nvCxnSpPr>
+          <p:spPr bwMode="auto">
+            <a:xfrm>
+              <a:off x="4487395" y="5317310"/>
+              <a:ext cx="144462" cy="0"/>
+            </a:xfrm>
+            <a:prstGeom prst="line">
+              <a:avLst/>
+            </a:prstGeom>
+            <a:ln w="22225">
+              <a:solidFill>
+                <a:schemeClr val="tx1"/>
+              </a:solidFill>
+              <a:miter lim="800000"/>
+            </a:ln>
+          </p:spPr>
+          <p:style>
+            <a:lnRef idx="1">
+              <a:schemeClr val="accent1"/>
+            </a:lnRef>
+            <a:fillRef idx="0">
+              <a:schemeClr val="accent1"/>
+            </a:fillRef>
+            <a:effectRef idx="0">
+              <a:schemeClr val="accent1"/>
+            </a:effectRef>
+            <a:fontRef idx="minor">
+              <a:schemeClr val="tx1"/>
+            </a:fontRef>
+          </p:style>
+        </p:cxnSp>
+        <p:cxnSp>
+          <p:nvCxnSpPr>
+            <p:cNvPr id="168" name="Straight Connector 167"/>
+            <p:cNvCxnSpPr/>
+            <p:nvPr/>
+          </p:nvCxnSpPr>
+          <p:spPr bwMode="auto">
+            <a:xfrm>
+              <a:off x="4487395" y="5398273"/>
+              <a:ext cx="144462" cy="0"/>
+            </a:xfrm>
+            <a:prstGeom prst="line">
+              <a:avLst/>
+            </a:prstGeom>
+            <a:ln w="22225">
+              <a:solidFill>
+                <a:schemeClr val="tx1"/>
+              </a:solidFill>
+              <a:miter lim="800000"/>
+            </a:ln>
+          </p:spPr>
+          <p:style>
+            <a:lnRef idx="1">
+              <a:schemeClr val="accent1"/>
+            </a:lnRef>
+            <a:fillRef idx="0">
+              <a:schemeClr val="accent1"/>
+            </a:fillRef>
+            <a:effectRef idx="0">
+              <a:schemeClr val="accent1"/>
+            </a:effectRef>
+            <a:fontRef idx="minor">
+              <a:schemeClr val="tx1"/>
+            </a:fontRef>
+          </p:style>
+        </p:cxnSp>
+      </p:grpSp>
+      <p:grpSp>
+        <p:nvGrpSpPr>
+          <p:cNvPr id="173" name="Group 172"/>
+          <p:cNvGrpSpPr/>
+          <p:nvPr/>
+        </p:nvGrpSpPr>
+        <p:grpSpPr>
+          <a:xfrm>
+            <a:off x="1854380" y="1971447"/>
+            <a:ext cx="144462" cy="258762"/>
+            <a:chOff x="4487395" y="5226823"/>
+            <a:chExt cx="144462" cy="258762"/>
+          </a:xfrm>
+        </p:grpSpPr>
+        <p:sp>
+          <p:nvSpPr>
+            <p:cNvPr id="174" name="Rectangle 173"/>
+            <p:cNvSpPr/>
+            <p:nvPr/>
+          </p:nvSpPr>
+          <p:spPr bwMode="auto">
+            <a:xfrm>
+              <a:off x="4487395" y="5226823"/>
+              <a:ext cx="144462" cy="258762"/>
+            </a:xfrm>
+            <a:prstGeom prst="rect">
+              <a:avLst/>
+            </a:prstGeom>
+            <a:noFill/>
+            <a:ln w="19050">
+              <a:solidFill>
+                <a:schemeClr val="tx1"/>
+              </a:solidFill>
+              <a:miter lim="800000"/>
+            </a:ln>
+          </p:spPr>
+          <p:style>
+            <a:lnRef idx="2">
+              <a:schemeClr val="accent1">
+                <a:shade val="50000"/>
+              </a:schemeClr>
+            </a:lnRef>
+            <a:fillRef idx="1">
+              <a:schemeClr val="accent1"/>
+            </a:fillRef>
+            <a:effectRef idx="0">
+              <a:schemeClr val="accent1"/>
+            </a:effectRef>
+            <a:fontRef idx="minor">
+              <a:schemeClr val="lt1"/>
+            </a:fontRef>
+          </p:style>
+          <p:txBody>
+            <a:bodyPr anchor="ctr"/>
+            <a:lstStyle/>
+            <a:p>
+              <a:pPr algn="ctr">
+                <a:defRPr/>
+              </a:pPr>
+              <a:endParaRPr lang="en-GB">
+                <a:latin typeface="Calibri" panose="020F0502020204030204" pitchFamily="34" charset="0"/>
+                <a:cs typeface="Calibri" panose="020F0502020204030204" pitchFamily="34" charset="0"/>
+              </a:endParaRPr>
+            </a:p>
+          </p:txBody>
+        </p:sp>
+        <p:cxnSp>
+          <p:nvCxnSpPr>
+            <p:cNvPr id="175" name="Straight Connector 174"/>
+            <p:cNvCxnSpPr/>
+            <p:nvPr/>
+          </p:nvCxnSpPr>
+          <p:spPr bwMode="auto">
+            <a:xfrm>
+              <a:off x="4487395" y="5317310"/>
+              <a:ext cx="144462" cy="0"/>
+            </a:xfrm>
+            <a:prstGeom prst="line">
+              <a:avLst/>
+            </a:prstGeom>
+            <a:ln w="22225">
+              <a:solidFill>
+                <a:schemeClr val="tx1"/>
+              </a:solidFill>
+              <a:miter lim="800000"/>
+            </a:ln>
+          </p:spPr>
+          <p:style>
+            <a:lnRef idx="1">
+              <a:schemeClr val="accent1"/>
+            </a:lnRef>
+            <a:fillRef idx="0">
+              <a:schemeClr val="accent1"/>
+            </a:fillRef>
+            <a:effectRef idx="0">
+              <a:schemeClr val="accent1"/>
+            </a:effectRef>
+            <a:fontRef idx="minor">
+              <a:schemeClr val="tx1"/>
+            </a:fontRef>
+          </p:style>
+        </p:cxnSp>
+        <p:cxnSp>
+          <p:nvCxnSpPr>
+            <p:cNvPr id="176" name="Straight Connector 175"/>
+            <p:cNvCxnSpPr/>
+            <p:nvPr/>
+          </p:nvCxnSpPr>
+          <p:spPr bwMode="auto">
+            <a:xfrm>
+              <a:off x="4487395" y="5398273"/>
+              <a:ext cx="144462" cy="0"/>
+            </a:xfrm>
+            <a:prstGeom prst="line">
+              <a:avLst/>
+            </a:prstGeom>
+            <a:ln w="22225">
+              <a:solidFill>
+                <a:schemeClr val="tx1"/>
+              </a:solidFill>
+              <a:miter lim="800000"/>
+            </a:ln>
+          </p:spPr>
+          <p:style>
+            <a:lnRef idx="1">
+              <a:schemeClr val="accent1"/>
+            </a:lnRef>
+            <a:fillRef idx="0">
+              <a:schemeClr val="accent1"/>
+            </a:fillRef>
+            <a:effectRef idx="0">
+              <a:schemeClr val="accent1"/>
+            </a:effectRef>
+            <a:fontRef idx="minor">
+              <a:schemeClr val="tx1"/>
+            </a:fontRef>
+          </p:style>
+        </p:cxnSp>
+      </p:grpSp>
+      <p:grpSp>
+        <p:nvGrpSpPr>
+          <p:cNvPr id="181" name="Group 180"/>
+          <p:cNvGrpSpPr/>
+          <p:nvPr/>
+        </p:nvGrpSpPr>
+        <p:grpSpPr>
+          <a:xfrm>
+            <a:off x="1854380" y="1584082"/>
+            <a:ext cx="144462" cy="258762"/>
+            <a:chOff x="4487395" y="5226823"/>
+            <a:chExt cx="144462" cy="258762"/>
+          </a:xfrm>
+        </p:grpSpPr>
+        <p:sp>
+          <p:nvSpPr>
+            <p:cNvPr id="182" name="Rectangle 181"/>
+            <p:cNvSpPr/>
+            <p:nvPr/>
+          </p:nvSpPr>
+          <p:spPr bwMode="auto">
+            <a:xfrm>
+              <a:off x="4487395" y="5226823"/>
+              <a:ext cx="144462" cy="258762"/>
+            </a:xfrm>
+            <a:prstGeom prst="rect">
+              <a:avLst/>
+            </a:prstGeom>
+            <a:noFill/>
+            <a:ln w="19050">
+              <a:solidFill>
+                <a:schemeClr val="tx1"/>
+              </a:solidFill>
+              <a:miter lim="800000"/>
+            </a:ln>
+          </p:spPr>
+          <p:style>
+            <a:lnRef idx="2">
+              <a:schemeClr val="accent1">
+                <a:shade val="50000"/>
+              </a:schemeClr>
+            </a:lnRef>
+            <a:fillRef idx="1">
+              <a:schemeClr val="accent1"/>
+            </a:fillRef>
+            <a:effectRef idx="0">
+              <a:schemeClr val="accent1"/>
+            </a:effectRef>
+            <a:fontRef idx="minor">
+              <a:schemeClr val="lt1"/>
+            </a:fontRef>
+          </p:style>
+          <p:txBody>
+            <a:bodyPr anchor="ctr"/>
+            <a:lstStyle/>
+            <a:p>
+              <a:pPr algn="ctr">
+                <a:defRPr/>
+              </a:pPr>
+              <a:endParaRPr lang="en-GB">
+                <a:latin typeface="Calibri" panose="020F0502020204030204" pitchFamily="34" charset="0"/>
+                <a:cs typeface="Calibri" panose="020F0502020204030204" pitchFamily="34" charset="0"/>
+              </a:endParaRPr>
+            </a:p>
+          </p:txBody>
+        </p:sp>
+        <p:cxnSp>
+          <p:nvCxnSpPr>
+            <p:cNvPr id="183" name="Straight Connector 182"/>
+            <p:cNvCxnSpPr/>
+            <p:nvPr/>
+          </p:nvCxnSpPr>
+          <p:spPr bwMode="auto">
+            <a:xfrm>
+              <a:off x="4487395" y="5317310"/>
+              <a:ext cx="144462" cy="0"/>
+            </a:xfrm>
+            <a:prstGeom prst="line">
+              <a:avLst/>
+            </a:prstGeom>
+            <a:ln w="22225">
+              <a:solidFill>
+                <a:schemeClr val="tx1"/>
+              </a:solidFill>
+              <a:miter lim="800000"/>
+            </a:ln>
+          </p:spPr>
+          <p:style>
+            <a:lnRef idx="1">
+              <a:schemeClr val="accent1"/>
+            </a:lnRef>
+            <a:fillRef idx="0">
+              <a:schemeClr val="accent1"/>
+            </a:fillRef>
+            <a:effectRef idx="0">
+              <a:schemeClr val="accent1"/>
+            </a:effectRef>
+            <a:fontRef idx="minor">
+              <a:schemeClr val="tx1"/>
+            </a:fontRef>
+          </p:style>
+        </p:cxnSp>
+        <p:cxnSp>
+          <p:nvCxnSpPr>
+            <p:cNvPr id="184" name="Straight Connector 183"/>
+            <p:cNvCxnSpPr/>
+            <p:nvPr/>
+          </p:nvCxnSpPr>
+          <p:spPr bwMode="auto">
+            <a:xfrm>
+              <a:off x="4487395" y="5398273"/>
+              <a:ext cx="144462" cy="0"/>
+            </a:xfrm>
+            <a:prstGeom prst="line">
+              <a:avLst/>
+            </a:prstGeom>
+            <a:ln w="22225">
+              <a:solidFill>
+                <a:schemeClr val="tx1"/>
+              </a:solidFill>
+              <a:miter lim="800000"/>
+            </a:ln>
+          </p:spPr>
+          <p:style>
+            <a:lnRef idx="1">
+              <a:schemeClr val="accent1"/>
+            </a:lnRef>
+            <a:fillRef idx="0">
+              <a:schemeClr val="accent1"/>
+            </a:fillRef>
+            <a:effectRef idx="0">
+              <a:schemeClr val="accent1"/>
+            </a:effectRef>
+            <a:fontRef idx="minor">
+              <a:schemeClr val="tx1"/>
+            </a:fontRef>
+          </p:style>
+        </p:cxnSp>
+      </p:grpSp>
+      <p:sp>
+        <p:nvSpPr>
+          <p:cNvPr id="185" name="TextBox 184"/>
+          <p:cNvSpPr txBox="1"/>
+          <p:nvPr/>
+        </p:nvSpPr>
+        <p:spPr bwMode="auto">
+          <a:xfrm>
+            <a:off x="738896" y="2716929"/>
+            <a:ext cx="945356" cy="276999"/>
+          </a:xfrm>
+          <a:prstGeom prst="rect">
+            <a:avLst/>
+          </a:prstGeom>
+          <a:noFill/>
+          <a:ln>
+            <a:noFill/>
+          </a:ln>
+        </p:spPr>
+        <p:txBody>
+          <a:bodyPr wrap="square" lIns="216000" rIns="36000">
+            <a:spAutoFit/>
+          </a:bodyPr>
+          <a:lstStyle/>
+          <a:p>
+            <a:pPr algn="r">
+              <a:defRPr/>
+            </a:pPr>
+            <a:r>
+              <a:rPr lang="en-US" sz="1200" dirty="0">
+                <a:latin typeface="Calibri" panose="020F0502020204030204" pitchFamily="34" charset="0"/>
+                <a:cs typeface="Calibri" panose="020F0502020204030204" pitchFamily="34" charset="0"/>
+              </a:rPr>
+              <a:t>RX0/TX0</a:t>
+            </a:r>
+            <a:endParaRPr lang="en-GB" sz="1200" dirty="0">
+              <a:latin typeface="Calibri" panose="020F0502020204030204" pitchFamily="34" charset="0"/>
+              <a:ea typeface="Segoe UI" panose="020B0502040204020203" pitchFamily="34" charset="0"/>
+              <a:cs typeface="Calibri" panose="020F0502020204030204" pitchFamily="34" charset="0"/>
+            </a:endParaRPr>
+          </a:p>
+        </p:txBody>
+      </p:sp>
+      <p:sp>
+        <p:nvSpPr>
+          <p:cNvPr id="186" name="TextBox 185"/>
+          <p:cNvSpPr txBox="1"/>
+          <p:nvPr/>
+        </p:nvSpPr>
+        <p:spPr bwMode="auto">
+          <a:xfrm>
+            <a:off x="738896" y="3901311"/>
+            <a:ext cx="945356" cy="276999"/>
+          </a:xfrm>
+          <a:prstGeom prst="rect">
+            <a:avLst/>
+          </a:prstGeom>
+          <a:noFill/>
+          <a:ln>
+            <a:noFill/>
+          </a:ln>
+        </p:spPr>
+        <p:txBody>
+          <a:bodyPr wrap="square" lIns="216000" rIns="36000">
+            <a:spAutoFit/>
+          </a:bodyPr>
+          <a:lstStyle/>
+          <a:p>
+            <a:pPr algn="r">
+              <a:defRPr/>
+            </a:pPr>
+            <a:r>
+              <a:rPr lang="en-US" sz="1200" dirty="0">
+                <a:latin typeface="Calibri" panose="020F0502020204030204" pitchFamily="34" charset="0"/>
+                <a:cs typeface="Calibri" panose="020F0502020204030204" pitchFamily="34" charset="0"/>
+              </a:rPr>
+              <a:t>RX/TX</a:t>
+            </a:r>
+            <a:endParaRPr lang="en-GB" sz="1200" dirty="0">
+              <a:latin typeface="Calibri" panose="020F0502020204030204" pitchFamily="34" charset="0"/>
+              <a:ea typeface="Segoe UI" panose="020B0502040204020203" pitchFamily="34" charset="0"/>
+              <a:cs typeface="Calibri" panose="020F0502020204030204" pitchFamily="34" charset="0"/>
+            </a:endParaRPr>
+          </a:p>
+        </p:txBody>
+      </p:sp>
+      <p:cxnSp>
+        <p:nvCxnSpPr>
+          <p:cNvPr id="192" name="Straight Arrow Connector 191"/>
+          <p:cNvCxnSpPr>
+            <a:stCxn id="32" idx="1"/>
+            <a:endCxn id="10" idx="3"/>
+          </p:cNvCxnSpPr>
+          <p:nvPr/>
+        </p:nvCxnSpPr>
+        <p:spPr>
+          <a:xfrm flipH="1">
+            <a:off x="3440439" y="1713464"/>
+            <a:ext cx="464199" cy="0"/>
+          </a:xfrm>
+          <a:prstGeom prst="straightConnector1">
+            <a:avLst/>
+          </a:prstGeom>
+          <a:ln w="31750">
+            <a:solidFill>
+              <a:schemeClr val="tx1"/>
+            </a:solidFill>
+            <a:headEnd type="triangle" w="med" len="lg"/>
+            <a:tailEnd type="triangle" w="med" len="lg"/>
+          </a:ln>
+          <a:effectLst/>
+        </p:spPr>
+        <p:style>
+          <a:lnRef idx="2">
+            <a:schemeClr val="accent1"/>
+          </a:lnRef>
+          <a:fillRef idx="0">
+            <a:schemeClr val="accent1"/>
+          </a:fillRef>
+          <a:effectRef idx="1">
+            <a:schemeClr val="accent1"/>
+          </a:effectRef>
+          <a:fontRef idx="minor">
+            <a:schemeClr val="tx1"/>
+          </a:fontRef>
+        </p:style>
+      </p:cxnSp>
+      <p:cxnSp>
+        <p:nvCxnSpPr>
+          <p:cNvPr id="198" name="Straight Arrow Connector 197"/>
+          <p:cNvCxnSpPr>
+            <a:stCxn id="36" idx="1"/>
+            <a:endCxn id="11" idx="3"/>
+          </p:cNvCxnSpPr>
+          <p:nvPr/>
+        </p:nvCxnSpPr>
+        <p:spPr>
+          <a:xfrm flipH="1" flipV="1">
+            <a:off x="3440439" y="2100806"/>
+            <a:ext cx="464197" cy="22"/>
+          </a:xfrm>
+          <a:prstGeom prst="straightConnector1">
+            <a:avLst/>
+          </a:prstGeom>
+          <a:ln w="31750">
+            <a:solidFill>
+              <a:schemeClr val="tx1"/>
+            </a:solidFill>
+            <a:headEnd type="triangle" w="med" len="lg"/>
+            <a:tailEnd type="triangle" w="med" len="lg"/>
+          </a:ln>
+          <a:effectLst/>
+        </p:spPr>
+        <p:style>
+          <a:lnRef idx="2">
+            <a:schemeClr val="accent1"/>
+          </a:lnRef>
+          <a:fillRef idx="0">
+            <a:schemeClr val="accent1"/>
+          </a:fillRef>
+          <a:effectRef idx="1">
+            <a:schemeClr val="accent1"/>
+          </a:effectRef>
+          <a:fontRef idx="minor">
+            <a:schemeClr val="tx1"/>
+          </a:fontRef>
+        </p:style>
+      </p:cxnSp>
+      <p:cxnSp>
+        <p:nvCxnSpPr>
+          <p:cNvPr id="201" name="Straight Arrow Connector 200"/>
+          <p:cNvCxnSpPr>
+            <a:stCxn id="96" idx="1"/>
+            <a:endCxn id="142" idx="3"/>
+          </p:cNvCxnSpPr>
+          <p:nvPr/>
+        </p:nvCxnSpPr>
+        <p:spPr>
+          <a:xfrm flipH="1">
+            <a:off x="3440439" y="2887254"/>
+            <a:ext cx="464196" cy="0"/>
+          </a:xfrm>
+          <a:prstGeom prst="straightConnector1">
+            <a:avLst/>
+          </a:prstGeom>
+          <a:ln w="31750">
+            <a:solidFill>
+              <a:schemeClr val="tx1"/>
+            </a:solidFill>
+            <a:headEnd type="triangle" w="med" len="lg"/>
+            <a:tailEnd type="triangle" w="med" len="lg"/>
+          </a:ln>
+          <a:effectLst/>
+        </p:spPr>
+        <p:style>
+          <a:lnRef idx="2">
+            <a:schemeClr val="accent1"/>
+          </a:lnRef>
+          <a:fillRef idx="0">
+            <a:schemeClr val="accent1"/>
+          </a:fillRef>
+          <a:effectRef idx="1">
+            <a:schemeClr val="accent1"/>
+          </a:effectRef>
+          <a:fontRef idx="minor">
+            <a:schemeClr val="tx1"/>
+          </a:fontRef>
+        </p:style>
+      </p:cxnSp>
+      <p:cxnSp>
+        <p:nvCxnSpPr>
+          <p:cNvPr id="204" name="Straight Arrow Connector 203"/>
+          <p:cNvCxnSpPr>
+            <a:stCxn id="26" idx="1"/>
+            <a:endCxn id="7" idx="3"/>
+          </p:cNvCxnSpPr>
+          <p:nvPr/>
+        </p:nvCxnSpPr>
+        <p:spPr>
+          <a:xfrm flipH="1">
+            <a:off x="3440439" y="3679529"/>
+            <a:ext cx="464195" cy="3267"/>
+          </a:xfrm>
+          <a:prstGeom prst="straightConnector1">
+            <a:avLst/>
+          </a:prstGeom>
+          <a:ln w="31750">
+            <a:solidFill>
+              <a:schemeClr val="tx1"/>
+            </a:solidFill>
+            <a:headEnd type="triangle" w="med" len="lg"/>
+            <a:tailEnd type="triangle" w="med" len="lg"/>
+          </a:ln>
+          <a:effectLst/>
+        </p:spPr>
+        <p:style>
+          <a:lnRef idx="2">
+            <a:schemeClr val="accent1"/>
+          </a:lnRef>
+          <a:fillRef idx="0">
+            <a:schemeClr val="accent1"/>
+          </a:fillRef>
+          <a:effectRef idx="1">
+            <a:schemeClr val="accent1"/>
+          </a:effectRef>
+          <a:fontRef idx="minor">
+            <a:schemeClr val="tx1"/>
+          </a:fontRef>
+        </p:style>
+      </p:cxnSp>
+      <p:cxnSp>
+        <p:nvCxnSpPr>
+          <p:cNvPr id="207" name="Straight Arrow Connector 206"/>
+          <p:cNvCxnSpPr>
+            <a:stCxn id="98" idx="1"/>
+            <a:endCxn id="143" idx="3"/>
+          </p:cNvCxnSpPr>
+          <p:nvPr/>
+        </p:nvCxnSpPr>
+        <p:spPr>
+          <a:xfrm flipH="1">
+            <a:off x="3440439" y="4072742"/>
+            <a:ext cx="464200" cy="0"/>
+          </a:xfrm>
+          <a:prstGeom prst="straightConnector1">
+            <a:avLst/>
+          </a:prstGeom>
+          <a:ln w="31750">
+            <a:solidFill>
+              <a:schemeClr val="tx1"/>
+            </a:solidFill>
+            <a:headEnd type="triangle" w="med" len="lg"/>
+            <a:tailEnd type="triangle" w="med" len="lg"/>
+          </a:ln>
+          <a:effectLst/>
+        </p:spPr>
+        <p:style>
+          <a:lnRef idx="2">
+            <a:schemeClr val="accent1"/>
+          </a:lnRef>
+          <a:fillRef idx="0">
+            <a:schemeClr val="accent1"/>
+          </a:fillRef>
+          <a:effectRef idx="1">
+            <a:schemeClr val="accent1"/>
+          </a:effectRef>
+          <a:fontRef idx="minor">
+            <a:schemeClr val="tx1"/>
+          </a:fontRef>
+        </p:style>
+      </p:cxnSp>
+      <p:cxnSp>
+        <p:nvCxnSpPr>
+          <p:cNvPr id="210" name="Straight Arrow Connector 209"/>
+          <p:cNvCxnSpPr>
+            <a:stCxn id="99" idx="1"/>
+            <a:endCxn id="8" idx="3"/>
+          </p:cNvCxnSpPr>
+          <p:nvPr/>
+        </p:nvCxnSpPr>
+        <p:spPr>
+          <a:xfrm flipH="1" flipV="1">
+            <a:off x="3440439" y="4455111"/>
+            <a:ext cx="464194" cy="10844"/>
+          </a:xfrm>
+          <a:prstGeom prst="straightConnector1">
+            <a:avLst/>
+          </a:prstGeom>
+          <a:ln w="31750">
+            <a:solidFill>
+              <a:schemeClr val="tx1"/>
+            </a:solidFill>
+            <a:headEnd type="triangle" w="med" len="lg"/>
+            <a:tailEnd type="triangle" w="med" len="lg"/>
+          </a:ln>
+          <a:effectLst/>
+        </p:spPr>
+        <p:style>
+          <a:lnRef idx="2">
+            <a:schemeClr val="accent1"/>
+          </a:lnRef>
+          <a:fillRef idx="0">
+            <a:schemeClr val="accent1"/>
+          </a:fillRef>
+          <a:effectRef idx="1">
+            <a:schemeClr val="accent1"/>
+          </a:effectRef>
+          <a:fontRef idx="minor">
+            <a:schemeClr val="tx1"/>
+          </a:fontRef>
+        </p:style>
+      </p:cxnSp>
+      <p:cxnSp>
+        <p:nvCxnSpPr>
+          <p:cNvPr id="213" name="Straight Arrow Connector 212"/>
+          <p:cNvCxnSpPr>
+            <a:stCxn id="35" idx="1"/>
+            <a:endCxn id="9" idx="3"/>
+          </p:cNvCxnSpPr>
+          <p:nvPr/>
+        </p:nvCxnSpPr>
+        <p:spPr>
+          <a:xfrm flipH="1">
+            <a:off x="3440439" y="5645595"/>
+            <a:ext cx="464200" cy="1025"/>
+          </a:xfrm>
+          <a:prstGeom prst="straightConnector1">
+            <a:avLst/>
+          </a:prstGeom>
+          <a:ln w="31750">
+            <a:solidFill>
+              <a:schemeClr val="tx1"/>
+            </a:solidFill>
+            <a:headEnd type="triangle" w="med" len="lg"/>
+            <a:tailEnd type="triangle" w="med" len="lg"/>
+          </a:ln>
+          <a:effectLst/>
+        </p:spPr>
+        <p:style>
+          <a:lnRef idx="2">
+            <a:schemeClr val="accent1"/>
+          </a:lnRef>
+          <a:fillRef idx="0">
+            <a:schemeClr val="accent1"/>
+          </a:fillRef>
+          <a:effectRef idx="1">
+            <a:schemeClr val="accent1"/>
+          </a:effectRef>
+          <a:fontRef idx="minor">
+            <a:schemeClr val="tx1"/>
+          </a:fontRef>
+        </p:style>
+      </p:cxnSp>
+      <p:cxnSp>
+        <p:nvCxnSpPr>
+          <p:cNvPr id="216" name="Straight Arrow Connector 215"/>
+          <p:cNvCxnSpPr>
+            <a:stCxn id="30" idx="1"/>
+            <a:endCxn id="13" idx="3"/>
+          </p:cNvCxnSpPr>
+          <p:nvPr/>
+        </p:nvCxnSpPr>
+        <p:spPr>
+          <a:xfrm flipH="1">
+            <a:off x="3440439" y="5252381"/>
+            <a:ext cx="464200" cy="0"/>
+          </a:xfrm>
+          <a:prstGeom prst="straightConnector1">
+            <a:avLst/>
+          </a:prstGeom>
+          <a:ln w="31750">
+            <a:solidFill>
+              <a:schemeClr val="tx1"/>
+            </a:solidFill>
+            <a:headEnd type="triangle" w="med" len="lg"/>
+            <a:tailEnd type="triangle" w="med" len="lg"/>
+          </a:ln>
+          <a:effectLst/>
+        </p:spPr>
+        <p:style>
+          <a:lnRef idx="2">
+            <a:schemeClr val="accent1"/>
+          </a:lnRef>
+          <a:fillRef idx="0">
+            <a:schemeClr val="accent1"/>
+          </a:fillRef>
+          <a:effectRef idx="1">
+            <a:schemeClr val="accent1"/>
+          </a:effectRef>
+          <a:fontRef idx="minor">
+            <a:schemeClr val="tx1"/>
+          </a:fontRef>
+        </p:style>
+      </p:cxnSp>
+      <p:cxnSp>
+        <p:nvCxnSpPr>
+          <p:cNvPr id="219" name="Straight Arrow Connector 218"/>
+          <p:cNvCxnSpPr>
+            <a:stCxn id="29" idx="1"/>
+            <a:endCxn id="12" idx="3"/>
+          </p:cNvCxnSpPr>
+          <p:nvPr/>
+        </p:nvCxnSpPr>
+        <p:spPr>
+          <a:xfrm flipH="1">
+            <a:off x="3440439" y="4859168"/>
+            <a:ext cx="464200" cy="0"/>
+          </a:xfrm>
+          <a:prstGeom prst="straightConnector1">
+            <a:avLst/>
+          </a:prstGeom>
+          <a:ln w="31750">
+            <a:solidFill>
+              <a:schemeClr val="tx1"/>
+            </a:solidFill>
+            <a:headEnd type="triangle" w="med" len="lg"/>
+            <a:tailEnd type="triangle" w="med" len="lg"/>
+          </a:ln>
+          <a:effectLst/>
+        </p:spPr>
+        <p:style>
+          <a:lnRef idx="2">
+            <a:schemeClr val="accent1"/>
+          </a:lnRef>
+          <a:fillRef idx="0">
+            <a:schemeClr val="accent1"/>
+          </a:fillRef>
+          <a:effectRef idx="1">
+            <a:schemeClr val="accent1"/>
+          </a:effectRef>
+          <a:fontRef idx="minor">
+            <a:schemeClr val="tx1"/>
+          </a:fontRef>
+        </p:style>
+      </p:cxnSp>
+      <p:cxnSp>
+        <p:nvCxnSpPr>
+          <p:cNvPr id="223" name="Straight Arrow Connector 222"/>
+          <p:cNvCxnSpPr>
+            <a:stCxn id="56" idx="1"/>
+            <a:endCxn id="54" idx="3"/>
+          </p:cNvCxnSpPr>
+          <p:nvPr/>
+        </p:nvCxnSpPr>
+        <p:spPr>
+          <a:xfrm flipH="1">
+            <a:off x="3440439" y="2494041"/>
+            <a:ext cx="464200" cy="0"/>
+          </a:xfrm>
+          <a:prstGeom prst="straightConnector1">
+            <a:avLst/>
+          </a:prstGeom>
+          <a:ln w="31750">
+            <a:solidFill>
+              <a:schemeClr val="tx1"/>
+            </a:solidFill>
+            <a:headEnd type="triangle" w="med" len="lg"/>
+            <a:tailEnd type="triangle" w="med" len="lg"/>
+          </a:ln>
+          <a:effectLst/>
+        </p:spPr>
+        <p:style>
+          <a:lnRef idx="2">
+            <a:schemeClr val="accent1"/>
+          </a:lnRef>
+          <a:fillRef idx="0">
+            <a:schemeClr val="accent1"/>
+          </a:fillRef>
+          <a:effectRef idx="1">
+            <a:schemeClr val="accent1"/>
+          </a:effectRef>
+          <a:fontRef idx="minor">
+            <a:schemeClr val="tx1"/>
+          </a:fontRef>
+        </p:style>
+      </p:cxnSp>
+      <p:cxnSp>
+        <p:nvCxnSpPr>
+          <p:cNvPr id="230" name="Straight Arrow Connector 229"/>
+          <p:cNvCxnSpPr>
+            <a:stCxn id="11" idx="2"/>
+            <a:endCxn id="54" idx="0"/>
+          </p:cNvCxnSpPr>
+          <p:nvPr/>
+        </p:nvCxnSpPr>
+        <p:spPr>
+          <a:xfrm>
+            <a:off x="2720439" y="2244806"/>
+            <a:ext cx="0" cy="105235"/>
+          </a:xfrm>
+          <a:prstGeom prst="straightConnector1">
+            <a:avLst/>
+          </a:prstGeom>
+          <a:ln w="31750">
+            <a:solidFill>
+              <a:schemeClr val="tx1"/>
+            </a:solidFill>
+            <a:headEnd type="none" w="med" len="lg"/>
+            <a:tailEnd type="none" w="med" len="lg"/>
+          </a:ln>
+          <a:effectLst/>
+        </p:spPr>
+        <p:style>
+          <a:lnRef idx="2">
+            <a:schemeClr val="accent1"/>
+          </a:lnRef>
+          <a:fillRef idx="0">
+            <a:schemeClr val="accent1"/>
+          </a:fillRef>
+          <a:effectRef idx="1">
+            <a:schemeClr val="accent1"/>
+          </a:effectRef>
+          <a:fontRef idx="minor">
+            <a:schemeClr val="tx1"/>
+          </a:fontRef>
+        </p:style>
+      </p:cxnSp>
+      <p:sp>
+        <p:nvSpPr>
+          <p:cNvPr id="234" name="Rectangle 233"/>
+          <p:cNvSpPr/>
+          <p:nvPr/>
+        </p:nvSpPr>
+        <p:spPr bwMode="auto">
+          <a:xfrm>
+            <a:off x="1998841" y="1423536"/>
+            <a:ext cx="1440000" cy="4464050"/>
+          </a:xfrm>
+          <a:prstGeom prst="rect">
+            <a:avLst/>
+          </a:prstGeom>
+          <a:noFill/>
+          <a:ln w="19050">
+            <a:solidFill>
+              <a:schemeClr val="tx1"/>
+            </a:solidFill>
+          </a:ln>
+        </p:spPr>
+        <p:style>
+          <a:lnRef idx="2">
+            <a:schemeClr val="accent1">
+              <a:shade val="50000"/>
+            </a:schemeClr>
+          </a:lnRef>
+          <a:fillRef idx="1">
+            <a:schemeClr val="accent1"/>
+          </a:fillRef>
+          <a:effectRef idx="0">
+            <a:schemeClr val="accent1"/>
+          </a:effectRef>
+          <a:fontRef idx="minor">
+            <a:schemeClr val="lt1"/>
+          </a:fontRef>
+        </p:style>
+        <p:txBody>
+          <a:bodyPr anchor="ctr"/>
+          <a:lstStyle/>
+          <a:p>
+            <a:pPr algn="r">
+              <a:defRPr/>
+            </a:pPr>
+            <a:endParaRPr lang="en-GB" dirty="0">
+              <a:latin typeface="Calibri" panose="020F0502020204030204" pitchFamily="34" charset="0"/>
+              <a:cs typeface="Calibri" panose="020F0502020204030204" pitchFamily="34" charset="0"/>
+            </a:endParaRPr>
+          </a:p>
+        </p:txBody>
+      </p:sp>
+      <p:sp>
+        <p:nvSpPr>
+          <p:cNvPr id="121" name="Rounded Rectangle 120"/>
+          <p:cNvSpPr/>
+          <p:nvPr/>
+        </p:nvSpPr>
+        <p:spPr bwMode="auto">
+          <a:xfrm>
+            <a:off x="7299555" y="794657"/>
+            <a:ext cx="2404739" cy="5761038"/>
+          </a:xfrm>
+          <a:prstGeom prst="roundRect">
+            <a:avLst>
+              <a:gd name="adj" fmla="val 0"/>
+            </a:avLst>
+          </a:prstGeom>
+          <a:solidFill>
+            <a:srgbClr val="808082">
+              <a:alpha val="40000"/>
+            </a:srgbClr>
+          </a:solidFill>
+          <a:ln w="28575" cap="flat" cmpd="sng" algn="ctr">
+            <a:noFill/>
+            <a:prstDash val="solid"/>
+            <a:round/>
+            <a:headEnd type="none" w="med" len="med"/>
+            <a:tailEnd type="none" w="med" len="med"/>
+          </a:ln>
+          <a:effectLst/>
+        </p:spPr>
+        <p:txBody>
+          <a:bodyPr lIns="121944" tIns="60972" rIns="121944" bIns="60972"/>
+          <a:lstStyle/>
+          <a:p>
+            <a:pPr algn="ctr"/>
+            <a:r>
+              <a:rPr lang="de-DE" sz="1600" b="1" kern="0" dirty="0">
+                <a:solidFill>
+                  <a:srgbClr val="000000"/>
+                </a:solidFill>
+                <a:latin typeface="Calibri" panose="020F0502020204030204" pitchFamily="34" charset="0"/>
+                <a:ea typeface="ＭＳ Ｐゴシック" pitchFamily="34" charset="-128"/>
+                <a:cs typeface="Calibri" panose="020F0502020204030204" pitchFamily="34" charset="0"/>
+              </a:rPr>
+              <a:t>Middleware</a:t>
+            </a:r>
+            <a:endParaRPr lang="en-GB" sz="1600" b="1" kern="0" dirty="0">
+              <a:solidFill>
+                <a:srgbClr val="000000"/>
+              </a:solidFill>
+              <a:latin typeface="Calibri" panose="020F0502020204030204" pitchFamily="34" charset="0"/>
+              <a:ea typeface="ＭＳ Ｐゴシック" pitchFamily="34" charset="-128"/>
+              <a:cs typeface="Calibri" panose="020F0502020204030204" pitchFamily="34" charset="0"/>
+            </a:endParaRPr>
+          </a:p>
+        </p:txBody>
+      </p:sp>
+      <p:sp>
+        <p:nvSpPr>
+          <p:cNvPr id="123" name="Rounded Rectangle 122"/>
+          <p:cNvSpPr/>
+          <p:nvPr/>
+        </p:nvSpPr>
+        <p:spPr bwMode="auto">
+          <a:xfrm>
+            <a:off x="7455114" y="3527825"/>
+            <a:ext cx="2134866" cy="288000"/>
+          </a:xfrm>
+          <a:prstGeom prst="roundRect">
+            <a:avLst>
+              <a:gd name="adj" fmla="val 0"/>
+            </a:avLst>
+          </a:prstGeom>
+          <a:solidFill>
+            <a:srgbClr val="00C3DC"/>
+          </a:solidFill>
+          <a:ln w="19050" algn="ctr">
+            <a:noFill/>
+            <a:round/>
+            <a:headEnd/>
+            <a:tailEnd/>
+          </a:ln>
+        </p:spPr>
+        <p:txBody>
+          <a:bodyPr wrap="none" lIns="121944" tIns="60972" rIns="121944" bIns="60972" anchor="ctr"/>
+          <a:lstStyle/>
+          <a:p>
+            <a:pPr algn="ctr" fontAlgn="auto">
+              <a:spcBef>
+                <a:spcPts val="0"/>
+              </a:spcBef>
+              <a:spcAft>
+                <a:spcPts val="0"/>
+              </a:spcAft>
+              <a:defRPr/>
+            </a:pPr>
+            <a:r>
+              <a:rPr lang="de-DE" sz="1500" b="1" kern="0" dirty="0">
+                <a:solidFill>
+                  <a:sysClr val="window" lastClr="FFFFFF"/>
+                </a:solidFill>
+                <a:latin typeface="Calibri" panose="020F0502020204030204" pitchFamily="34" charset="0"/>
+                <a:ea typeface="ＭＳ Ｐゴシック" pitchFamily="34" charset="-128"/>
+                <a:cs typeface="Calibri" panose="020F0502020204030204" pitchFamily="34" charset="0"/>
+              </a:rPr>
+              <a:t>Graphics</a:t>
+            </a:r>
+            <a:endParaRPr lang="en-GB" sz="1500" b="1" kern="0" dirty="0">
+              <a:solidFill>
+                <a:sysClr val="window" lastClr="FFFFFF"/>
+              </a:solidFill>
+              <a:latin typeface="Calibri" panose="020F0502020204030204" pitchFamily="34" charset="0"/>
+              <a:ea typeface="ＭＳ Ｐゴシック" pitchFamily="34" charset="-128"/>
+              <a:cs typeface="Calibri" panose="020F0502020204030204" pitchFamily="34" charset="0"/>
+            </a:endParaRPr>
+          </a:p>
+        </p:txBody>
+      </p:sp>
+      <p:sp>
+        <p:nvSpPr>
+          <p:cNvPr id="124" name="Rounded Rectangle 123"/>
+          <p:cNvSpPr/>
+          <p:nvPr/>
+        </p:nvSpPr>
+        <p:spPr bwMode="auto">
+          <a:xfrm>
+            <a:off x="7455129" y="1567778"/>
+            <a:ext cx="2134866" cy="288000"/>
+          </a:xfrm>
+          <a:prstGeom prst="roundRect">
+            <a:avLst>
+              <a:gd name="adj" fmla="val 0"/>
+            </a:avLst>
+          </a:prstGeom>
+          <a:solidFill>
+            <a:srgbClr val="00C3DC"/>
+          </a:solidFill>
+          <a:ln w="19050" algn="ctr">
+            <a:noFill/>
+            <a:round/>
+            <a:headEnd/>
+            <a:tailEnd/>
+          </a:ln>
+        </p:spPr>
+        <p:txBody>
+          <a:bodyPr wrap="none" lIns="121944" tIns="60972" rIns="121944" bIns="60972" anchor="ctr"/>
+          <a:lstStyle/>
+          <a:p>
+            <a:pPr algn="ctr" fontAlgn="auto">
+              <a:spcBef>
+                <a:spcPts val="0"/>
+              </a:spcBef>
+              <a:spcAft>
+                <a:spcPts val="0"/>
+              </a:spcAft>
+              <a:defRPr/>
+            </a:pPr>
+            <a:r>
+              <a:rPr lang="de-DE" sz="1500" b="1" kern="0" dirty="0">
+                <a:solidFill>
+                  <a:sysClr val="window" lastClr="FFFFFF"/>
+                </a:solidFill>
+                <a:latin typeface="Calibri" panose="020F0502020204030204" pitchFamily="34" charset="0"/>
+                <a:ea typeface="ＭＳ Ｐゴシック" pitchFamily="34" charset="-128"/>
+                <a:cs typeface="Calibri" panose="020F0502020204030204" pitchFamily="34" charset="0"/>
+              </a:rPr>
+              <a:t>USB Device</a:t>
+            </a:r>
+            <a:endParaRPr lang="en-GB" sz="1500" b="1" kern="0" dirty="0">
+              <a:solidFill>
+                <a:sysClr val="window" lastClr="FFFFFF"/>
+              </a:solidFill>
+              <a:latin typeface="Calibri" panose="020F0502020204030204" pitchFamily="34" charset="0"/>
+              <a:ea typeface="ＭＳ Ｐゴシック" pitchFamily="34" charset="-128"/>
+              <a:cs typeface="Calibri" panose="020F0502020204030204" pitchFamily="34" charset="0"/>
+            </a:endParaRPr>
+          </a:p>
+        </p:txBody>
+      </p:sp>
+      <p:sp>
+        <p:nvSpPr>
+          <p:cNvPr id="126" name="Rounded Rectangle 125"/>
+          <p:cNvSpPr/>
+          <p:nvPr/>
+        </p:nvSpPr>
+        <p:spPr bwMode="auto">
+          <a:xfrm>
+            <a:off x="7455129" y="4710074"/>
+            <a:ext cx="2134866" cy="288000"/>
+          </a:xfrm>
+          <a:prstGeom prst="roundRect">
+            <a:avLst>
+              <a:gd name="adj" fmla="val 0"/>
+            </a:avLst>
+          </a:prstGeom>
+          <a:solidFill>
+            <a:srgbClr val="00C3DC"/>
+          </a:solidFill>
+          <a:ln w="19050" cap="flat" cmpd="sng" algn="ctr">
+            <a:noFill/>
+            <a:prstDash val="solid"/>
+            <a:round/>
+            <a:headEnd type="none" w="med" len="med"/>
+            <a:tailEnd type="none" w="med" len="med"/>
+          </a:ln>
+          <a:effectLst/>
+        </p:spPr>
+        <p:txBody>
+          <a:bodyPr wrap="none" lIns="121944" tIns="60972" rIns="121944" bIns="60972" anchor="ctr"/>
+          <a:lstStyle/>
+          <a:p>
+            <a:pPr algn="ctr" fontAlgn="auto">
+              <a:spcBef>
+                <a:spcPts val="0"/>
+              </a:spcBef>
+              <a:spcAft>
+                <a:spcPts val="0"/>
+              </a:spcAft>
+              <a:defRPr/>
+            </a:pPr>
+            <a:r>
+              <a:rPr lang="de-DE" sz="1500" b="1" kern="0" dirty="0">
+                <a:solidFill>
+                  <a:srgbClr val="FDFDFD"/>
+                </a:solidFill>
+                <a:latin typeface="Calibri" panose="020F0502020204030204" pitchFamily="34" charset="0"/>
+                <a:ea typeface="MS PGothic" pitchFamily="34" charset="-128"/>
+                <a:cs typeface="Calibri" panose="020F0502020204030204" pitchFamily="34" charset="0"/>
+              </a:rPr>
+              <a:t>File System</a:t>
+            </a:r>
+          </a:p>
+        </p:txBody>
+      </p:sp>
+      <p:sp>
+        <p:nvSpPr>
+          <p:cNvPr id="131" name="Rounded Rectangle 130"/>
+          <p:cNvSpPr/>
+          <p:nvPr/>
+        </p:nvSpPr>
+        <p:spPr bwMode="auto">
+          <a:xfrm>
+            <a:off x="7455129" y="2343726"/>
+            <a:ext cx="2134866" cy="288000"/>
+          </a:xfrm>
+          <a:prstGeom prst="roundRect">
+            <a:avLst>
+              <a:gd name="adj" fmla="val 0"/>
+            </a:avLst>
+          </a:prstGeom>
+          <a:solidFill>
+            <a:srgbClr val="00C3DC"/>
+          </a:solidFill>
+          <a:ln w="19050" algn="ctr">
+            <a:noFill/>
+            <a:round/>
+            <a:headEnd/>
+            <a:tailEnd/>
+          </a:ln>
+        </p:spPr>
+        <p:txBody>
+          <a:bodyPr wrap="none" lIns="121944" tIns="60972" rIns="121944" bIns="60972" anchor="ctr"/>
+          <a:lstStyle/>
+          <a:p>
+            <a:pPr algn="ctr" fontAlgn="auto">
+              <a:spcBef>
+                <a:spcPts val="0"/>
+              </a:spcBef>
+              <a:spcAft>
+                <a:spcPts val="0"/>
+              </a:spcAft>
+              <a:defRPr/>
+            </a:pPr>
+            <a:r>
+              <a:rPr lang="de-DE" sz="1500" b="1" kern="0" dirty="0">
+                <a:solidFill>
+                  <a:sysClr val="window" lastClr="FFFFFF"/>
+                </a:solidFill>
+                <a:latin typeface="Calibri" panose="020F0502020204030204" pitchFamily="34" charset="0"/>
+                <a:ea typeface="ＭＳ Ｐゴシック" pitchFamily="34" charset="-128"/>
+                <a:cs typeface="Calibri" panose="020F0502020204030204" pitchFamily="34" charset="0"/>
+              </a:rPr>
+              <a:t>TCP/IP Networking</a:t>
+            </a:r>
+          </a:p>
+        </p:txBody>
+      </p:sp>
+      <p:sp>
+        <p:nvSpPr>
+          <p:cNvPr id="133" name="Rounded Rectangle 132"/>
+          <p:cNvSpPr/>
+          <p:nvPr/>
+        </p:nvSpPr>
+        <p:spPr bwMode="auto">
+          <a:xfrm>
+            <a:off x="7455129" y="5497757"/>
+            <a:ext cx="2134866" cy="288000"/>
+          </a:xfrm>
+          <a:prstGeom prst="roundRect">
+            <a:avLst>
+              <a:gd name="adj" fmla="val 0"/>
+            </a:avLst>
+          </a:prstGeom>
+          <a:solidFill>
+            <a:srgbClr val="00C3DC"/>
+          </a:solidFill>
+          <a:ln w="19050" algn="ctr">
+            <a:noFill/>
+            <a:round/>
+            <a:headEnd/>
+            <a:tailEnd/>
+          </a:ln>
+        </p:spPr>
+        <p:txBody>
+          <a:bodyPr wrap="none" lIns="121944" tIns="60972" rIns="121944" bIns="60972" anchor="ctr"/>
+          <a:lstStyle/>
+          <a:p>
+            <a:pPr algn="ctr" fontAlgn="auto">
+              <a:spcBef>
+                <a:spcPts val="0"/>
+              </a:spcBef>
+              <a:spcAft>
+                <a:spcPts val="0"/>
+              </a:spcAft>
+              <a:defRPr/>
+            </a:pPr>
+            <a:r>
+              <a:rPr lang="de-DE" sz="1500" b="1" kern="0" dirty="0">
+                <a:solidFill>
+                  <a:sysClr val="window" lastClr="FFFFFF"/>
+                </a:solidFill>
+                <a:latin typeface="Calibri" panose="020F0502020204030204" pitchFamily="34" charset="0"/>
+                <a:ea typeface="ＭＳ Ｐゴシック" pitchFamily="34" charset="-128"/>
+                <a:cs typeface="Calibri" panose="020F0502020204030204" pitchFamily="34" charset="0"/>
+              </a:rPr>
+              <a:t>USB Host</a:t>
+            </a:r>
+            <a:endParaRPr lang="en-GB" sz="1500" b="1" kern="0" dirty="0">
+              <a:solidFill>
+                <a:sysClr val="window" lastClr="FFFFFF"/>
+              </a:solidFill>
+              <a:latin typeface="Calibri" panose="020F0502020204030204" pitchFamily="34" charset="0"/>
+              <a:ea typeface="ＭＳ Ｐゴシック" pitchFamily="34" charset="-128"/>
+              <a:cs typeface="Calibri" panose="020F0502020204030204" pitchFamily="34" charset="0"/>
+            </a:endParaRPr>
+          </a:p>
+        </p:txBody>
+      </p:sp>
+      <p:cxnSp>
+        <p:nvCxnSpPr>
+          <p:cNvPr id="135" name="Straight Arrow Connector 134"/>
+          <p:cNvCxnSpPr>
+            <a:stCxn id="124" idx="1"/>
+            <a:endCxn id="31" idx="3"/>
+          </p:cNvCxnSpPr>
+          <p:nvPr/>
+        </p:nvCxnSpPr>
+        <p:spPr>
+          <a:xfrm flipH="1">
+            <a:off x="6785945" y="1711778"/>
+            <a:ext cx="669184" cy="1686"/>
+          </a:xfrm>
+          <a:prstGeom prst="straightConnector1">
+            <a:avLst/>
+          </a:prstGeom>
+          <a:ln w="31750">
+            <a:solidFill>
+              <a:schemeClr val="tx1"/>
+            </a:solidFill>
+            <a:tailEnd type="triangle" w="med" len="lg"/>
+          </a:ln>
+          <a:effectLst/>
+        </p:spPr>
+        <p:style>
+          <a:lnRef idx="2">
+            <a:schemeClr val="accent1"/>
+          </a:lnRef>
+          <a:fillRef idx="0">
+            <a:schemeClr val="accent1"/>
+          </a:fillRef>
+          <a:effectRef idx="1">
+            <a:schemeClr val="accent1"/>
+          </a:effectRef>
+          <a:fontRef idx="minor">
+            <a:schemeClr val="tx1"/>
+          </a:fontRef>
+        </p:style>
+      </p:cxnSp>
+      <p:cxnSp>
+        <p:nvCxnSpPr>
+          <p:cNvPr id="136" name="Straight Arrow Connector 135"/>
+          <p:cNvCxnSpPr>
+            <a:stCxn id="131" idx="1"/>
+            <a:endCxn id="33" idx="3"/>
+          </p:cNvCxnSpPr>
+          <p:nvPr/>
+        </p:nvCxnSpPr>
+        <p:spPr>
+          <a:xfrm flipH="1" flipV="1">
+            <a:off x="6785951" y="2100828"/>
+            <a:ext cx="669178" cy="386898"/>
+          </a:xfrm>
+          <a:prstGeom prst="straightConnector1">
+            <a:avLst/>
+          </a:prstGeom>
+          <a:ln w="31750">
+            <a:solidFill>
+              <a:schemeClr val="tx1"/>
+            </a:solidFill>
+            <a:tailEnd type="triangle" w="med" len="lg"/>
+          </a:ln>
+          <a:effectLst/>
+        </p:spPr>
+        <p:style>
+          <a:lnRef idx="2">
+            <a:schemeClr val="accent1"/>
+          </a:lnRef>
+          <a:fillRef idx="0">
+            <a:schemeClr val="accent1"/>
+          </a:fillRef>
+          <a:effectRef idx="1">
+            <a:schemeClr val="accent1"/>
+          </a:effectRef>
+          <a:fontRef idx="minor">
+            <a:schemeClr val="tx1"/>
+          </a:fontRef>
+        </p:style>
+      </p:cxnSp>
+      <p:cxnSp>
+        <p:nvCxnSpPr>
+          <p:cNvPr id="138" name="Straight Arrow Connector 137"/>
+          <p:cNvCxnSpPr>
+            <a:stCxn id="131" idx="1"/>
+            <a:endCxn id="55" idx="3"/>
+          </p:cNvCxnSpPr>
+          <p:nvPr/>
+        </p:nvCxnSpPr>
+        <p:spPr>
+          <a:xfrm flipH="1">
+            <a:off x="6784356" y="2487726"/>
+            <a:ext cx="670773" cy="6315"/>
+          </a:xfrm>
+          <a:prstGeom prst="straightConnector1">
+            <a:avLst/>
+          </a:prstGeom>
+          <a:ln w="31750">
+            <a:solidFill>
+              <a:schemeClr val="tx1"/>
+            </a:solidFill>
+            <a:tailEnd type="triangle" w="med" len="lg"/>
+          </a:ln>
+          <a:effectLst/>
+        </p:spPr>
+        <p:style>
+          <a:lnRef idx="2">
+            <a:schemeClr val="accent1"/>
+          </a:lnRef>
+          <a:fillRef idx="0">
+            <a:schemeClr val="accent1"/>
+          </a:fillRef>
+          <a:effectRef idx="1">
+            <a:schemeClr val="accent1"/>
+          </a:effectRef>
+          <a:fontRef idx="minor">
+            <a:schemeClr val="tx1"/>
+          </a:fontRef>
+        </p:style>
+      </p:cxnSp>
+      <p:cxnSp>
+        <p:nvCxnSpPr>
+          <p:cNvPr id="169" name="Straight Arrow Connector 168"/>
+          <p:cNvCxnSpPr>
+            <a:stCxn id="123" idx="1"/>
+            <a:endCxn id="24" idx="3"/>
+          </p:cNvCxnSpPr>
+          <p:nvPr/>
+        </p:nvCxnSpPr>
+        <p:spPr>
+          <a:xfrm flipH="1" flipV="1">
+            <a:off x="6784351" y="3664972"/>
+            <a:ext cx="670763" cy="6853"/>
+          </a:xfrm>
+          <a:prstGeom prst="straightConnector1">
+            <a:avLst/>
+          </a:prstGeom>
+          <a:ln w="31750">
+            <a:solidFill>
+              <a:schemeClr val="tx1"/>
+            </a:solidFill>
+            <a:tailEnd type="triangle" w="med" len="lg"/>
+          </a:ln>
+          <a:effectLst/>
+        </p:spPr>
+        <p:style>
+          <a:lnRef idx="2">
+            <a:schemeClr val="accent1"/>
+          </a:lnRef>
+          <a:fillRef idx="0">
+            <a:schemeClr val="accent1"/>
+          </a:fillRef>
+          <a:effectRef idx="1">
+            <a:schemeClr val="accent1"/>
+          </a:effectRef>
+          <a:fontRef idx="minor">
+            <a:schemeClr val="tx1"/>
+          </a:fontRef>
+        </p:style>
+      </p:cxnSp>
+      <p:cxnSp>
+        <p:nvCxnSpPr>
+          <p:cNvPr id="172" name="Straight Arrow Connector 171"/>
+          <p:cNvCxnSpPr>
+            <a:stCxn id="126" idx="1"/>
+            <a:endCxn id="27" idx="3"/>
+          </p:cNvCxnSpPr>
+          <p:nvPr/>
+        </p:nvCxnSpPr>
+        <p:spPr>
+          <a:xfrm flipH="1">
+            <a:off x="6785951" y="4854074"/>
+            <a:ext cx="669178" cy="331"/>
+          </a:xfrm>
+          <a:prstGeom prst="straightConnector1">
+            <a:avLst/>
+          </a:prstGeom>
+          <a:ln w="31750">
+            <a:solidFill>
+              <a:schemeClr val="tx1"/>
+            </a:solidFill>
+            <a:tailEnd type="triangle" w="med" len="lg"/>
+          </a:ln>
+          <a:effectLst/>
+        </p:spPr>
+        <p:style>
+          <a:lnRef idx="2">
+            <a:schemeClr val="accent1"/>
+          </a:lnRef>
+          <a:fillRef idx="0">
+            <a:schemeClr val="accent1"/>
+          </a:fillRef>
+          <a:effectRef idx="1">
+            <a:schemeClr val="accent1"/>
+          </a:effectRef>
+          <a:fontRef idx="minor">
+            <a:schemeClr val="tx1"/>
+          </a:fontRef>
+        </p:style>
+      </p:cxnSp>
+      <p:cxnSp>
+        <p:nvCxnSpPr>
+          <p:cNvPr id="188" name="Straight Arrow Connector 187"/>
+          <p:cNvCxnSpPr>
+            <a:stCxn id="133" idx="1"/>
+            <a:endCxn id="34" idx="3"/>
+          </p:cNvCxnSpPr>
+          <p:nvPr/>
+        </p:nvCxnSpPr>
+        <p:spPr>
+          <a:xfrm flipH="1">
+            <a:off x="6784352" y="5641757"/>
+            <a:ext cx="670777" cy="3838"/>
+          </a:xfrm>
+          <a:prstGeom prst="straightConnector1">
+            <a:avLst/>
+          </a:prstGeom>
+          <a:ln w="31750">
+            <a:solidFill>
+              <a:schemeClr val="tx1"/>
+            </a:solidFill>
+            <a:tailEnd type="triangle" w="med" len="lg"/>
+          </a:ln>
+          <a:effectLst/>
+        </p:spPr>
+        <p:style>
+          <a:lnRef idx="2">
+            <a:schemeClr val="accent1"/>
+          </a:lnRef>
+          <a:fillRef idx="0">
+            <a:schemeClr val="accent1"/>
+          </a:fillRef>
+          <a:effectRef idx="1">
+            <a:schemeClr val="accent1"/>
+          </a:effectRef>
+          <a:fontRef idx="minor">
+            <a:schemeClr val="tx1"/>
+          </a:fontRef>
+        </p:style>
+      </p:cxnSp>
+      <p:cxnSp>
+        <p:nvCxnSpPr>
+          <p:cNvPr id="187" name="Straight Arrow Connector 186">
+            <a:extLst>
+              <a:ext uri="{FF2B5EF4-FFF2-40B4-BE49-F238E27FC236}">
+                <a16:creationId xmlns:a16="http://schemas.microsoft.com/office/drawing/2014/main" id="{D298304B-349A-431D-A22A-D8D84547A855}"/>
+              </a:ext>
+            </a:extLst>
+          </p:cNvPr>
+          <p:cNvCxnSpPr>
+            <a:cxnSpLocks/>
+            <a:stCxn id="131" idx="1"/>
+            <a:endCxn id="100" idx="3"/>
+          </p:cNvCxnSpPr>
+          <p:nvPr/>
+        </p:nvCxnSpPr>
+        <p:spPr>
+          <a:xfrm flipH="1">
+            <a:off x="6784356" y="2487726"/>
+            <a:ext cx="670773" cy="399528"/>
+          </a:xfrm>
+          <a:prstGeom prst="straightConnector1">
+            <a:avLst/>
+          </a:prstGeom>
+          <a:ln w="31750">
+            <a:solidFill>
+              <a:schemeClr val="tx1"/>
+            </a:solidFill>
+            <a:tailEnd type="triangle" w="med" len="lg"/>
+          </a:ln>
+          <a:effectLst/>
+        </p:spPr>
+        <p:style>
+          <a:lnRef idx="2">
+            <a:schemeClr val="accent1"/>
+          </a:lnRef>
+          <a:fillRef idx="0">
+            <a:schemeClr val="accent1"/>
+          </a:fillRef>
+          <a:effectRef idx="1">
+            <a:schemeClr val="accent1"/>
+          </a:effectRef>
+          <a:fontRef idx="minor">
+            <a:schemeClr val="tx1"/>
+          </a:fontRef>
+        </p:style>
+      </p:cxnSp>
+      <p:cxnSp>
+        <p:nvCxnSpPr>
+          <p:cNvPr id="190" name="Straight Arrow Connector 189">
+            <a:extLst>
+              <a:ext uri="{FF2B5EF4-FFF2-40B4-BE49-F238E27FC236}">
+                <a16:creationId xmlns:a16="http://schemas.microsoft.com/office/drawing/2014/main" id="{E0520F73-C464-45F1-A303-6CCF8B55C0DA}"/>
+              </a:ext>
+            </a:extLst>
+          </p:cNvPr>
+          <p:cNvCxnSpPr>
+            <a:cxnSpLocks/>
+            <a:stCxn id="126" idx="1"/>
+            <a:endCxn id="103" idx="3"/>
+          </p:cNvCxnSpPr>
+          <p:nvPr/>
+        </p:nvCxnSpPr>
+        <p:spPr>
+          <a:xfrm flipH="1" flipV="1">
+            <a:off x="6785951" y="4456429"/>
+            <a:ext cx="669178" cy="397645"/>
+          </a:xfrm>
+          <a:prstGeom prst="straightConnector1">
+            <a:avLst/>
+          </a:prstGeom>
+          <a:ln w="31750">
+            <a:solidFill>
+              <a:schemeClr val="tx1"/>
+            </a:solidFill>
+            <a:tailEnd type="triangle" w="med" len="lg"/>
+          </a:ln>
+          <a:effectLst/>
+        </p:spPr>
+        <p:style>
+          <a:lnRef idx="2">
+            <a:schemeClr val="accent1"/>
+          </a:lnRef>
+          <a:fillRef idx="0">
+            <a:schemeClr val="accent1"/>
+          </a:fillRef>
+          <a:effectRef idx="1">
+            <a:schemeClr val="accent1"/>
+          </a:effectRef>
+          <a:fontRef idx="minor">
+            <a:schemeClr val="tx1"/>
+          </a:fontRef>
+        </p:style>
+      </p:cxnSp>
+      <p:cxnSp>
+        <p:nvCxnSpPr>
+          <p:cNvPr id="199" name="Straight Arrow Connector 198">
+            <a:extLst>
+              <a:ext uri="{FF2B5EF4-FFF2-40B4-BE49-F238E27FC236}">
+                <a16:creationId xmlns:a16="http://schemas.microsoft.com/office/drawing/2014/main" id="{6AD099BF-1BF2-450E-8DBA-E0B74C128039}"/>
+              </a:ext>
+            </a:extLst>
+          </p:cNvPr>
+          <p:cNvCxnSpPr>
+            <a:cxnSpLocks/>
+            <a:endCxn id="28" idx="3"/>
+          </p:cNvCxnSpPr>
+          <p:nvPr/>
+        </p:nvCxnSpPr>
+        <p:spPr>
+          <a:xfrm flipH="1">
+            <a:off x="6784353" y="4854074"/>
+            <a:ext cx="670762" cy="398307"/>
+          </a:xfrm>
+          <a:prstGeom prst="straightConnector1">
+            <a:avLst/>
+          </a:prstGeom>
+          <a:ln w="31750">
+            <a:solidFill>
+              <a:schemeClr val="tx1"/>
+            </a:solidFill>
+            <a:tailEnd type="triangle" w="med" len="lg"/>
+          </a:ln>
+          <a:effectLst/>
+        </p:spPr>
+        <p:style>
+          <a:lnRef idx="2">
+            <a:schemeClr val="accent1"/>
+          </a:lnRef>
+          <a:fillRef idx="0">
+            <a:schemeClr val="accent1"/>
+          </a:fillRef>
+          <a:effectRef idx="1">
+            <a:schemeClr val="accent1"/>
+          </a:effectRef>
+          <a:fontRef idx="minor">
+            <a:schemeClr val="tx1"/>
+          </a:fontRef>
+        </p:style>
+      </p:cxnSp>
+      <p:sp>
+        <p:nvSpPr>
+          <p:cNvPr id="200" name="Rounded Rectangle 95">
+            <a:extLst>
+              <a:ext uri="{FF2B5EF4-FFF2-40B4-BE49-F238E27FC236}">
+                <a16:creationId xmlns:a16="http://schemas.microsoft.com/office/drawing/2014/main" id="{C30DCE2F-F12A-40C5-8BB6-09084A5A2663}"/>
+              </a:ext>
+            </a:extLst>
+          </p:cNvPr>
+          <p:cNvSpPr/>
+          <p:nvPr/>
+        </p:nvSpPr>
+        <p:spPr bwMode="auto">
+          <a:xfrm>
+            <a:off x="3904633" y="3146894"/>
+            <a:ext cx="1944687" cy="288000"/>
+          </a:xfrm>
+          <a:prstGeom prst="roundRect">
+            <a:avLst>
+              <a:gd name="adj" fmla="val 0"/>
+            </a:avLst>
+          </a:prstGeom>
+          <a:solidFill>
+            <a:srgbClr val="00A960"/>
+          </a:solidFill>
+          <a:ln w="19050" algn="ctr">
+            <a:noFill/>
+            <a:round/>
+            <a:headEnd/>
+            <a:tailEnd/>
+          </a:ln>
+        </p:spPr>
+        <p:txBody>
+          <a:bodyPr wrap="none" lIns="121944" tIns="60972" rIns="121944" bIns="60972" anchor="ctr"/>
+          <a:lstStyle/>
+          <a:p>
+            <a:pPr algn="ctr" fontAlgn="auto">
+              <a:spcBef>
+                <a:spcPts val="0"/>
+              </a:spcBef>
+              <a:spcAft>
+                <a:spcPts val="0"/>
+              </a:spcAft>
+              <a:defRPr/>
+            </a:pPr>
+            <a:r>
+              <a:rPr lang="de-DE" sz="1500" b="1" kern="0" dirty="0">
+                <a:solidFill>
+                  <a:sysClr val="window" lastClr="FFFFFF"/>
+                </a:solidFill>
+                <a:latin typeface="Calibri" panose="020F0502020204030204" pitchFamily="34" charset="0"/>
+                <a:ea typeface="ＭＳ Ｐゴシック" pitchFamily="34" charset="-128"/>
+                <a:cs typeface="Calibri" panose="020F0502020204030204" pitchFamily="34" charset="0"/>
+              </a:rPr>
+              <a:t>WiFi Driver</a:t>
+            </a:r>
+          </a:p>
+        </p:txBody>
+      </p:sp>
+      <p:cxnSp>
+        <p:nvCxnSpPr>
+          <p:cNvPr id="203" name="Straight Arrow Connector 202">
+            <a:extLst>
+              <a:ext uri="{FF2B5EF4-FFF2-40B4-BE49-F238E27FC236}">
+                <a16:creationId xmlns:a16="http://schemas.microsoft.com/office/drawing/2014/main" id="{DA398994-8A9A-421D-931C-3038175A2E9B}"/>
+              </a:ext>
+            </a:extLst>
+          </p:cNvPr>
+          <p:cNvCxnSpPr>
+            <a:cxnSpLocks/>
+            <a:stCxn id="200" idx="1"/>
+            <a:endCxn id="142" idx="3"/>
+          </p:cNvCxnSpPr>
+          <p:nvPr/>
+        </p:nvCxnSpPr>
+        <p:spPr>
+          <a:xfrm flipH="1" flipV="1">
+            <a:off x="3440439" y="2887254"/>
+            <a:ext cx="464194" cy="403640"/>
+          </a:xfrm>
+          <a:prstGeom prst="straightConnector1">
+            <a:avLst/>
+          </a:prstGeom>
+          <a:ln w="31750">
+            <a:solidFill>
+              <a:schemeClr val="tx1"/>
+            </a:solidFill>
+            <a:headEnd type="triangle" w="med" len="lg"/>
+            <a:tailEnd type="triangle" w="med" len="lg"/>
+          </a:ln>
+          <a:effectLst/>
+        </p:spPr>
+        <p:style>
+          <a:lnRef idx="2">
+            <a:schemeClr val="accent1"/>
+          </a:lnRef>
+          <a:fillRef idx="0">
+            <a:schemeClr val="accent1"/>
+          </a:fillRef>
+          <a:effectRef idx="1">
+            <a:schemeClr val="accent1"/>
+          </a:effectRef>
+          <a:fontRef idx="minor">
+            <a:schemeClr val="tx1"/>
+          </a:fontRef>
+        </p:style>
+      </p:cxnSp>
+      <p:cxnSp>
+        <p:nvCxnSpPr>
+          <p:cNvPr id="205" name="Straight Arrow Connector 204">
+            <a:extLst>
+              <a:ext uri="{FF2B5EF4-FFF2-40B4-BE49-F238E27FC236}">
+                <a16:creationId xmlns:a16="http://schemas.microsoft.com/office/drawing/2014/main" id="{D06FF7D4-822E-47C9-8D6C-60339087DAFF}"/>
+              </a:ext>
+            </a:extLst>
+          </p:cNvPr>
+          <p:cNvCxnSpPr>
+            <a:cxnSpLocks/>
+            <a:stCxn id="200" idx="1"/>
+            <a:endCxn id="7" idx="3"/>
+          </p:cNvCxnSpPr>
+          <p:nvPr/>
+        </p:nvCxnSpPr>
+        <p:spPr>
+          <a:xfrm flipH="1">
+            <a:off x="3440439" y="3290894"/>
+            <a:ext cx="464194" cy="391902"/>
+          </a:xfrm>
+          <a:prstGeom prst="straightConnector1">
+            <a:avLst/>
+          </a:prstGeom>
+          <a:ln w="31750">
+            <a:solidFill>
+              <a:schemeClr val="tx1"/>
+            </a:solidFill>
+            <a:headEnd type="triangle" w="med" len="lg"/>
+            <a:tailEnd type="triangle" w="med" len="lg"/>
+          </a:ln>
+          <a:effectLst/>
+        </p:spPr>
+        <p:style>
+          <a:lnRef idx="2">
+            <a:schemeClr val="accent1"/>
+          </a:lnRef>
+          <a:fillRef idx="0">
+            <a:schemeClr val="accent1"/>
+          </a:fillRef>
+          <a:effectRef idx="1">
+            <a:schemeClr val="accent1"/>
+          </a:effectRef>
+          <a:fontRef idx="minor">
+            <a:schemeClr val="tx1"/>
+          </a:fontRef>
+        </p:style>
+      </p:cxnSp>
+      <p:sp>
+        <p:nvSpPr>
+          <p:cNvPr id="206" name="Rectangle 205">
+            <a:extLst>
+              <a:ext uri="{FF2B5EF4-FFF2-40B4-BE49-F238E27FC236}">
+                <a16:creationId xmlns:a16="http://schemas.microsoft.com/office/drawing/2014/main" id="{1D7E0A96-4E42-4E5D-8DDC-49F032C8DFD3}"/>
+              </a:ext>
+            </a:extLst>
+          </p:cNvPr>
+          <p:cNvSpPr/>
+          <p:nvPr/>
+        </p:nvSpPr>
+        <p:spPr bwMode="auto">
+          <a:xfrm>
+            <a:off x="5847725" y="3186433"/>
+            <a:ext cx="936625" cy="207962"/>
+          </a:xfrm>
+          <a:prstGeom prst="rect">
+            <a:avLst/>
+          </a:prstGeom>
+          <a:solidFill>
+            <a:srgbClr val="CCEDDF"/>
+          </a:solidFill>
+          <a:ln w="6350">
+            <a:solidFill>
+              <a:schemeClr val="tx1"/>
+            </a:solidFill>
+          </a:ln>
+        </p:spPr>
+        <p:style>
+          <a:lnRef idx="2">
+            <a:schemeClr val="accent1">
+              <a:shade val="50000"/>
+            </a:schemeClr>
+          </a:lnRef>
+          <a:fillRef idx="1">
+            <a:schemeClr val="accent1"/>
+          </a:fillRef>
+          <a:effectRef idx="0">
+            <a:schemeClr val="accent1"/>
+          </a:effectRef>
+          <a:fontRef idx="minor">
+            <a:schemeClr val="lt1"/>
+          </a:fontRef>
+        </p:style>
+        <p:txBody>
+          <a:bodyPr anchor="ctr"/>
+          <a:lstStyle/>
+          <a:p>
+            <a:pPr algn="r">
+              <a:defRPr/>
+            </a:pPr>
+            <a:r>
+              <a:rPr lang="en-US" sz="1200" dirty="0">
+                <a:solidFill>
+                  <a:schemeClr val="tx1"/>
+                </a:solidFill>
+                <a:latin typeface="Calibri" panose="020F0502020204030204" pitchFamily="34" charset="0"/>
+                <a:cs typeface="Calibri" panose="020F0502020204030204" pitchFamily="34" charset="0"/>
+              </a:rPr>
+              <a:t>WIFI0</a:t>
+            </a:r>
+            <a:endParaRPr lang="en-GB" sz="1200" dirty="0">
+              <a:solidFill>
+                <a:schemeClr val="tx1"/>
+              </a:solidFill>
+              <a:latin typeface="Calibri" panose="020F0502020204030204" pitchFamily="34" charset="0"/>
+              <a:cs typeface="Calibri" panose="020F0502020204030204" pitchFamily="34" charset="0"/>
+            </a:endParaRPr>
+          </a:p>
+        </p:txBody>
+      </p:sp>
+      <p:cxnSp>
+        <p:nvCxnSpPr>
+          <p:cNvPr id="208" name="Straight Arrow Connector 207">
+            <a:extLst>
+              <a:ext uri="{FF2B5EF4-FFF2-40B4-BE49-F238E27FC236}">
+                <a16:creationId xmlns:a16="http://schemas.microsoft.com/office/drawing/2014/main" id="{39F779A1-1DC9-4B98-B19A-CAEB36D31B18}"/>
+              </a:ext>
+            </a:extLst>
+          </p:cNvPr>
+          <p:cNvCxnSpPr>
+            <a:cxnSpLocks/>
+            <a:stCxn id="131" idx="1"/>
+            <a:endCxn id="206" idx="3"/>
+          </p:cNvCxnSpPr>
+          <p:nvPr/>
+        </p:nvCxnSpPr>
+        <p:spPr>
+          <a:xfrm flipH="1">
+            <a:off x="6784350" y="2487726"/>
+            <a:ext cx="670779" cy="802688"/>
+          </a:xfrm>
+          <a:prstGeom prst="straightConnector1">
+            <a:avLst/>
+          </a:prstGeom>
+          <a:ln w="31750">
+            <a:solidFill>
+              <a:schemeClr val="tx1"/>
+            </a:solidFill>
+            <a:tailEnd type="triangle" w="med" len="lg"/>
+          </a:ln>
+          <a:effectLst/>
+        </p:spPr>
+        <p:style>
+          <a:lnRef idx="2">
+            <a:schemeClr val="accent1"/>
+          </a:lnRef>
+          <a:fillRef idx="0">
+            <a:schemeClr val="accent1"/>
+          </a:fillRef>
+          <a:effectRef idx="1">
+            <a:schemeClr val="accent1"/>
+          </a:effectRef>
+          <a:fontRef idx="minor">
+            <a:schemeClr val="tx1"/>
+          </a:fontRef>
+        </p:style>
+      </p:cxnSp>
+    </p:spTree>
+    <p:extLst>
+      <p:ext uri="{BB962C8B-B14F-4D97-AF65-F5344CB8AC3E}">
+        <p14:creationId xmlns:p14="http://schemas.microsoft.com/office/powerpoint/2010/main" val="754595653"/>
+      </p:ext>
+    </p:extLst>
+  </p:cSld>
+  <p:clrMapOvr>
+    <a:masterClrMapping/>
+  </p:clrMapOvr>
 </p:sld>
 </file>
 
@@ -10206,61 +15497,24 @@
 </file>
 
 <file path=customXml/item1.xml><?xml version="1.0" encoding="utf-8"?>
-<?mso-contentType ?>
-<spe:Receivers xmlns:spe="http://schemas.microsoft.com/sharepoint/events">
-  <Receiver>
-    <Name>Document ID Generator</Name>
-    <Synchronization>Synchronous</Synchronization>
-    <Type>10001</Type>
-    <SequenceNumber>1000</SequenceNumber>
-    <Assembly>Microsoft.Office.DocumentManagement, Version=14.0.0.0, Culture=neutral, PublicKeyToken=71e9bce111e9429c</Assembly>
-    <Class>Microsoft.Office.DocumentManagement.Internal.DocIdHandler</Class>
-    <Data/>
-    <Filter/>
-  </Receiver>
-  <Receiver>
-    <Name>Document ID Generator</Name>
-    <Synchronization>Synchronous</Synchronization>
-    <Type>10002</Type>
-    <SequenceNumber>1001</SequenceNumber>
-    <Assembly>Microsoft.Office.DocumentManagement, Version=14.0.0.0, Culture=neutral, PublicKeyToken=71e9bce111e9429c</Assembly>
-    <Class>Microsoft.Office.DocumentManagement.Internal.DocIdHandler</Class>
-    <Data/>
-    <Filter/>
-  </Receiver>
-  <Receiver>
-    <Name>Document ID Generator</Name>
-    <Synchronization>Synchronous</Synchronization>
-    <Type>10004</Type>
-    <SequenceNumber>1002</SequenceNumber>
-    <Assembly>Microsoft.Office.DocumentManagement, Version=14.0.0.0, Culture=neutral, PublicKeyToken=71e9bce111e9429c</Assembly>
-    <Class>Microsoft.Office.DocumentManagement.Internal.DocIdHandler</Class>
-    <Data/>
-    <Filter/>
-  </Receiver>
-  <Receiver>
-    <Name>Document ID Generator</Name>
-    <Synchronization>Synchronous</Synchronization>
-    <Type>10006</Type>
-    <SequenceNumber>1003</SequenceNumber>
-    <Assembly>Microsoft.Office.DocumentManagement, Version=14.0.0.0, Culture=neutral, PublicKeyToken=71e9bce111e9429c</Assembly>
-    <Class>Microsoft.Office.DocumentManagement.Internal.DocIdHandler</Class>
-    <Data/>
-    <Filter/>
-  </Receiver>
-</spe:Receivers>
+<p:properties xmlns:p="http://schemas.microsoft.com/office/2006/metadata/properties" xmlns:xsi="http://www.w3.org/2001/XMLSchema-instance">
+  <documentManagement>
+    <AlternateThumbnailUrl xmlns="http://schemas.microsoft.com/sharepoint/v3">
+      <Url xsi:nil="true"/>
+      <Description xsi:nil="true"/>
+    </AlternateThumbnailUrl>
+    <ImageCreateDate xmlns="http://schemas.microsoft.com/sharepoint/v3" xsi:nil="true"/>
+    <Description xmlns="http://schemas.microsoft.com/sharepoint/v3" xsi:nil="true"/>
+    <_dlc_DocId xmlns="f2ad5090-61a8-4b8c-ab70-68f4ff4d1933">ARM-ECM-0151353</_dlc_DocId>
+    <_dlc_DocIdUrl xmlns="f2ad5090-61a8-4b8c-ab70-68f4ff4d1933">
+      <Url>http://teamsites.arm.com/sites/marketing/branding/_layouts/DocIdRedir.aspx?ID=ARM-ECM-0151353</Url>
+      <Description>ARM-ECM-0151353</Description>
+    </_dlc_DocIdUrl>
+  </documentManagement>
+</p:properties>
 </file>
 
 <file path=customXml/item2.xml><?xml version="1.0" encoding="utf-8"?>
-<?mso-contentType ?>
-<FormTemplates xmlns="http://schemas.microsoft.com/sharepoint/v3/contenttype/forms">
-  <Display>DocumentLibraryForm</Display>
-  <Edit>DocumentLibraryForm</Edit>
-  <New>DocumentLibraryForm</New>
-</FormTemplates>
-</file>
-
-<file path=customXml/item3.xml><?xml version="1.0" encoding="utf-8"?>
 <ct:contentTypeSchema xmlns:ct="http://schemas.microsoft.com/office/2006/metadata/contentType" xmlns:ma="http://schemas.microsoft.com/office/2006/metadata/properties/metaAttributes" ct:_="" ma:_="" ma:contentTypeName="Picture" ma:contentTypeID="0x010102005A5C1BE65173D647975D08D04557E024" ma:contentTypeVersion="3" ma:contentTypeDescription="Upload an image or a photograph." ma:contentTypeScope="" ma:versionID="4e02033e9a8407b55ee482baa8e8773d">
   <xsd:schema xmlns:xsd="http://www.w3.org/2001/XMLSchema" xmlns:xs="http://www.w3.org/2001/XMLSchema" xmlns:p="http://schemas.microsoft.com/office/2006/metadata/properties" xmlns:ns1="http://schemas.microsoft.com/sharepoint/v3" xmlns:ns2="f2ad5090-61a8-4b8c-ab70-68f4ff4d1933" targetNamespace="http://schemas.microsoft.com/office/2006/metadata/properties" ma:root="true" ma:fieldsID="56baf7bb33d679821ced92383ddba583" ns1:_="" ns2:_="">
     <xsd:import namespace="http://schemas.microsoft.com/sharepoint/v3"/>
@@ -10461,41 +15715,79 @@
 </ct:contentTypeSchema>
 </file>
 
+<file path=customXml/item3.xml><?xml version="1.0" encoding="utf-8"?>
+<?mso-contentType ?>
+<FormTemplates xmlns="http://schemas.microsoft.com/sharepoint/v3/contenttype/forms">
+  <Display>DocumentLibraryForm</Display>
+  <Edit>DocumentLibraryForm</Edit>
+  <New>DocumentLibraryForm</New>
+</FormTemplates>
+</file>
+
 <file path=customXml/item4.xml><?xml version="1.0" encoding="utf-8"?>
-<p:properties xmlns:p="http://schemas.microsoft.com/office/2006/metadata/properties" xmlns:xsi="http://www.w3.org/2001/XMLSchema-instance">
-  <documentManagement>
-    <AlternateThumbnailUrl xmlns="http://schemas.microsoft.com/sharepoint/v3">
-      <Url xsi:nil="true"/>
-      <Description xsi:nil="true"/>
-    </AlternateThumbnailUrl>
-    <ImageCreateDate xmlns="http://schemas.microsoft.com/sharepoint/v3" xsi:nil="true"/>
-    <Description xmlns="http://schemas.microsoft.com/sharepoint/v3" xsi:nil="true"/>
-    <_dlc_DocId xmlns="f2ad5090-61a8-4b8c-ab70-68f4ff4d1933">ARM-ECM-0151353</_dlc_DocId>
-    <_dlc_DocIdUrl xmlns="f2ad5090-61a8-4b8c-ab70-68f4ff4d1933">
-      <Url>http://teamsites.arm.com/sites/marketing/branding/_layouts/DocIdRedir.aspx?ID=ARM-ECM-0151353</Url>
-      <Description>ARM-ECM-0151353</Description>
-    </_dlc_DocIdUrl>
-  </documentManagement>
-</p:properties>
+<?mso-contentType ?>
+<spe:Receivers xmlns:spe="http://schemas.microsoft.com/sharepoint/events">
+  <Receiver>
+    <Name>Document ID Generator</Name>
+    <Synchronization>Synchronous</Synchronization>
+    <Type>10001</Type>
+    <SequenceNumber>1000</SequenceNumber>
+    <Assembly>Microsoft.Office.DocumentManagement, Version=14.0.0.0, Culture=neutral, PublicKeyToken=71e9bce111e9429c</Assembly>
+    <Class>Microsoft.Office.DocumentManagement.Internal.DocIdHandler</Class>
+    <Data/>
+    <Filter/>
+  </Receiver>
+  <Receiver>
+    <Name>Document ID Generator</Name>
+    <Synchronization>Synchronous</Synchronization>
+    <Type>10002</Type>
+    <SequenceNumber>1001</SequenceNumber>
+    <Assembly>Microsoft.Office.DocumentManagement, Version=14.0.0.0, Culture=neutral, PublicKeyToken=71e9bce111e9429c</Assembly>
+    <Class>Microsoft.Office.DocumentManagement.Internal.DocIdHandler</Class>
+    <Data/>
+    <Filter/>
+  </Receiver>
+  <Receiver>
+    <Name>Document ID Generator</Name>
+    <Synchronization>Synchronous</Synchronization>
+    <Type>10004</Type>
+    <SequenceNumber>1002</SequenceNumber>
+    <Assembly>Microsoft.Office.DocumentManagement, Version=14.0.0.0, Culture=neutral, PublicKeyToken=71e9bce111e9429c</Assembly>
+    <Class>Microsoft.Office.DocumentManagement.Internal.DocIdHandler</Class>
+    <Data/>
+    <Filter/>
+  </Receiver>
+  <Receiver>
+    <Name>Document ID Generator</Name>
+    <Synchronization>Synchronous</Synchronization>
+    <Type>10006</Type>
+    <SequenceNumber>1003</SequenceNumber>
+    <Assembly>Microsoft.Office.DocumentManagement, Version=14.0.0.0, Culture=neutral, PublicKeyToken=71e9bce111e9429c</Assembly>
+    <Class>Microsoft.Office.DocumentManagement.Internal.DocIdHandler</Class>
+    <Data/>
+    <Filter/>
+  </Receiver>
+</spe:Receivers>
 </file>
 
 <file path=customXml/itemProps1.xml><?xml version="1.0" encoding="utf-8"?>
-<ds:datastoreItem xmlns:ds="http://schemas.openxmlformats.org/officeDocument/2006/customXml" ds:itemID="{C8CB23D7-89E5-42FF-A5EB-008A06AB37C7}">
+<ds:datastoreItem xmlns:ds="http://schemas.openxmlformats.org/officeDocument/2006/customXml" ds:itemID="{AE6E82D6-7FB8-4D99-A7B6-3C5BB1D894B9}">
   <ds:schemaRefs>
-    <ds:schemaRef ds:uri="http://schemas.microsoft.com/sharepoint/events"/>
+    <ds:schemaRef ds:uri="http://schemas.microsoft.com/office/2006/metadata/properties"/>
+    <ds:schemaRef ds:uri="http://schemas.openxmlformats.org/package/2006/metadata/core-properties"/>
+    <ds:schemaRef ds:uri="http://schemas.microsoft.com/office/2006/documentManagement/types"/>
+    <ds:schemaRef ds:uri="http://purl.org/dc/dcmitype/"/>
+    <ds:schemaRef ds:uri="http://purl.org/dc/elements/1.1/"/>
+    <ds:schemaRef ds:uri="http://schemas.microsoft.com/office/infopath/2007/PartnerControls"/>
+    <ds:schemaRef ds:uri="f2ad5090-61a8-4b8c-ab70-68f4ff4d1933"/>
+    <ds:schemaRef ds:uri="http://purl.org/dc/terms/"/>
+    <ds:schemaRef ds:uri="http://schemas.microsoft.com/sharepoint/v3"/>
+    <ds:schemaRef ds:uri="http://www.w3.org/XML/1998/namespace"/>
   </ds:schemaRefs>
 </ds:datastoreItem>
 </file>
 
 <file path=customXml/itemProps2.xml><?xml version="1.0" encoding="utf-8"?>
-<ds:datastoreItem xmlns:ds="http://schemas.openxmlformats.org/officeDocument/2006/customXml" ds:itemID="{9C777C69-0744-4BF3-8514-FB149EBD2248}">
-  <ds:schemaRefs>
-    <ds:schemaRef ds:uri="http://schemas.microsoft.com/sharepoint/v3/contenttype/forms"/>
-  </ds:schemaRefs>
-</ds:datastoreItem>
-</file>
-
-<file path=customXml/itemProps3.xml><?xml version="1.0" encoding="utf-8"?>
 <ds:datastoreItem xmlns:ds="http://schemas.openxmlformats.org/officeDocument/2006/customXml" ds:itemID="{E2FEA05E-38D0-44EA-8B8D-2375FC6AAF09}">
   <ds:schemaRefs>
     <ds:schemaRef ds:uri="http://schemas.microsoft.com/office/2006/metadata/contentType"/>
@@ -10514,19 +15806,18 @@
 </ds:datastoreItem>
 </file>
 
+<file path=customXml/itemProps3.xml><?xml version="1.0" encoding="utf-8"?>
+<ds:datastoreItem xmlns:ds="http://schemas.openxmlformats.org/officeDocument/2006/customXml" ds:itemID="{9C777C69-0744-4BF3-8514-FB149EBD2248}">
+  <ds:schemaRefs>
+    <ds:schemaRef ds:uri="http://schemas.microsoft.com/sharepoint/v3/contenttype/forms"/>
+  </ds:schemaRefs>
+</ds:datastoreItem>
+</file>
+
 <file path=customXml/itemProps4.xml><?xml version="1.0" encoding="utf-8"?>
-<ds:datastoreItem xmlns:ds="http://schemas.openxmlformats.org/officeDocument/2006/customXml" ds:itemID="{AE6E82D6-7FB8-4D99-A7B6-3C5BB1D894B9}">
+<ds:datastoreItem xmlns:ds="http://schemas.openxmlformats.org/officeDocument/2006/customXml" ds:itemID="{C8CB23D7-89E5-42FF-A5EB-008A06AB37C7}">
   <ds:schemaRefs>
-    <ds:schemaRef ds:uri="http://schemas.microsoft.com/office/2006/metadata/properties"/>
-    <ds:schemaRef ds:uri="http://schemas.openxmlformats.org/package/2006/metadata/core-properties"/>
-    <ds:schemaRef ds:uri="http://schemas.microsoft.com/office/2006/documentManagement/types"/>
-    <ds:schemaRef ds:uri="http://purl.org/dc/dcmitype/"/>
-    <ds:schemaRef ds:uri="http://purl.org/dc/elements/1.1/"/>
-    <ds:schemaRef ds:uri="http://schemas.microsoft.com/office/infopath/2007/PartnerControls"/>
-    <ds:schemaRef ds:uri="f2ad5090-61a8-4b8c-ab70-68f4ff4d1933"/>
-    <ds:schemaRef ds:uri="http://purl.org/dc/terms/"/>
-    <ds:schemaRef ds:uri="http://schemas.microsoft.com/sharepoint/v3"/>
-    <ds:schemaRef ds:uri="http://www.w3.org/XML/1998/namespace"/>
+    <ds:schemaRef ds:uri="http://schemas.microsoft.com/sharepoint/events"/>
   </ds:schemaRefs>
 </ds:datastoreItem>
 </file>
--- a/CMSIS/DoxyGen/Driver/src/images/driver.pptx
+++ b/CMSIS/DoxyGen/Driver/src/images/driver.pptx
@@ -129,7 +129,7 @@
             <a:srgbClr val="A4A3A4"/>
           </p15:clr>
         </p15:guide>
-        <p15:guide id="4" pos="6742" userDrawn="1">
+        <p15:guide id="4" pos="6765" userDrawn="1">
           <p15:clr>
             <a:srgbClr val="A4A3A4"/>
           </p15:clr>
@@ -261,7 +261,7 @@
             <a:fld id="{E72D30EF-8F20-0B47-8B5D-39A8BC29E860}" type="datetimeFigureOut">
               <a:rPr lang="en-US" smtClean="0"/>
               <a:pPr/>
-              <a:t>11/18/2019</a:t>
+              <a:t>11/20/2019</a:t>
             </a:fld>
             <a:endParaRPr lang="en-US"/>
           </a:p>
@@ -429,7 +429,7 @@
             <a:fld id="{77EDD36E-1E02-F241-9611-1F1D9EAAD326}" type="datetimeFigureOut">
               <a:rPr lang="en-US" smtClean="0"/>
               <a:pPr/>
-              <a:t>11/18/2019</a:t>
+              <a:t>11/20/2019</a:t>
             </a:fld>
             <a:endParaRPr lang="en-US"/>
           </a:p>
@@ -9411,7 +9411,7 @@
         </p:nvSpPr>
         <p:spPr bwMode="auto">
           <a:xfrm>
-            <a:off x="2000439" y="3538796"/>
+            <a:off x="2000439" y="3604112"/>
             <a:ext cx="1440000" cy="288000"/>
           </a:xfrm>
           <a:prstGeom prst="rect">
@@ -9458,7 +9458,7 @@
         </p:nvSpPr>
         <p:spPr bwMode="auto">
           <a:xfrm>
-            <a:off x="2000439" y="4311111"/>
+            <a:off x="2000439" y="4376427"/>
             <a:ext cx="1440000" cy="288000"/>
           </a:xfrm>
           <a:prstGeom prst="rect">
@@ -9504,7 +9504,7 @@
         </p:nvSpPr>
         <p:spPr bwMode="auto">
           <a:xfrm>
-            <a:off x="2000439" y="5502620"/>
+            <a:off x="2000439" y="5567936"/>
             <a:ext cx="1440000" cy="288000"/>
           </a:xfrm>
           <a:prstGeom prst="rect">
@@ -9642,7 +9642,7 @@
         </p:nvSpPr>
         <p:spPr bwMode="auto">
           <a:xfrm>
-            <a:off x="2000439" y="4715168"/>
+            <a:off x="2000439" y="4780484"/>
             <a:ext cx="1440000" cy="288000"/>
           </a:xfrm>
           <a:prstGeom prst="rect">
@@ -9688,7 +9688,7 @@
         </p:nvSpPr>
         <p:spPr bwMode="auto">
           <a:xfrm>
-            <a:off x="2000439" y="5108381"/>
+            <a:off x="2000439" y="5173697"/>
             <a:ext cx="1440000" cy="288000"/>
           </a:xfrm>
           <a:prstGeom prst="rect">
@@ -9791,7 +9791,7 @@
         </p:nvSpPr>
         <p:spPr bwMode="auto">
           <a:xfrm>
-            <a:off x="3904633" y="5907995"/>
+            <a:off x="3904633" y="5973311"/>
             <a:ext cx="2881318" cy="468000"/>
           </a:xfrm>
           <a:prstGeom prst="roundRect">
@@ -9910,7 +9910,7 @@
         </p:nvSpPr>
         <p:spPr bwMode="auto">
           <a:xfrm>
-            <a:off x="1037018" y="5477320"/>
+            <a:off x="1037018" y="5542636"/>
             <a:ext cx="647700" cy="276225"/>
           </a:xfrm>
           <a:prstGeom prst="rect">
@@ -9952,7 +9952,7 @@
         </p:nvSpPr>
         <p:spPr bwMode="auto">
           <a:xfrm>
-            <a:off x="1036552" y="5081263"/>
+            <a:off x="1036552" y="5146579"/>
             <a:ext cx="647700" cy="277812"/>
           </a:xfrm>
           <a:prstGeom prst="rect">
@@ -9994,7 +9994,7 @@
         </p:nvSpPr>
         <p:spPr bwMode="auto">
           <a:xfrm>
-            <a:off x="922900" y="4688050"/>
+            <a:off x="922900" y="4753366"/>
             <a:ext cx="761818" cy="277812"/>
           </a:xfrm>
           <a:prstGeom prst="rect">
@@ -10036,7 +10036,7 @@
         </p:nvSpPr>
         <p:spPr bwMode="auto">
           <a:xfrm>
-            <a:off x="1036552" y="4289259"/>
+            <a:off x="1036552" y="4354575"/>
             <a:ext cx="647700" cy="276225"/>
           </a:xfrm>
           <a:prstGeom prst="rect">
@@ -10078,7 +10078,7 @@
         </p:nvSpPr>
         <p:spPr bwMode="auto">
           <a:xfrm>
-            <a:off x="1036552" y="3501501"/>
+            <a:off x="1036552" y="3566817"/>
             <a:ext cx="647700" cy="276225"/>
           </a:xfrm>
           <a:prstGeom prst="rect">
@@ -10267,7 +10267,7 @@
         </p:nvGrpSpPr>
         <p:grpSpPr>
           <a:xfrm>
-            <a:off x="1854380" y="5516214"/>
+            <a:off x="1854380" y="5581530"/>
             <a:ext cx="144462" cy="258762"/>
             <a:chOff x="4487395" y="5226823"/>
             <a:chExt cx="144462" cy="258762"/>
@@ -10459,7 +10459,7 @@
         </p:nvSpPr>
         <p:spPr bwMode="auto">
           <a:xfrm>
-            <a:off x="5847726" y="3560991"/>
+            <a:off x="5847726" y="3626307"/>
             <a:ext cx="936625" cy="207962"/>
           </a:xfrm>
           <a:prstGeom prst="rect">
@@ -10525,7 +10525,7 @@
         </p:nvSpPr>
         <p:spPr bwMode="auto">
           <a:xfrm>
-            <a:off x="3904634" y="3535529"/>
+            <a:off x="3904634" y="3600845"/>
             <a:ext cx="1944687" cy="288000"/>
           </a:xfrm>
           <a:prstGeom prst="roundRect">
@@ -10578,7 +10578,7 @@
         </p:nvSpPr>
         <p:spPr bwMode="auto">
           <a:xfrm>
-            <a:off x="5849326" y="4746455"/>
+            <a:off x="5849326" y="4811771"/>
             <a:ext cx="936625" cy="215900"/>
           </a:xfrm>
           <a:prstGeom prst="rect">
@@ -10644,7 +10644,7 @@
         </p:nvSpPr>
         <p:spPr bwMode="auto">
           <a:xfrm>
-            <a:off x="3904639" y="4715168"/>
+            <a:off x="3904639" y="4780484"/>
             <a:ext cx="1944687" cy="288000"/>
           </a:xfrm>
           <a:prstGeom prst="roundRect">
@@ -10697,7 +10697,7 @@
         </p:nvSpPr>
         <p:spPr bwMode="auto">
           <a:xfrm>
-            <a:off x="5847728" y="5144431"/>
+            <a:off x="5847728" y="5209747"/>
             <a:ext cx="936625" cy="215900"/>
           </a:xfrm>
           <a:prstGeom prst="rect">
@@ -10763,7 +10763,7 @@
         </p:nvSpPr>
         <p:spPr bwMode="auto">
           <a:xfrm>
-            <a:off x="3904639" y="5108381"/>
+            <a:off x="3904639" y="5173697"/>
             <a:ext cx="1944687" cy="288000"/>
           </a:xfrm>
           <a:prstGeom prst="roundRect">
@@ -11001,7 +11001,7 @@
         </p:nvSpPr>
         <p:spPr bwMode="auto">
           <a:xfrm>
-            <a:off x="5847727" y="5537645"/>
+            <a:off x="5847727" y="5602961"/>
             <a:ext cx="936625" cy="215900"/>
           </a:xfrm>
           <a:prstGeom prst="rect">
@@ -11067,7 +11067,7 @@
         </p:nvSpPr>
         <p:spPr bwMode="auto">
           <a:xfrm>
-            <a:off x="3904639" y="5501595"/>
+            <a:off x="3904639" y="5566911"/>
             <a:ext cx="1944687" cy="288000"/>
           </a:xfrm>
           <a:prstGeom prst="roundRect">
@@ -11422,7 +11422,7 @@
         </p:nvSpPr>
         <p:spPr bwMode="auto">
           <a:xfrm>
-            <a:off x="3904639" y="3928742"/>
+            <a:off x="3904639" y="3994058"/>
             <a:ext cx="1944687" cy="288000"/>
           </a:xfrm>
           <a:prstGeom prst="roundRect">
@@ -11475,7 +11475,7 @@
         </p:nvSpPr>
         <p:spPr bwMode="auto">
           <a:xfrm>
-            <a:off x="3904633" y="4321955"/>
+            <a:off x="3904633" y="4387271"/>
             <a:ext cx="1944687" cy="288000"/>
           </a:xfrm>
           <a:prstGeom prst="roundRect">
@@ -11594,7 +11594,7 @@
         </p:nvSpPr>
         <p:spPr bwMode="auto">
           <a:xfrm>
-            <a:off x="5847729" y="3968761"/>
+            <a:off x="5847729" y="4034077"/>
             <a:ext cx="936625" cy="207962"/>
           </a:xfrm>
           <a:prstGeom prst="rect">
@@ -11660,7 +11660,7 @@
         </p:nvSpPr>
         <p:spPr bwMode="auto">
           <a:xfrm>
-            <a:off x="5849326" y="4348479"/>
+            <a:off x="5849326" y="4413795"/>
             <a:ext cx="936625" cy="215900"/>
           </a:xfrm>
           <a:prstGeom prst="rect">
@@ -11766,7 +11766,7 @@
         </p:nvSpPr>
         <p:spPr bwMode="auto">
           <a:xfrm>
-            <a:off x="2000439" y="3928742"/>
+            <a:off x="2000439" y="3994058"/>
             <a:ext cx="1440000" cy="288000"/>
           </a:xfrm>
           <a:prstGeom prst="rect">
@@ -11812,7 +11812,7 @@
         </p:nvGrpSpPr>
         <p:grpSpPr>
           <a:xfrm>
-            <a:off x="1854380" y="5123000"/>
+            <a:off x="1854380" y="5188316"/>
             <a:ext cx="144462" cy="258762"/>
             <a:chOff x="4487395" y="5226823"/>
             <a:chExt cx="144462" cy="258762"/>
@@ -11951,7 +11951,7 @@
         </p:nvGrpSpPr>
         <p:grpSpPr>
           <a:xfrm>
-            <a:off x="1854380" y="4729787"/>
+            <a:off x="1854380" y="4795103"/>
             <a:ext cx="144462" cy="258762"/>
             <a:chOff x="4487395" y="5226823"/>
             <a:chExt cx="144462" cy="258762"/>
@@ -12090,7 +12090,7 @@
         </p:nvGrpSpPr>
         <p:grpSpPr>
           <a:xfrm>
-            <a:off x="1854380" y="4330203"/>
+            <a:off x="1854380" y="4395519"/>
             <a:ext cx="144462" cy="258762"/>
             <a:chOff x="4487395" y="5226823"/>
             <a:chExt cx="144462" cy="258762"/>
@@ -12229,7 +12229,7 @@
         </p:nvGrpSpPr>
         <p:grpSpPr>
           <a:xfrm>
-            <a:off x="1854380" y="3944512"/>
+            <a:off x="1854380" y="4009828"/>
             <a:ext cx="144462" cy="258762"/>
             <a:chOff x="4487395" y="5226823"/>
             <a:chExt cx="144462" cy="258762"/>
@@ -12368,7 +12368,7 @@
         </p:nvGrpSpPr>
         <p:grpSpPr>
           <a:xfrm>
-            <a:off x="1854380" y="3557768"/>
+            <a:off x="1854380" y="3623084"/>
             <a:ext cx="144462" cy="258762"/>
             <a:chOff x="4487395" y="5226823"/>
             <a:chExt cx="144462" cy="258762"/>
@@ -13136,7 +13136,7 @@
         </p:nvCxnSpPr>
         <p:spPr>
           <a:xfrm flipH="1">
-            <a:off x="3440439" y="3679529"/>
+            <a:off x="3440439" y="3744845"/>
             <a:ext cx="464195" cy="3267"/>
           </a:xfrm>
           <a:prstGeom prst="straightConnector1">
@@ -13177,7 +13177,7 @@
         </p:nvCxnSpPr>
         <p:spPr>
           <a:xfrm flipH="1">
-            <a:off x="3440439" y="4072742"/>
+            <a:off x="3440439" y="4138058"/>
             <a:ext cx="464200" cy="0"/>
           </a:xfrm>
           <a:prstGeom prst="straightConnector1">
@@ -13218,7 +13218,7 @@
         </p:nvCxnSpPr>
         <p:spPr>
           <a:xfrm flipH="1" flipV="1">
-            <a:off x="3440439" y="4455111"/>
+            <a:off x="3440439" y="4520427"/>
             <a:ext cx="464194" cy="10844"/>
           </a:xfrm>
           <a:prstGeom prst="straightConnector1">
@@ -13259,7 +13259,7 @@
         </p:nvCxnSpPr>
         <p:spPr>
           <a:xfrm flipH="1">
-            <a:off x="3440439" y="5645595"/>
+            <a:off x="3440439" y="5710911"/>
             <a:ext cx="464200" cy="1025"/>
           </a:xfrm>
           <a:prstGeom prst="straightConnector1">
@@ -13300,7 +13300,7 @@
         </p:nvCxnSpPr>
         <p:spPr>
           <a:xfrm flipH="1">
-            <a:off x="3440439" y="5252381"/>
+            <a:off x="3440439" y="5317697"/>
             <a:ext cx="464200" cy="0"/>
           </a:xfrm>
           <a:prstGeom prst="straightConnector1">
@@ -13341,7 +13341,7 @@
         </p:nvCxnSpPr>
         <p:spPr>
           <a:xfrm flipH="1">
-            <a:off x="3440439" y="4859168"/>
+            <a:off x="3440439" y="4924484"/>
             <a:ext cx="464200" cy="0"/>
           </a:xfrm>
           <a:prstGeom prst="straightConnector1">
@@ -13569,7 +13569,7 @@
         </p:nvSpPr>
         <p:spPr bwMode="auto">
           <a:xfrm>
-            <a:off x="7455114" y="3527825"/>
+            <a:off x="7455114" y="3593141"/>
             <a:ext cx="2134866" cy="288000"/>
           </a:xfrm>
           <a:prstGeom prst="roundRect">
@@ -13691,7 +13691,7 @@
         </p:nvSpPr>
         <p:spPr bwMode="auto">
           <a:xfrm>
-            <a:off x="7455129" y="4710074"/>
+            <a:off x="7455129" y="4775390"/>
             <a:ext cx="2134866" cy="288000"/>
           </a:xfrm>
           <a:prstGeom prst="roundRect">
@@ -13799,7 +13799,7 @@
         </p:nvSpPr>
         <p:spPr bwMode="auto">
           <a:xfrm>
-            <a:off x="7455129" y="5497757"/>
+            <a:off x="7455129" y="5563073"/>
             <a:ext cx="2134866" cy="288000"/>
           </a:xfrm>
           <a:prstGeom prst="roundRect">
@@ -13983,7 +13983,7 @@
         </p:nvCxnSpPr>
         <p:spPr>
           <a:xfrm flipH="1" flipV="1">
-            <a:off x="6784351" y="3664972"/>
+            <a:off x="6784351" y="3730288"/>
             <a:ext cx="670763" cy="6853"/>
           </a:xfrm>
           <a:prstGeom prst="straightConnector1">
@@ -14023,7 +14023,7 @@
         </p:nvCxnSpPr>
         <p:spPr>
           <a:xfrm flipH="1">
-            <a:off x="6785951" y="4854074"/>
+            <a:off x="6785951" y="4919390"/>
             <a:ext cx="669178" cy="331"/>
           </a:xfrm>
           <a:prstGeom prst="straightConnector1">
@@ -14063,7 +14063,7 @@
         </p:nvCxnSpPr>
         <p:spPr>
           <a:xfrm flipH="1">
-            <a:off x="6784352" y="5641757"/>
+            <a:off x="6784352" y="5707073"/>
             <a:ext cx="670777" cy="3838"/>
           </a:xfrm>
           <a:prstGeom prst="straightConnector1">
@@ -14157,7 +14157,7 @@
         </p:nvCxnSpPr>
         <p:spPr>
           <a:xfrm flipH="1" flipV="1">
-            <a:off x="6785951" y="4456429"/>
+            <a:off x="6785951" y="4521745"/>
             <a:ext cx="669178" cy="397645"/>
           </a:xfrm>
           <a:prstGeom prst="straightConnector1">
@@ -14203,7 +14203,7 @@
         </p:nvCxnSpPr>
         <p:spPr>
           <a:xfrm flipH="1">
-            <a:off x="6784353" y="4854074"/>
+            <a:off x="6784353" y="4919390"/>
             <a:ext cx="670762" cy="398307"/>
           </a:xfrm>
           <a:prstGeom prst="straightConnector1">
@@ -14246,7 +14246,7 @@
         </p:nvSpPr>
         <p:spPr bwMode="auto">
           <a:xfrm>
-            <a:off x="3904633" y="3146894"/>
+            <a:off x="3904633" y="3172020"/>
             <a:ext cx="1944687" cy="288000"/>
           </a:xfrm>
           <a:prstGeom prst="roundRect">
@@ -14302,15 +14302,15 @@
           </p:cNvPr>
           <p:cNvCxnSpPr>
             <a:cxnSpLocks/>
-            <a:stCxn id="200" idx="1"/>
-            <a:endCxn id="142" idx="3"/>
+            <a:stCxn id="96" idx="2"/>
+            <a:endCxn id="200" idx="0"/>
           </p:cNvCxnSpPr>
           <p:nvPr/>
         </p:nvCxnSpPr>
         <p:spPr>
-          <a:xfrm flipH="1" flipV="1">
-            <a:off x="3440439" y="2887254"/>
-            <a:ext cx="464194" cy="403640"/>
+          <a:xfrm flipH="1">
+            <a:off x="4876977" y="3031254"/>
+            <a:ext cx="2" cy="140766"/>
           </a:xfrm>
           <a:prstGeom prst="straightConnector1">
             <a:avLst/>
@@ -14319,56 +14319,8 @@
             <a:solidFill>
               <a:schemeClr val="tx1"/>
             </a:solidFill>
-            <a:headEnd type="triangle" w="med" len="lg"/>
-            <a:tailEnd type="triangle" w="med" len="lg"/>
-          </a:ln>
-          <a:effectLst/>
-        </p:spPr>
-        <p:style>
-          <a:lnRef idx="2">
-            <a:schemeClr val="accent1"/>
-          </a:lnRef>
-          <a:fillRef idx="0">
-            <a:schemeClr val="accent1"/>
-          </a:fillRef>
-          <a:effectRef idx="1">
-            <a:schemeClr val="accent1"/>
-          </a:effectRef>
-          <a:fontRef idx="minor">
-            <a:schemeClr val="tx1"/>
-          </a:fontRef>
-        </p:style>
-      </p:cxnSp>
-      <p:cxnSp>
-        <p:nvCxnSpPr>
-          <p:cNvPr id="205" name="Straight Arrow Connector 204">
-            <a:extLst>
-              <a:ext uri="{FF2B5EF4-FFF2-40B4-BE49-F238E27FC236}">
-                <a16:creationId xmlns:a16="http://schemas.microsoft.com/office/drawing/2014/main" id="{D06FF7D4-822E-47C9-8D6C-60339087DAFF}"/>
-              </a:ext>
-            </a:extLst>
-          </p:cNvPr>
-          <p:cNvCxnSpPr>
-            <a:cxnSpLocks/>
-            <a:stCxn id="200" idx="1"/>
-            <a:endCxn id="7" idx="3"/>
-          </p:cNvCxnSpPr>
-          <p:nvPr/>
-        </p:nvCxnSpPr>
-        <p:spPr>
-          <a:xfrm flipH="1">
-            <a:off x="3440439" y="3290894"/>
-            <a:ext cx="464194" cy="391902"/>
-          </a:xfrm>
-          <a:prstGeom prst="straightConnector1">
-            <a:avLst/>
-          </a:prstGeom>
-          <a:ln w="31750">
-            <a:solidFill>
-              <a:schemeClr val="tx1"/>
-            </a:solidFill>
-            <a:headEnd type="triangle" w="med" len="lg"/>
-            <a:tailEnd type="triangle" w="med" len="lg"/>
+            <a:headEnd type="triangle" w="sm" len="med"/>
+            <a:tailEnd type="none" w="sm" len="sm"/>
           </a:ln>
           <a:effectLst/>
         </p:spPr>
@@ -14401,7 +14353,7 @@
         </p:nvSpPr>
         <p:spPr bwMode="auto">
           <a:xfrm>
-            <a:off x="5847725" y="3186433"/>
+            <a:off x="5847725" y="3211559"/>
             <a:ext cx="936625" cy="207962"/>
           </a:xfrm>
           <a:prstGeom prst="rect">
@@ -14478,7 +14430,7 @@
         <p:spPr>
           <a:xfrm flipH="1">
             <a:off x="6784350" y="2487726"/>
-            <a:ext cx="670779" cy="802688"/>
+            <a:ext cx="670779" cy="827814"/>
           </a:xfrm>
           <a:prstGeom prst="straightConnector1">
             <a:avLst/>
@@ -14488,6 +14440,54 @@
               <a:schemeClr val="tx1"/>
             </a:solidFill>
             <a:tailEnd type="triangle" w="med" len="lg"/>
+          </a:ln>
+          <a:effectLst/>
+        </p:spPr>
+        <p:style>
+          <a:lnRef idx="2">
+            <a:schemeClr val="accent1"/>
+          </a:lnRef>
+          <a:fillRef idx="0">
+            <a:schemeClr val="accent1"/>
+          </a:fillRef>
+          <a:effectRef idx="1">
+            <a:schemeClr val="accent1"/>
+          </a:effectRef>
+          <a:fontRef idx="minor">
+            <a:schemeClr val="tx1"/>
+          </a:fontRef>
+        </p:style>
+      </p:cxnSp>
+      <p:cxnSp>
+        <p:nvCxnSpPr>
+          <p:cNvPr id="125" name="Straight Arrow Connector 124">
+            <a:extLst>
+              <a:ext uri="{FF2B5EF4-FFF2-40B4-BE49-F238E27FC236}">
+                <a16:creationId xmlns:a16="http://schemas.microsoft.com/office/drawing/2014/main" id="{B1A3C41E-9002-491A-B308-429E586C8F83}"/>
+              </a:ext>
+            </a:extLst>
+          </p:cNvPr>
+          <p:cNvCxnSpPr>
+            <a:cxnSpLocks/>
+            <a:stCxn id="26" idx="0"/>
+            <a:endCxn id="200" idx="2"/>
+          </p:cNvCxnSpPr>
+          <p:nvPr/>
+        </p:nvCxnSpPr>
+        <p:spPr>
+          <a:xfrm flipH="1" flipV="1">
+            <a:off x="4876977" y="3460020"/>
+            <a:ext cx="1" cy="140825"/>
+          </a:xfrm>
+          <a:prstGeom prst="straightConnector1">
+            <a:avLst/>
+          </a:prstGeom>
+          <a:ln w="31750">
+            <a:solidFill>
+              <a:schemeClr val="tx1"/>
+            </a:solidFill>
+            <a:headEnd type="triangle" w="sm" len="med"/>
+            <a:tailEnd type="none" w="sm" len="sm"/>
           </a:ln>
           <a:effectLst/>
         </p:spPr>
@@ -15497,21 +15497,12 @@
 </file>
 
 <file path=customXml/item1.xml><?xml version="1.0" encoding="utf-8"?>
-<p:properties xmlns:p="http://schemas.microsoft.com/office/2006/metadata/properties" xmlns:xsi="http://www.w3.org/2001/XMLSchema-instance">
-  <documentManagement>
-    <AlternateThumbnailUrl xmlns="http://schemas.microsoft.com/sharepoint/v3">
-      <Url xsi:nil="true"/>
-      <Description xsi:nil="true"/>
-    </AlternateThumbnailUrl>
-    <ImageCreateDate xmlns="http://schemas.microsoft.com/sharepoint/v3" xsi:nil="true"/>
-    <Description xmlns="http://schemas.microsoft.com/sharepoint/v3" xsi:nil="true"/>
-    <_dlc_DocId xmlns="f2ad5090-61a8-4b8c-ab70-68f4ff4d1933">ARM-ECM-0151353</_dlc_DocId>
-    <_dlc_DocIdUrl xmlns="f2ad5090-61a8-4b8c-ab70-68f4ff4d1933">
-      <Url>http://teamsites.arm.com/sites/marketing/branding/_layouts/DocIdRedir.aspx?ID=ARM-ECM-0151353</Url>
-      <Description>ARM-ECM-0151353</Description>
-    </_dlc_DocIdUrl>
-  </documentManagement>
-</p:properties>
+<?mso-contentType ?>
+<FormTemplates xmlns="http://schemas.microsoft.com/sharepoint/v3/contenttype/forms">
+  <Display>DocumentLibraryForm</Display>
+  <Edit>DocumentLibraryForm</Edit>
+  <New>DocumentLibraryForm</New>
+</FormTemplates>
 </file>
 
 <file path=customXml/item2.xml><?xml version="1.0" encoding="utf-8"?>
@@ -15716,12 +15707,21 @@
 </file>
 
 <file path=customXml/item3.xml><?xml version="1.0" encoding="utf-8"?>
-<?mso-contentType ?>
-<FormTemplates xmlns="http://schemas.microsoft.com/sharepoint/v3/contenttype/forms">
-  <Display>DocumentLibraryForm</Display>
-  <Edit>DocumentLibraryForm</Edit>
-  <New>DocumentLibraryForm</New>
-</FormTemplates>
+<p:properties xmlns:p="http://schemas.microsoft.com/office/2006/metadata/properties" xmlns:xsi="http://www.w3.org/2001/XMLSchema-instance">
+  <documentManagement>
+    <AlternateThumbnailUrl xmlns="http://schemas.microsoft.com/sharepoint/v3">
+      <Url xsi:nil="true"/>
+      <Description xsi:nil="true"/>
+    </AlternateThumbnailUrl>
+    <ImageCreateDate xmlns="http://schemas.microsoft.com/sharepoint/v3" xsi:nil="true"/>
+    <Description xmlns="http://schemas.microsoft.com/sharepoint/v3" xsi:nil="true"/>
+    <_dlc_DocId xmlns="f2ad5090-61a8-4b8c-ab70-68f4ff4d1933">ARM-ECM-0151353</_dlc_DocId>
+    <_dlc_DocIdUrl xmlns="f2ad5090-61a8-4b8c-ab70-68f4ff4d1933">
+      <Url>http://teamsites.arm.com/sites/marketing/branding/_layouts/DocIdRedir.aspx?ID=ARM-ECM-0151353</Url>
+      <Description>ARM-ECM-0151353</Description>
+    </_dlc_DocIdUrl>
+  </documentManagement>
+</p:properties>
 </file>
 
 <file path=customXml/item4.xml><?xml version="1.0" encoding="utf-8"?>
@@ -15771,18 +15771,9 @@
 </file>
 
 <file path=customXml/itemProps1.xml><?xml version="1.0" encoding="utf-8"?>
-<ds:datastoreItem xmlns:ds="http://schemas.openxmlformats.org/officeDocument/2006/customXml" ds:itemID="{AE6E82D6-7FB8-4D99-A7B6-3C5BB1D894B9}">
+<ds:datastoreItem xmlns:ds="http://schemas.openxmlformats.org/officeDocument/2006/customXml" ds:itemID="{9C777C69-0744-4BF3-8514-FB149EBD2248}">
   <ds:schemaRefs>
-    <ds:schemaRef ds:uri="http://schemas.microsoft.com/office/2006/metadata/properties"/>
-    <ds:schemaRef ds:uri="http://schemas.openxmlformats.org/package/2006/metadata/core-properties"/>
-    <ds:schemaRef ds:uri="http://schemas.microsoft.com/office/2006/documentManagement/types"/>
-    <ds:schemaRef ds:uri="http://purl.org/dc/dcmitype/"/>
-    <ds:schemaRef ds:uri="http://purl.org/dc/elements/1.1/"/>
-    <ds:schemaRef ds:uri="http://schemas.microsoft.com/office/infopath/2007/PartnerControls"/>
-    <ds:schemaRef ds:uri="f2ad5090-61a8-4b8c-ab70-68f4ff4d1933"/>
-    <ds:schemaRef ds:uri="http://purl.org/dc/terms/"/>
-    <ds:schemaRef ds:uri="http://schemas.microsoft.com/sharepoint/v3"/>
-    <ds:schemaRef ds:uri="http://www.w3.org/XML/1998/namespace"/>
+    <ds:schemaRef ds:uri="http://schemas.microsoft.com/sharepoint/v3/contenttype/forms"/>
   </ds:schemaRefs>
 </ds:datastoreItem>
 </file>
@@ -15807,9 +15798,18 @@
 </file>
 
 <file path=customXml/itemProps3.xml><?xml version="1.0" encoding="utf-8"?>
-<ds:datastoreItem xmlns:ds="http://schemas.openxmlformats.org/officeDocument/2006/customXml" ds:itemID="{9C777C69-0744-4BF3-8514-FB149EBD2248}">
+<ds:datastoreItem xmlns:ds="http://schemas.openxmlformats.org/officeDocument/2006/customXml" ds:itemID="{AE6E82D6-7FB8-4D99-A7B6-3C5BB1D894B9}">
   <ds:schemaRefs>
-    <ds:schemaRef ds:uri="http://schemas.microsoft.com/sharepoint/v3/contenttype/forms"/>
+    <ds:schemaRef ds:uri="http://schemas.microsoft.com/office/2006/metadata/properties"/>
+    <ds:schemaRef ds:uri="http://schemas.openxmlformats.org/package/2006/metadata/core-properties"/>
+    <ds:schemaRef ds:uri="http://schemas.microsoft.com/office/2006/documentManagement/types"/>
+    <ds:schemaRef ds:uri="http://purl.org/dc/dcmitype/"/>
+    <ds:schemaRef ds:uri="http://purl.org/dc/elements/1.1/"/>
+    <ds:schemaRef ds:uri="http://schemas.microsoft.com/office/infopath/2007/PartnerControls"/>
+    <ds:schemaRef ds:uri="f2ad5090-61a8-4b8c-ab70-68f4ff4d1933"/>
+    <ds:schemaRef ds:uri="http://purl.org/dc/terms/"/>
+    <ds:schemaRef ds:uri="http://schemas.microsoft.com/sharepoint/v3"/>
+    <ds:schemaRef ds:uri="http://www.w3.org/XML/1998/namespace"/>
   </ds:schemaRefs>
 </ds:datastoreItem>
 </file>

--- a/CMSIS/DoxyGen/Driver/src/images/driver.pptx
+++ b/CMSIS/DoxyGen/Driver/src/images/driver.pptx
@@ -119,11 +119,6 @@
             <a:srgbClr val="A4A3A4"/>
           </p15:clr>
         </p15:guide>
-        <p15:guide id="2" orient="horz" pos="501">
-          <p15:clr>
-            <a:srgbClr val="A4A3A4"/>
-          </p15:clr>
-        </p15:guide>
         <p15:guide id="3" orient="horz" pos="1999">
           <p15:clr>
             <a:srgbClr val="A4A3A4"/>
@@ -261,7 +256,7 @@
             <a:fld id="{E72D30EF-8F20-0B47-8B5D-39A8BC29E860}" type="datetimeFigureOut">
               <a:rPr lang="en-US" smtClean="0"/>
               <a:pPr/>
-              <a:t>11/20/2019</a:t>
+              <a:t>11/21/2019</a:t>
             </a:fld>
             <a:endParaRPr lang="en-US"/>
           </a:p>
@@ -429,7 +424,7 @@
             <a:fld id="{77EDD36E-1E02-F241-9611-1F1D9EAAD326}" type="datetimeFigureOut">
               <a:rPr lang="en-US" smtClean="0"/>
               <a:pPr/>
-              <a:t>11/20/2019</a:t>
+              <a:t>11/21/2019</a:t>
             </a:fld>
             <a:endParaRPr lang="en-US"/>
           </a:p>
@@ -9295,8 +9290,8 @@
         </p:nvSpPr>
         <p:spPr>
           <a:xfrm>
-            <a:off x="3672535" y="317699"/>
-            <a:ext cx="6170711" cy="6408000"/>
+            <a:off x="3672535" y="393853"/>
+            <a:ext cx="6170711" cy="6331846"/>
           </a:xfrm>
           <a:prstGeom prst="rect">
             <a:avLst/>
@@ -9358,8 +9353,8 @@
         </p:nvSpPr>
         <p:spPr bwMode="auto">
           <a:xfrm>
-            <a:off x="1998841" y="1423536"/>
-            <a:ext cx="1440000" cy="4464050"/>
+            <a:off x="1998841" y="393853"/>
+            <a:ext cx="1440000" cy="5701231"/>
           </a:xfrm>
           <a:prstGeom prst="rect">
             <a:avLst/>
@@ -9390,16 +9385,22 @@
           </a:fontRef>
         </p:style>
         <p:txBody>
-          <a:bodyPr anchor="ctr"/>
+          <a:bodyPr anchor="t"/>
           <a:lstStyle/>
           <a:p>
-            <a:pPr algn="r">
+            <a:pPr algn="ctr">
               <a:defRPr/>
             </a:pPr>
-            <a:endParaRPr lang="en-GB" dirty="0">
-              <a:latin typeface="Calibri" panose="020F0502020204030204" pitchFamily="34" charset="0"/>
-              <a:cs typeface="Calibri" panose="020F0502020204030204" pitchFamily="34" charset="0"/>
-            </a:endParaRPr>
+            <a:r>
+              <a:rPr lang="en-GB" sz="2000" b="1" dirty="0">
+                <a:solidFill>
+                  <a:schemeClr val="tx1"/>
+                </a:solidFill>
+                <a:latin typeface="Calibri" panose="020F0502020204030204" pitchFamily="34" charset="0"/>
+                <a:cs typeface="Calibri" panose="020F0502020204030204" pitchFamily="34" charset="0"/>
+              </a:rPr>
+              <a:t>Device</a:t>
+            </a:r>
           </a:p>
         </p:txBody>
       </p:sp>
@@ -9411,7 +9412,7 @@
         </p:nvSpPr>
         <p:spPr bwMode="auto">
           <a:xfrm>
-            <a:off x="2000439" y="3604112"/>
+            <a:off x="2000439" y="3762862"/>
             <a:ext cx="1440000" cy="288000"/>
           </a:xfrm>
           <a:prstGeom prst="rect">
@@ -9458,7 +9459,7 @@
         </p:nvSpPr>
         <p:spPr bwMode="auto">
           <a:xfrm>
-            <a:off x="2000439" y="4376427"/>
+            <a:off x="2000439" y="4535177"/>
             <a:ext cx="1440000" cy="288000"/>
           </a:xfrm>
           <a:prstGeom prst="rect">
@@ -9504,7 +9505,7 @@
         </p:nvSpPr>
         <p:spPr bwMode="auto">
           <a:xfrm>
-            <a:off x="2000439" y="5567936"/>
+            <a:off x="2000439" y="5726686"/>
             <a:ext cx="1440000" cy="288000"/>
           </a:xfrm>
           <a:prstGeom prst="rect">
@@ -9550,7 +9551,7 @@
         </p:nvSpPr>
         <p:spPr bwMode="auto">
           <a:xfrm>
-            <a:off x="2000439" y="1569464"/>
+            <a:off x="2000439" y="1493264"/>
             <a:ext cx="1440000" cy="288000"/>
           </a:xfrm>
           <a:prstGeom prst="rect">
@@ -9596,7 +9597,7 @@
         </p:nvSpPr>
         <p:spPr bwMode="auto">
           <a:xfrm>
-            <a:off x="2000439" y="1956806"/>
+            <a:off x="2000439" y="1880606"/>
             <a:ext cx="1440000" cy="288000"/>
           </a:xfrm>
           <a:prstGeom prst="rect">
@@ -9642,7 +9643,7 @@
         </p:nvSpPr>
         <p:spPr bwMode="auto">
           <a:xfrm>
-            <a:off x="2000439" y="4780484"/>
+            <a:off x="2000439" y="4939234"/>
             <a:ext cx="1440000" cy="288000"/>
           </a:xfrm>
           <a:prstGeom prst="rect">
@@ -9688,7 +9689,7 @@
         </p:nvSpPr>
         <p:spPr bwMode="auto">
           <a:xfrm>
-            <a:off x="2000439" y="5173697"/>
+            <a:off x="2000439" y="5332447"/>
             <a:ext cx="1440000" cy="288000"/>
           </a:xfrm>
           <a:prstGeom prst="rect">
@@ -9734,8 +9735,8 @@
         </p:nvSpPr>
         <p:spPr bwMode="auto">
           <a:xfrm>
-            <a:off x="3798274" y="794657"/>
-            <a:ext cx="3095625" cy="5761038"/>
+            <a:off x="3798274" y="794656"/>
+            <a:ext cx="3095625" cy="5860143"/>
           </a:xfrm>
           <a:prstGeom prst="roundRect">
             <a:avLst>
@@ -9791,7 +9792,7 @@
         </p:nvSpPr>
         <p:spPr bwMode="auto">
           <a:xfrm>
-            <a:off x="3904633" y="5973311"/>
+            <a:off x="3904633" y="6106118"/>
             <a:ext cx="2881318" cy="468000"/>
           </a:xfrm>
           <a:prstGeom prst="roundRect">
@@ -9864,7 +9865,7 @@
         </p:nvSpPr>
         <p:spPr bwMode="auto">
           <a:xfrm>
-            <a:off x="2000439" y="2350041"/>
+            <a:off x="2000439" y="2273841"/>
             <a:ext cx="1440000" cy="288000"/>
           </a:xfrm>
           <a:prstGeom prst="rect">
@@ -9910,7 +9911,7 @@
         </p:nvSpPr>
         <p:spPr bwMode="auto">
           <a:xfrm>
-            <a:off x="1037018" y="5542636"/>
+            <a:off x="1180708" y="5727710"/>
             <a:ext cx="647700" cy="276225"/>
           </a:xfrm>
           <a:prstGeom prst="rect">
@@ -9952,7 +9953,7 @@
         </p:nvSpPr>
         <p:spPr bwMode="auto">
           <a:xfrm>
-            <a:off x="1036552" y="5146579"/>
+            <a:off x="1180242" y="5332447"/>
             <a:ext cx="647700" cy="277812"/>
           </a:xfrm>
           <a:prstGeom prst="rect">
@@ -9994,7 +9995,7 @@
         </p:nvSpPr>
         <p:spPr bwMode="auto">
           <a:xfrm>
-            <a:off x="922900" y="4753366"/>
+            <a:off x="1066590" y="4944328"/>
             <a:ext cx="761818" cy="277812"/>
           </a:xfrm>
           <a:prstGeom prst="rect">
@@ -10036,7 +10037,7 @@
         </p:nvSpPr>
         <p:spPr bwMode="auto">
           <a:xfrm>
-            <a:off x="1036552" y="4354575"/>
+            <a:off x="1180242" y="4541064"/>
             <a:ext cx="647700" cy="276225"/>
           </a:xfrm>
           <a:prstGeom prst="rect">
@@ -10078,7 +10079,7 @@
         </p:nvSpPr>
         <p:spPr bwMode="auto">
           <a:xfrm>
-            <a:off x="1036552" y="3566817"/>
+            <a:off x="1179967" y="3776809"/>
             <a:ext cx="647700" cy="276225"/>
           </a:xfrm>
           <a:prstGeom prst="rect">
@@ -10121,7 +10122,7 @@
         </p:nvSpPr>
         <p:spPr bwMode="auto">
           <a:xfrm>
-            <a:off x="1036552" y="1543139"/>
+            <a:off x="1180242" y="1488455"/>
             <a:ext cx="647700" cy="276225"/>
           </a:xfrm>
           <a:prstGeom prst="rect">
@@ -10163,8 +10164,8 @@
         </p:nvSpPr>
         <p:spPr bwMode="auto">
           <a:xfrm>
-            <a:off x="821118" y="1929709"/>
-            <a:ext cx="863600" cy="277813"/>
+            <a:off x="992617" y="1895247"/>
+            <a:ext cx="835790" cy="277813"/>
           </a:xfrm>
           <a:prstGeom prst="rect">
             <a:avLst/>
@@ -10175,7 +10176,7 @@
           </a:ln>
         </p:spPr>
         <p:txBody>
-          <a:bodyPr lIns="216000" rIns="36000">
+          <a:bodyPr wrap="square" lIns="216000" rIns="36000">
             <a:spAutoFit/>
           </a:bodyPr>
           <a:lstStyle/>
@@ -10197,68 +10198,6 @@
           </a:p>
         </p:txBody>
       </p:sp>
-      <p:sp>
-        <p:nvSpPr>
-          <p:cNvPr id="71" name="Rounded Rectangle 70"/>
-          <p:cNvSpPr/>
-          <p:nvPr/>
-        </p:nvSpPr>
-        <p:spPr bwMode="auto">
-          <a:xfrm>
-            <a:off x="1820326" y="762907"/>
-            <a:ext cx="1800225" cy="433388"/>
-          </a:xfrm>
-          <a:prstGeom prst="roundRect">
-            <a:avLst/>
-          </a:prstGeom>
-          <a:noFill/>
-          <a:ln w="12700">
-            <a:noFill/>
-          </a:ln>
-        </p:spPr>
-        <p:style>
-          <a:lnRef idx="2">
-            <a:schemeClr val="accent1">
-              <a:shade val="50000"/>
-            </a:schemeClr>
-          </a:lnRef>
-          <a:fillRef idx="1">
-            <a:schemeClr val="accent1"/>
-          </a:fillRef>
-          <a:effectRef idx="0">
-            <a:schemeClr val="accent1"/>
-          </a:effectRef>
-          <a:fontRef idx="minor">
-            <a:schemeClr val="lt1"/>
-          </a:fontRef>
-        </p:style>
-        <p:txBody>
-          <a:bodyPr anchor="ctr"/>
-          <a:lstStyle/>
-          <a:p>
-            <a:pPr algn="ctr">
-              <a:defRPr/>
-            </a:pPr>
-            <a:r>
-              <a:rPr lang="en-US" sz="1600" b="1" dirty="0">
-                <a:solidFill>
-                  <a:schemeClr val="tx1"/>
-                </a:solidFill>
-                <a:latin typeface="Calibri" panose="020F0502020204030204" pitchFamily="34" charset="0"/>
-                <a:cs typeface="Calibri" panose="020F0502020204030204" pitchFamily="34" charset="0"/>
-              </a:rPr>
-              <a:t>Device</a:t>
-            </a:r>
-            <a:endParaRPr lang="en-GB" sz="1600" b="1" dirty="0">
-              <a:solidFill>
-                <a:schemeClr val="tx1"/>
-              </a:solidFill>
-              <a:latin typeface="Calibri" panose="020F0502020204030204" pitchFamily="34" charset="0"/>
-              <a:cs typeface="Calibri" panose="020F0502020204030204" pitchFamily="34" charset="0"/>
-            </a:endParaRPr>
-          </a:p>
-        </p:txBody>
-      </p:sp>
       <p:grpSp>
         <p:nvGrpSpPr>
           <p:cNvPr id="144" name="Group 143"/>
@@ -10267,7 +10206,7 @@
         </p:nvGrpSpPr>
         <p:grpSpPr>
           <a:xfrm>
-            <a:off x="1854380" y="5581530"/>
+            <a:off x="1854380" y="5740280"/>
             <a:ext cx="144462" cy="258762"/>
             <a:chOff x="4487395" y="5226823"/>
             <a:chExt cx="144462" cy="258762"/>
@@ -10406,7 +10345,7 @@
         </p:nvSpPr>
         <p:spPr bwMode="auto">
           <a:xfrm>
-            <a:off x="3904639" y="1176251"/>
+            <a:off x="3904639" y="1100051"/>
             <a:ext cx="1944687" cy="288000"/>
           </a:xfrm>
           <a:prstGeom prst="roundRect">
@@ -10459,7 +10398,7 @@
         </p:nvSpPr>
         <p:spPr bwMode="auto">
           <a:xfrm>
-            <a:off x="5847726" y="3626307"/>
+            <a:off x="5847726" y="3785057"/>
             <a:ext cx="936625" cy="207962"/>
           </a:xfrm>
           <a:prstGeom prst="rect">
@@ -10525,7 +10464,7 @@
         </p:nvSpPr>
         <p:spPr bwMode="auto">
           <a:xfrm>
-            <a:off x="3904634" y="3600845"/>
+            <a:off x="3904634" y="3759595"/>
             <a:ext cx="1944687" cy="288000"/>
           </a:xfrm>
           <a:prstGeom prst="roundRect">
@@ -10578,7 +10517,7 @@
         </p:nvSpPr>
         <p:spPr bwMode="auto">
           <a:xfrm>
-            <a:off x="5849326" y="4811771"/>
+            <a:off x="5849326" y="4970521"/>
             <a:ext cx="936625" cy="215900"/>
           </a:xfrm>
           <a:prstGeom prst="rect">
@@ -10644,7 +10583,7 @@
         </p:nvSpPr>
         <p:spPr bwMode="auto">
           <a:xfrm>
-            <a:off x="3904639" y="4780484"/>
+            <a:off x="3904639" y="4939234"/>
             <a:ext cx="1944687" cy="288000"/>
           </a:xfrm>
           <a:prstGeom prst="roundRect">
@@ -10697,7 +10636,7 @@
         </p:nvSpPr>
         <p:spPr bwMode="auto">
           <a:xfrm>
-            <a:off x="5847728" y="5209747"/>
+            <a:off x="5847728" y="5368497"/>
             <a:ext cx="936625" cy="215900"/>
           </a:xfrm>
           <a:prstGeom prst="rect">
@@ -10763,7 +10702,7 @@
         </p:nvSpPr>
         <p:spPr bwMode="auto">
           <a:xfrm>
-            <a:off x="3904639" y="5173697"/>
+            <a:off x="3904639" y="5332447"/>
             <a:ext cx="1944687" cy="288000"/>
           </a:xfrm>
           <a:prstGeom prst="roundRect">
@@ -10816,7 +10755,7 @@
         </p:nvSpPr>
         <p:spPr bwMode="auto">
           <a:xfrm>
-            <a:off x="5849320" y="1605514"/>
+            <a:off x="5849320" y="1529314"/>
             <a:ext cx="936625" cy="215900"/>
           </a:xfrm>
           <a:prstGeom prst="rect">
@@ -10882,7 +10821,7 @@
         </p:nvSpPr>
         <p:spPr bwMode="auto">
           <a:xfrm>
-            <a:off x="3904638" y="1569464"/>
+            <a:off x="3904638" y="1493264"/>
             <a:ext cx="1944687" cy="288000"/>
           </a:xfrm>
           <a:prstGeom prst="roundRect">
@@ -10935,7 +10874,7 @@
         </p:nvSpPr>
         <p:spPr bwMode="auto">
           <a:xfrm>
-            <a:off x="5849326" y="1992878"/>
+            <a:off x="5849326" y="1916678"/>
             <a:ext cx="936625" cy="215900"/>
           </a:xfrm>
           <a:prstGeom prst="rect">
@@ -11001,7 +10940,7 @@
         </p:nvSpPr>
         <p:spPr bwMode="auto">
           <a:xfrm>
-            <a:off x="5847727" y="5602961"/>
+            <a:off x="5847727" y="5761711"/>
             <a:ext cx="936625" cy="215900"/>
           </a:xfrm>
           <a:prstGeom prst="rect">
@@ -11067,7 +11006,7 @@
         </p:nvSpPr>
         <p:spPr bwMode="auto">
           <a:xfrm>
-            <a:off x="3904639" y="5566911"/>
+            <a:off x="3904639" y="5725661"/>
             <a:ext cx="1944687" cy="288000"/>
           </a:xfrm>
           <a:prstGeom prst="roundRect">
@@ -11120,7 +11059,7 @@
         </p:nvSpPr>
         <p:spPr bwMode="auto">
           <a:xfrm>
-            <a:off x="3904636" y="1956828"/>
+            <a:off x="3904636" y="1880628"/>
             <a:ext cx="1944687" cy="288000"/>
           </a:xfrm>
           <a:prstGeom prst="roundRect">
@@ -11173,7 +11112,7 @@
         </p:nvSpPr>
         <p:spPr bwMode="auto">
           <a:xfrm>
-            <a:off x="5849319" y="2386091"/>
+            <a:off x="5849319" y="2309891"/>
             <a:ext cx="935037" cy="215900"/>
           </a:xfrm>
           <a:prstGeom prst="rect">
@@ -11239,7 +11178,7 @@
         </p:nvSpPr>
         <p:spPr bwMode="auto">
           <a:xfrm>
-            <a:off x="3904639" y="2350041"/>
+            <a:off x="3904639" y="2273841"/>
             <a:ext cx="1944687" cy="288000"/>
           </a:xfrm>
           <a:prstGeom prst="roundRect">
@@ -11292,7 +11231,7 @@
         </p:nvSpPr>
         <p:spPr bwMode="auto">
           <a:xfrm>
-            <a:off x="5849326" y="1103557"/>
+            <a:off x="5847725" y="1007269"/>
             <a:ext cx="936625" cy="433388"/>
           </a:xfrm>
           <a:prstGeom prst="roundRect">
@@ -11369,7 +11308,7 @@
         </p:nvSpPr>
         <p:spPr bwMode="auto">
           <a:xfrm>
-            <a:off x="3904635" y="2743254"/>
+            <a:off x="3904635" y="2667054"/>
             <a:ext cx="1944687" cy="288000"/>
           </a:xfrm>
           <a:prstGeom prst="roundRect">
@@ -11422,7 +11361,7 @@
         </p:nvSpPr>
         <p:spPr bwMode="auto">
           <a:xfrm>
-            <a:off x="3904639" y="3994058"/>
+            <a:off x="3904639" y="4152808"/>
             <a:ext cx="1944687" cy="288000"/>
           </a:xfrm>
           <a:prstGeom prst="roundRect">
@@ -11475,7 +11414,7 @@
         </p:nvSpPr>
         <p:spPr bwMode="auto">
           <a:xfrm>
-            <a:off x="3904633" y="4387271"/>
+            <a:off x="3904633" y="4546021"/>
             <a:ext cx="1944687" cy="288000"/>
           </a:xfrm>
           <a:prstGeom prst="roundRect">
@@ -11528,7 +11467,7 @@
         </p:nvSpPr>
         <p:spPr bwMode="auto">
           <a:xfrm>
-            <a:off x="5847731" y="2783273"/>
+            <a:off x="5847731" y="2707073"/>
             <a:ext cx="936625" cy="207962"/>
           </a:xfrm>
           <a:prstGeom prst="rect">
@@ -11594,7 +11533,7 @@
         </p:nvSpPr>
         <p:spPr bwMode="auto">
           <a:xfrm>
-            <a:off x="5847729" y="4034077"/>
+            <a:off x="5847729" y="4192827"/>
             <a:ext cx="936625" cy="207962"/>
           </a:xfrm>
           <a:prstGeom prst="rect">
@@ -11660,7 +11599,7 @@
         </p:nvSpPr>
         <p:spPr bwMode="auto">
           <a:xfrm>
-            <a:off x="5849326" y="4413795"/>
+            <a:off x="5849326" y="4572545"/>
             <a:ext cx="936625" cy="215900"/>
           </a:xfrm>
           <a:prstGeom prst="rect">
@@ -11719,7 +11658,7 @@
         </p:nvSpPr>
         <p:spPr bwMode="auto">
           <a:xfrm>
-            <a:off x="2000439" y="2743254"/>
+            <a:off x="2000439" y="2667054"/>
             <a:ext cx="1440000" cy="288000"/>
           </a:xfrm>
           <a:prstGeom prst="rect">
@@ -11766,7 +11705,7 @@
         </p:nvSpPr>
         <p:spPr bwMode="auto">
           <a:xfrm>
-            <a:off x="2000439" y="3994058"/>
+            <a:off x="2000439" y="4152808"/>
             <a:ext cx="1440000" cy="288000"/>
           </a:xfrm>
           <a:prstGeom prst="rect">
@@ -11812,7 +11751,7 @@
         </p:nvGrpSpPr>
         <p:grpSpPr>
           <a:xfrm>
-            <a:off x="1854380" y="5188316"/>
+            <a:off x="1854380" y="5347066"/>
             <a:ext cx="144462" cy="258762"/>
             <a:chOff x="4487395" y="5226823"/>
             <a:chExt cx="144462" cy="258762"/>
@@ -11951,7 +11890,7 @@
         </p:nvGrpSpPr>
         <p:grpSpPr>
           <a:xfrm>
-            <a:off x="1854380" y="4795103"/>
+            <a:off x="1854380" y="4953853"/>
             <a:ext cx="144462" cy="258762"/>
             <a:chOff x="4487395" y="5226823"/>
             <a:chExt cx="144462" cy="258762"/>
@@ -12090,7 +12029,7 @@
         </p:nvGrpSpPr>
         <p:grpSpPr>
           <a:xfrm>
-            <a:off x="1854380" y="4395519"/>
+            <a:off x="1854380" y="4554269"/>
             <a:ext cx="144462" cy="258762"/>
             <a:chOff x="4487395" y="5226823"/>
             <a:chExt cx="144462" cy="258762"/>
@@ -12229,7 +12168,7 @@
         </p:nvGrpSpPr>
         <p:grpSpPr>
           <a:xfrm>
-            <a:off x="1854380" y="4009828"/>
+            <a:off x="1854380" y="4168578"/>
             <a:ext cx="144462" cy="258762"/>
             <a:chOff x="4487395" y="5226823"/>
             <a:chExt cx="144462" cy="258762"/>
@@ -12368,7 +12307,7 @@
         </p:nvGrpSpPr>
         <p:grpSpPr>
           <a:xfrm>
-            <a:off x="1854380" y="3623084"/>
+            <a:off x="1854380" y="3768772"/>
             <a:ext cx="144462" cy="258762"/>
             <a:chOff x="4487395" y="5226823"/>
             <a:chExt cx="144462" cy="258762"/>
@@ -12507,7 +12446,7 @@
         </p:nvGrpSpPr>
         <p:grpSpPr>
           <a:xfrm>
-            <a:off x="1854380" y="2757873"/>
+            <a:off x="1854380" y="2681673"/>
             <a:ext cx="144462" cy="258762"/>
             <a:chOff x="4487395" y="5226823"/>
             <a:chExt cx="144462" cy="258762"/>
@@ -12646,7 +12585,7 @@
         </p:nvGrpSpPr>
         <p:grpSpPr>
           <a:xfrm>
-            <a:off x="1854380" y="1971447"/>
+            <a:off x="1854380" y="1895247"/>
             <a:ext cx="144462" cy="258762"/>
             <a:chOff x="4487395" y="5226823"/>
             <a:chExt cx="144462" cy="258762"/>
@@ -12785,7 +12724,7 @@
         </p:nvGrpSpPr>
         <p:grpSpPr>
           <a:xfrm>
-            <a:off x="1854380" y="1584082"/>
+            <a:off x="1854380" y="1507882"/>
             <a:ext cx="144462" cy="258762"/>
             <a:chOff x="4487395" y="5226823"/>
             <a:chExt cx="144462" cy="258762"/>
@@ -12924,8 +12863,8 @@
         </p:nvSpPr>
         <p:spPr bwMode="auto">
           <a:xfrm>
-            <a:off x="738896" y="2716929"/>
-            <a:ext cx="945356" cy="276999"/>
+            <a:off x="1025727" y="2672554"/>
+            <a:ext cx="802215" cy="276999"/>
           </a:xfrm>
           <a:prstGeom prst="rect">
             <a:avLst/>
@@ -12967,8 +12906,8 @@
         </p:nvSpPr>
         <p:spPr bwMode="auto">
           <a:xfrm>
-            <a:off x="738896" y="3901311"/>
-            <a:ext cx="945356" cy="276999"/>
+            <a:off x="1180241" y="4158308"/>
+            <a:ext cx="647701" cy="276999"/>
           </a:xfrm>
           <a:prstGeom prst="rect">
             <a:avLst/>
@@ -13013,7 +12952,7 @@
         </p:nvCxnSpPr>
         <p:spPr>
           <a:xfrm flipH="1">
-            <a:off x="3440439" y="1713464"/>
+            <a:off x="3440439" y="1637264"/>
             <a:ext cx="464199" cy="0"/>
           </a:xfrm>
           <a:prstGeom prst="straightConnector1">
@@ -13054,7 +12993,7 @@
         </p:nvCxnSpPr>
         <p:spPr>
           <a:xfrm flipH="1" flipV="1">
-            <a:off x="3440439" y="2100806"/>
+            <a:off x="3440439" y="2024606"/>
             <a:ext cx="464197" cy="22"/>
           </a:xfrm>
           <a:prstGeom prst="straightConnector1">
@@ -13095,7 +13034,7 @@
         </p:nvCxnSpPr>
         <p:spPr>
           <a:xfrm flipH="1">
-            <a:off x="3440439" y="2887254"/>
+            <a:off x="3440439" y="2811054"/>
             <a:ext cx="464196" cy="0"/>
           </a:xfrm>
           <a:prstGeom prst="straightConnector1">
@@ -13136,7 +13075,7 @@
         </p:nvCxnSpPr>
         <p:spPr>
           <a:xfrm flipH="1">
-            <a:off x="3440439" y="3744845"/>
+            <a:off x="3440439" y="3903595"/>
             <a:ext cx="464195" cy="3267"/>
           </a:xfrm>
           <a:prstGeom prst="straightConnector1">
@@ -13177,7 +13116,7 @@
         </p:nvCxnSpPr>
         <p:spPr>
           <a:xfrm flipH="1">
-            <a:off x="3440439" y="4138058"/>
+            <a:off x="3440439" y="4296808"/>
             <a:ext cx="464200" cy="0"/>
           </a:xfrm>
           <a:prstGeom prst="straightConnector1">
@@ -13218,7 +13157,7 @@
         </p:nvCxnSpPr>
         <p:spPr>
           <a:xfrm flipH="1" flipV="1">
-            <a:off x="3440439" y="4520427"/>
+            <a:off x="3440439" y="4679177"/>
             <a:ext cx="464194" cy="10844"/>
           </a:xfrm>
           <a:prstGeom prst="straightConnector1">
@@ -13259,7 +13198,7 @@
         </p:nvCxnSpPr>
         <p:spPr>
           <a:xfrm flipH="1">
-            <a:off x="3440439" y="5710911"/>
+            <a:off x="3440439" y="5869661"/>
             <a:ext cx="464200" cy="1025"/>
           </a:xfrm>
           <a:prstGeom prst="straightConnector1">
@@ -13300,7 +13239,7 @@
         </p:nvCxnSpPr>
         <p:spPr>
           <a:xfrm flipH="1">
-            <a:off x="3440439" y="5317697"/>
+            <a:off x="3440439" y="5476447"/>
             <a:ext cx="464200" cy="0"/>
           </a:xfrm>
           <a:prstGeom prst="straightConnector1">
@@ -13341,7 +13280,7 @@
         </p:nvCxnSpPr>
         <p:spPr>
           <a:xfrm flipH="1">
-            <a:off x="3440439" y="4924484"/>
+            <a:off x="3440439" y="5083234"/>
             <a:ext cx="464200" cy="0"/>
           </a:xfrm>
           <a:prstGeom prst="straightConnector1">
@@ -13382,7 +13321,7 @@
         </p:nvCxnSpPr>
         <p:spPr>
           <a:xfrm flipH="1">
-            <a:off x="3440439" y="2494041"/>
+            <a:off x="3440439" y="2417841"/>
             <a:ext cx="464200" cy="0"/>
           </a:xfrm>
           <a:prstGeom prst="straightConnector1">
@@ -13423,7 +13362,7 @@
         </p:nvCxnSpPr>
         <p:spPr>
           <a:xfrm>
-            <a:off x="2720439" y="2244806"/>
+            <a:off x="2720439" y="2168606"/>
             <a:ext cx="0" cy="105235"/>
           </a:xfrm>
           <a:prstGeom prst="straightConnector1">
@@ -13455,57 +13394,6 @@
       </p:cxnSp>
       <p:sp>
         <p:nvSpPr>
-          <p:cNvPr id="234" name="Rectangle 233"/>
-          <p:cNvSpPr/>
-          <p:nvPr/>
-        </p:nvSpPr>
-        <p:spPr bwMode="auto">
-          <a:xfrm>
-            <a:off x="1998841" y="1423536"/>
-            <a:ext cx="1440000" cy="4464050"/>
-          </a:xfrm>
-          <a:prstGeom prst="rect">
-            <a:avLst/>
-          </a:prstGeom>
-          <a:noFill/>
-          <a:ln w="19050">
-            <a:solidFill>
-              <a:schemeClr val="tx1"/>
-            </a:solidFill>
-          </a:ln>
-        </p:spPr>
-        <p:style>
-          <a:lnRef idx="2">
-            <a:schemeClr val="accent1">
-              <a:shade val="50000"/>
-            </a:schemeClr>
-          </a:lnRef>
-          <a:fillRef idx="1">
-            <a:schemeClr val="accent1"/>
-          </a:fillRef>
-          <a:effectRef idx="0">
-            <a:schemeClr val="accent1"/>
-          </a:effectRef>
-          <a:fontRef idx="minor">
-            <a:schemeClr val="lt1"/>
-          </a:fontRef>
-        </p:style>
-        <p:txBody>
-          <a:bodyPr anchor="ctr"/>
-          <a:lstStyle/>
-          <a:p>
-            <a:pPr algn="r">
-              <a:defRPr/>
-            </a:pPr>
-            <a:endParaRPr lang="en-GB" dirty="0">
-              <a:latin typeface="Calibri" panose="020F0502020204030204" pitchFamily="34" charset="0"/>
-              <a:cs typeface="Calibri" panose="020F0502020204030204" pitchFamily="34" charset="0"/>
-            </a:endParaRPr>
-          </a:p>
-        </p:txBody>
-      </p:sp>
-      <p:sp>
-        <p:nvSpPr>
           <p:cNvPr id="121" name="Rounded Rectangle 120"/>
           <p:cNvSpPr/>
           <p:nvPr/>
@@ -13513,7 +13401,7 @@
         <p:spPr bwMode="auto">
           <a:xfrm>
             <a:off x="7299555" y="794657"/>
-            <a:ext cx="2404739" cy="5761038"/>
+            <a:ext cx="2404739" cy="5860142"/>
           </a:xfrm>
           <a:prstGeom prst="roundRect">
             <a:avLst>
@@ -13569,7 +13457,7 @@
         </p:nvSpPr>
         <p:spPr bwMode="auto">
           <a:xfrm>
-            <a:off x="7455114" y="3593141"/>
+            <a:off x="7455114" y="3751891"/>
             <a:ext cx="2134866" cy="288000"/>
           </a:xfrm>
           <a:prstGeom prst="roundRect">
@@ -13630,7 +13518,7 @@
         </p:nvSpPr>
         <p:spPr bwMode="auto">
           <a:xfrm>
-            <a:off x="7455129" y="1567778"/>
+            <a:off x="7455129" y="1491578"/>
             <a:ext cx="2134866" cy="288000"/>
           </a:xfrm>
           <a:prstGeom prst="roundRect">
@@ -13691,7 +13579,7 @@
         </p:nvSpPr>
         <p:spPr bwMode="auto">
           <a:xfrm>
-            <a:off x="7455129" y="4775390"/>
+            <a:off x="7455129" y="4934140"/>
             <a:ext cx="2134866" cy="288000"/>
           </a:xfrm>
           <a:prstGeom prst="roundRect">
@@ -13746,7 +13634,7 @@
         </p:nvSpPr>
         <p:spPr bwMode="auto">
           <a:xfrm>
-            <a:off x="7455129" y="2343726"/>
+            <a:off x="7455129" y="2267526"/>
             <a:ext cx="2134866" cy="288000"/>
           </a:xfrm>
           <a:prstGeom prst="roundRect">
@@ -13799,7 +13687,7 @@
         </p:nvSpPr>
         <p:spPr bwMode="auto">
           <a:xfrm>
-            <a:off x="7455129" y="5563073"/>
+            <a:off x="7455129" y="5721823"/>
             <a:ext cx="2134866" cy="288000"/>
           </a:xfrm>
           <a:prstGeom prst="roundRect">
@@ -13863,7 +13751,7 @@
         </p:nvCxnSpPr>
         <p:spPr>
           <a:xfrm flipH="1">
-            <a:off x="6785945" y="1711778"/>
+            <a:off x="6785945" y="1635578"/>
             <a:ext cx="669184" cy="1686"/>
           </a:xfrm>
           <a:prstGeom prst="straightConnector1">
@@ -13903,7 +13791,7 @@
         </p:nvCxnSpPr>
         <p:spPr>
           <a:xfrm flipH="1" flipV="1">
-            <a:off x="6785951" y="2100828"/>
+            <a:off x="6785951" y="2024628"/>
             <a:ext cx="669178" cy="386898"/>
           </a:xfrm>
           <a:prstGeom prst="straightConnector1">
@@ -13943,7 +13831,7 @@
         </p:nvCxnSpPr>
         <p:spPr>
           <a:xfrm flipH="1">
-            <a:off x="6784356" y="2487726"/>
+            <a:off x="6784356" y="2411526"/>
             <a:ext cx="670773" cy="6315"/>
           </a:xfrm>
           <a:prstGeom prst="straightConnector1">
@@ -13983,7 +13871,7 @@
         </p:nvCxnSpPr>
         <p:spPr>
           <a:xfrm flipH="1" flipV="1">
-            <a:off x="6784351" y="3730288"/>
+            <a:off x="6784351" y="3889038"/>
             <a:ext cx="670763" cy="6853"/>
           </a:xfrm>
           <a:prstGeom prst="straightConnector1">
@@ -14023,7 +13911,7 @@
         </p:nvCxnSpPr>
         <p:spPr>
           <a:xfrm flipH="1">
-            <a:off x="6785951" y="4919390"/>
+            <a:off x="6785951" y="5078140"/>
             <a:ext cx="669178" cy="331"/>
           </a:xfrm>
           <a:prstGeom prst="straightConnector1">
@@ -14063,7 +13951,7 @@
         </p:nvCxnSpPr>
         <p:spPr>
           <a:xfrm flipH="1">
-            <a:off x="6784352" y="5707073"/>
+            <a:off x="6784352" y="5865823"/>
             <a:ext cx="670777" cy="3838"/>
           </a:xfrm>
           <a:prstGeom prst="straightConnector1">
@@ -14110,7 +13998,7 @@
         </p:nvCxnSpPr>
         <p:spPr>
           <a:xfrm flipH="1">
-            <a:off x="6784356" y="2487726"/>
+            <a:off x="6784356" y="2411526"/>
             <a:ext cx="670773" cy="399528"/>
           </a:xfrm>
           <a:prstGeom prst="straightConnector1">
@@ -14157,7 +14045,7 @@
         </p:nvCxnSpPr>
         <p:spPr>
           <a:xfrm flipH="1" flipV="1">
-            <a:off x="6785951" y="4521745"/>
+            <a:off x="6785951" y="4680495"/>
             <a:ext cx="669178" cy="397645"/>
           </a:xfrm>
           <a:prstGeom prst="straightConnector1">
@@ -14203,7 +14091,7 @@
         </p:nvCxnSpPr>
         <p:spPr>
           <a:xfrm flipH="1">
-            <a:off x="6784353" y="4919390"/>
+            <a:off x="6784353" y="5078140"/>
             <a:ext cx="670762" cy="398307"/>
           </a:xfrm>
           <a:prstGeom prst="straightConnector1">
@@ -14246,7 +14134,7 @@
         </p:nvSpPr>
         <p:spPr bwMode="auto">
           <a:xfrm>
-            <a:off x="3904633" y="3172020"/>
+            <a:off x="3904633" y="3213768"/>
             <a:ext cx="1944687" cy="288000"/>
           </a:xfrm>
           <a:prstGeom prst="roundRect">
@@ -14309,8 +14197,8 @@
         </p:nvCxnSpPr>
         <p:spPr>
           <a:xfrm flipH="1">
-            <a:off x="4876977" y="3031254"/>
-            <a:ext cx="2" cy="140766"/>
+            <a:off x="4876977" y="2955054"/>
+            <a:ext cx="2" cy="258714"/>
           </a:xfrm>
           <a:prstGeom prst="straightConnector1">
             <a:avLst/>
@@ -14319,8 +14207,8 @@
             <a:solidFill>
               <a:schemeClr val="tx1"/>
             </a:solidFill>
-            <a:headEnd type="triangle" w="sm" len="med"/>
-            <a:tailEnd type="none" w="sm" len="sm"/>
+            <a:headEnd type="triangle" w="med" len="med"/>
+            <a:tailEnd type="triangle" w="med" len="med"/>
           </a:ln>
           <a:effectLst/>
         </p:spPr>
@@ -14353,7 +14241,7 @@
         </p:nvSpPr>
         <p:spPr bwMode="auto">
           <a:xfrm>
-            <a:off x="5847725" y="3211559"/>
+            <a:off x="5847725" y="3253307"/>
             <a:ext cx="936625" cy="207962"/>
           </a:xfrm>
           <a:prstGeom prst="rect">
@@ -14429,8 +14317,8 @@
         </p:nvCxnSpPr>
         <p:spPr>
           <a:xfrm flipH="1">
-            <a:off x="6784350" y="2487726"/>
-            <a:ext cx="670779" cy="827814"/>
+            <a:off x="6784350" y="2411526"/>
+            <a:ext cx="670779" cy="945762"/>
           </a:xfrm>
           <a:prstGeom prst="straightConnector1">
             <a:avLst/>
@@ -14476,8 +14364,8 @@
         </p:nvCxnSpPr>
         <p:spPr>
           <a:xfrm flipH="1" flipV="1">
-            <a:off x="4876977" y="3460020"/>
-            <a:ext cx="1" cy="140825"/>
+            <a:off x="4876977" y="3501768"/>
+            <a:ext cx="1" cy="257827"/>
           </a:xfrm>
           <a:prstGeom prst="straightConnector1">
             <a:avLst/>
@@ -14486,8 +14374,8 @@
             <a:solidFill>
               <a:schemeClr val="tx1"/>
             </a:solidFill>
-            <a:headEnd type="triangle" w="sm" len="med"/>
-            <a:tailEnd type="none" w="sm" len="sm"/>
+            <a:headEnd type="triangle" w="med" len="med"/>
+            <a:tailEnd type="triangle" w="med" len="med"/>
           </a:ln>
           <a:effectLst/>
         </p:spPr>
@@ -15498,14 +15386,69 @@
 
 <file path=customXml/item1.xml><?xml version="1.0" encoding="utf-8"?>
 <?mso-contentType ?>
-<FormTemplates xmlns="http://schemas.microsoft.com/sharepoint/v3/contenttype/forms">
-  <Display>DocumentLibraryForm</Display>
-  <Edit>DocumentLibraryForm</Edit>
-  <New>DocumentLibraryForm</New>
-</FormTemplates>
+<spe:Receivers xmlns:spe="http://schemas.microsoft.com/sharepoint/events">
+  <Receiver>
+    <Name>Document ID Generator</Name>
+    <Synchronization>Synchronous</Synchronization>
+    <Type>10001</Type>
+    <SequenceNumber>1000</SequenceNumber>
+    <Assembly>Microsoft.Office.DocumentManagement, Version=14.0.0.0, Culture=neutral, PublicKeyToken=71e9bce111e9429c</Assembly>
+    <Class>Microsoft.Office.DocumentManagement.Internal.DocIdHandler</Class>
+    <Data/>
+    <Filter/>
+  </Receiver>
+  <Receiver>
+    <Name>Document ID Generator</Name>
+    <Synchronization>Synchronous</Synchronization>
+    <Type>10002</Type>
+    <SequenceNumber>1001</SequenceNumber>
+    <Assembly>Microsoft.Office.DocumentManagement, Version=14.0.0.0, Culture=neutral, PublicKeyToken=71e9bce111e9429c</Assembly>
+    <Class>Microsoft.Office.DocumentManagement.Internal.DocIdHandler</Class>
+    <Data/>
+    <Filter/>
+  </Receiver>
+  <Receiver>
+    <Name>Document ID Generator</Name>
+    <Synchronization>Synchronous</Synchronization>
+    <Type>10004</Type>
+    <SequenceNumber>1002</SequenceNumber>
+    <Assembly>Microsoft.Office.DocumentManagement, Version=14.0.0.0, Culture=neutral, PublicKeyToken=71e9bce111e9429c</Assembly>
+    <Class>Microsoft.Office.DocumentManagement.Internal.DocIdHandler</Class>
+    <Data/>
+    <Filter/>
+  </Receiver>
+  <Receiver>
+    <Name>Document ID Generator</Name>
+    <Synchronization>Synchronous</Synchronization>
+    <Type>10006</Type>
+    <SequenceNumber>1003</SequenceNumber>
+    <Assembly>Microsoft.Office.DocumentManagement, Version=14.0.0.0, Culture=neutral, PublicKeyToken=71e9bce111e9429c</Assembly>
+    <Class>Microsoft.Office.DocumentManagement.Internal.DocIdHandler</Class>
+    <Data/>
+    <Filter/>
+  </Receiver>
+</spe:Receivers>
 </file>
 
 <file path=customXml/item2.xml><?xml version="1.0" encoding="utf-8"?>
+<p:properties xmlns:p="http://schemas.microsoft.com/office/2006/metadata/properties" xmlns:xsi="http://www.w3.org/2001/XMLSchema-instance">
+  <documentManagement>
+    <AlternateThumbnailUrl xmlns="http://schemas.microsoft.com/sharepoint/v3">
+      <Url xsi:nil="true"/>
+      <Description xsi:nil="true"/>
+    </AlternateThumbnailUrl>
+    <ImageCreateDate xmlns="http://schemas.microsoft.com/sharepoint/v3" xsi:nil="true"/>
+    <Description xmlns="http://schemas.microsoft.com/sharepoint/v3" xsi:nil="true"/>
+    <_dlc_DocId xmlns="f2ad5090-61a8-4b8c-ab70-68f4ff4d1933">ARM-ECM-0151353</_dlc_DocId>
+    <_dlc_DocIdUrl xmlns="f2ad5090-61a8-4b8c-ab70-68f4ff4d1933">
+      <Url>http://teamsites.arm.com/sites/marketing/branding/_layouts/DocIdRedir.aspx?ID=ARM-ECM-0151353</Url>
+      <Description>ARM-ECM-0151353</Description>
+    </_dlc_DocIdUrl>
+  </documentManagement>
+</p:properties>
+</file>
+
+<file path=customXml/item3.xml><?xml version="1.0" encoding="utf-8"?>
 <ct:contentTypeSchema xmlns:ct="http://schemas.microsoft.com/office/2006/metadata/contentType" xmlns:ma="http://schemas.microsoft.com/office/2006/metadata/properties/metaAttributes" ct:_="" ma:_="" ma:contentTypeName="Picture" ma:contentTypeID="0x010102005A5C1BE65173D647975D08D04557E024" ma:contentTypeVersion="3" ma:contentTypeDescription="Upload an image or a photograph." ma:contentTypeScope="" ma:versionID="4e02033e9a8407b55ee482baa8e8773d">
   <xsd:schema xmlns:xsd="http://www.w3.org/2001/XMLSchema" xmlns:xs="http://www.w3.org/2001/XMLSchema" xmlns:p="http://schemas.microsoft.com/office/2006/metadata/properties" xmlns:ns1="http://schemas.microsoft.com/sharepoint/v3" xmlns:ns2="f2ad5090-61a8-4b8c-ab70-68f4ff4d1933" targetNamespace="http://schemas.microsoft.com/office/2006/metadata/properties" ma:root="true" ma:fieldsID="56baf7bb33d679821ced92383ddba583" ns1:_="" ns2:_="">
     <xsd:import namespace="http://schemas.microsoft.com/sharepoint/v3"/>
@@ -15706,79 +15649,41 @@
 </ct:contentTypeSchema>
 </file>
 
-<file path=customXml/item3.xml><?xml version="1.0" encoding="utf-8"?>
-<p:properties xmlns:p="http://schemas.microsoft.com/office/2006/metadata/properties" xmlns:xsi="http://www.w3.org/2001/XMLSchema-instance">
-  <documentManagement>
-    <AlternateThumbnailUrl xmlns="http://schemas.microsoft.com/sharepoint/v3">
-      <Url xsi:nil="true"/>
-      <Description xsi:nil="true"/>
-    </AlternateThumbnailUrl>
-    <ImageCreateDate xmlns="http://schemas.microsoft.com/sharepoint/v3" xsi:nil="true"/>
-    <Description xmlns="http://schemas.microsoft.com/sharepoint/v3" xsi:nil="true"/>
-    <_dlc_DocId xmlns="f2ad5090-61a8-4b8c-ab70-68f4ff4d1933">ARM-ECM-0151353</_dlc_DocId>
-    <_dlc_DocIdUrl xmlns="f2ad5090-61a8-4b8c-ab70-68f4ff4d1933">
-      <Url>http://teamsites.arm.com/sites/marketing/branding/_layouts/DocIdRedir.aspx?ID=ARM-ECM-0151353</Url>
-      <Description>ARM-ECM-0151353</Description>
-    </_dlc_DocIdUrl>
-  </documentManagement>
-</p:properties>
-</file>
-
 <file path=customXml/item4.xml><?xml version="1.0" encoding="utf-8"?>
 <?mso-contentType ?>
-<spe:Receivers xmlns:spe="http://schemas.microsoft.com/sharepoint/events">
-  <Receiver>
-    <Name>Document ID Generator</Name>
-    <Synchronization>Synchronous</Synchronization>
-    <Type>10001</Type>
-    <SequenceNumber>1000</SequenceNumber>
-    <Assembly>Microsoft.Office.DocumentManagement, Version=14.0.0.0, Culture=neutral, PublicKeyToken=71e9bce111e9429c</Assembly>
-    <Class>Microsoft.Office.DocumentManagement.Internal.DocIdHandler</Class>
-    <Data/>
-    <Filter/>
-  </Receiver>
-  <Receiver>
-    <Name>Document ID Generator</Name>
-    <Synchronization>Synchronous</Synchronization>
-    <Type>10002</Type>
-    <SequenceNumber>1001</SequenceNumber>
-    <Assembly>Microsoft.Office.DocumentManagement, Version=14.0.0.0, Culture=neutral, PublicKeyToken=71e9bce111e9429c</Assembly>
-    <Class>Microsoft.Office.DocumentManagement.Internal.DocIdHandler</Class>
-    <Data/>
-    <Filter/>
-  </Receiver>
-  <Receiver>
-    <Name>Document ID Generator</Name>
-    <Synchronization>Synchronous</Synchronization>
-    <Type>10004</Type>
-    <SequenceNumber>1002</SequenceNumber>
-    <Assembly>Microsoft.Office.DocumentManagement, Version=14.0.0.0, Culture=neutral, PublicKeyToken=71e9bce111e9429c</Assembly>
-    <Class>Microsoft.Office.DocumentManagement.Internal.DocIdHandler</Class>
-    <Data/>
-    <Filter/>
-  </Receiver>
-  <Receiver>
-    <Name>Document ID Generator</Name>
-    <Synchronization>Synchronous</Synchronization>
-    <Type>10006</Type>
-    <SequenceNumber>1003</SequenceNumber>
-    <Assembly>Microsoft.Office.DocumentManagement, Version=14.0.0.0, Culture=neutral, PublicKeyToken=71e9bce111e9429c</Assembly>
-    <Class>Microsoft.Office.DocumentManagement.Internal.DocIdHandler</Class>
-    <Data/>
-    <Filter/>
-  </Receiver>
-</spe:Receivers>
+<FormTemplates xmlns="http://schemas.microsoft.com/sharepoint/v3/contenttype/forms">
+  <Display>DocumentLibraryForm</Display>
+  <Edit>DocumentLibraryForm</Edit>
+  <New>DocumentLibraryForm</New>
+</FormTemplates>
 </file>
 
 <file path=customXml/itemProps1.xml><?xml version="1.0" encoding="utf-8"?>
-<ds:datastoreItem xmlns:ds="http://schemas.openxmlformats.org/officeDocument/2006/customXml" ds:itemID="{9C777C69-0744-4BF3-8514-FB149EBD2248}">
+<ds:datastoreItem xmlns:ds="http://schemas.openxmlformats.org/officeDocument/2006/customXml" ds:itemID="{C8CB23D7-89E5-42FF-A5EB-008A06AB37C7}">
   <ds:schemaRefs>
-    <ds:schemaRef ds:uri="http://schemas.microsoft.com/sharepoint/v3/contenttype/forms"/>
+    <ds:schemaRef ds:uri="http://schemas.microsoft.com/sharepoint/events"/>
   </ds:schemaRefs>
 </ds:datastoreItem>
 </file>
 
 <file path=customXml/itemProps2.xml><?xml version="1.0" encoding="utf-8"?>
+<ds:datastoreItem xmlns:ds="http://schemas.openxmlformats.org/officeDocument/2006/customXml" ds:itemID="{AE6E82D6-7FB8-4D99-A7B6-3C5BB1D894B9}">
+  <ds:schemaRefs>
+    <ds:schemaRef ds:uri="http://schemas.microsoft.com/office/2006/metadata/properties"/>
+    <ds:schemaRef ds:uri="http://schemas.openxmlformats.org/package/2006/metadata/core-properties"/>
+    <ds:schemaRef ds:uri="http://schemas.microsoft.com/office/2006/documentManagement/types"/>
+    <ds:schemaRef ds:uri="http://purl.org/dc/dcmitype/"/>
+    <ds:schemaRef ds:uri="http://purl.org/dc/elements/1.1/"/>
+    <ds:schemaRef ds:uri="http://schemas.microsoft.com/office/infopath/2007/PartnerControls"/>
+    <ds:schemaRef ds:uri="f2ad5090-61a8-4b8c-ab70-68f4ff4d1933"/>
+    <ds:schemaRef ds:uri="http://purl.org/dc/terms/"/>
+    <ds:schemaRef ds:uri="http://schemas.microsoft.com/sharepoint/v3"/>
+    <ds:schemaRef ds:uri="http://www.w3.org/XML/1998/namespace"/>
+  </ds:schemaRefs>
+</ds:datastoreItem>
+</file>
+
+<file path=customXml/itemProps3.xml><?xml version="1.0" encoding="utf-8"?>
 <ds:datastoreItem xmlns:ds="http://schemas.openxmlformats.org/officeDocument/2006/customXml" ds:itemID="{E2FEA05E-38D0-44EA-8B8D-2375FC6AAF09}">
   <ds:schemaRefs>
     <ds:schemaRef ds:uri="http://schemas.microsoft.com/office/2006/metadata/contentType"/>
@@ -15797,27 +15702,10 @@
 </ds:datastoreItem>
 </file>
 
-<file path=customXml/itemProps3.xml><?xml version="1.0" encoding="utf-8"?>
-<ds:datastoreItem xmlns:ds="http://schemas.openxmlformats.org/officeDocument/2006/customXml" ds:itemID="{AE6E82D6-7FB8-4D99-A7B6-3C5BB1D894B9}">
+<file path=customXml/itemProps4.xml><?xml version="1.0" encoding="utf-8"?>
+<ds:datastoreItem xmlns:ds="http://schemas.openxmlformats.org/officeDocument/2006/customXml" ds:itemID="{9C777C69-0744-4BF3-8514-FB149EBD2248}">
   <ds:schemaRefs>
-    <ds:schemaRef ds:uri="http://schemas.microsoft.com/office/2006/metadata/properties"/>
-    <ds:schemaRef ds:uri="http://schemas.openxmlformats.org/package/2006/metadata/core-properties"/>
-    <ds:schemaRef ds:uri="http://schemas.microsoft.com/office/2006/documentManagement/types"/>
-    <ds:schemaRef ds:uri="http://purl.org/dc/dcmitype/"/>
-    <ds:schemaRef ds:uri="http://purl.org/dc/elements/1.1/"/>
-    <ds:schemaRef ds:uri="http://schemas.microsoft.com/office/infopath/2007/PartnerControls"/>
-    <ds:schemaRef ds:uri="f2ad5090-61a8-4b8c-ab70-68f4ff4d1933"/>
-    <ds:schemaRef ds:uri="http://purl.org/dc/terms/"/>
-    <ds:schemaRef ds:uri="http://schemas.microsoft.com/sharepoint/v3"/>
-    <ds:schemaRef ds:uri="http://www.w3.org/XML/1998/namespace"/>
-  </ds:schemaRefs>
-</ds:datastoreItem>
-</file>
-
-<file path=customXml/itemProps4.xml><?xml version="1.0" encoding="utf-8"?>
-<ds:datastoreItem xmlns:ds="http://schemas.openxmlformats.org/officeDocument/2006/customXml" ds:itemID="{C8CB23D7-89E5-42FF-A5EB-008A06AB37C7}">
-  <ds:schemaRefs>
-    <ds:schemaRef ds:uri="http://schemas.microsoft.com/sharepoint/events"/>
+    <ds:schemaRef ds:uri="http://schemas.microsoft.com/sharepoint/v3/contenttype/forms"/>
   </ds:schemaRefs>
 </ds:datastoreItem>
 </file>
--- a/CMSIS/DoxyGen/Driver/src/images/driver.pptx
+++ b/CMSIS/DoxyGen/Driver/src/images/driver.pptx
@@ -256,7 +256,7 @@
             <a:fld id="{E72D30EF-8F20-0B47-8B5D-39A8BC29E860}" type="datetimeFigureOut">
               <a:rPr lang="en-US" smtClean="0"/>
               <a:pPr/>
-              <a:t>11/21/2019</a:t>
+              <a:t>5/7/2021</a:t>
             </a:fld>
             <a:endParaRPr lang="en-US"/>
           </a:p>
@@ -424,7 +424,7 @@
             <a:fld id="{77EDD36E-1E02-F241-9611-1F1D9EAAD326}" type="datetimeFigureOut">
               <a:rPr lang="en-US" smtClean="0"/>
               <a:pPr/>
-              <a:t>11/21/2019</a:t>
+              <a:t>5/7/2021</a:t>
             </a:fld>
             <a:endParaRPr lang="en-US"/>
           </a:p>
@@ -14327,6 +14327,7 @@
             <a:solidFill>
               <a:schemeClr val="tx1"/>
             </a:solidFill>
+            <a:prstDash val="sysDash"/>
             <a:tailEnd type="triangle" w="med" len="lg"/>
           </a:ln>
           <a:effectLst/>
@@ -14394,6 +14395,47 @@
           </a:fontRef>
         </p:style>
       </p:cxnSp>
+      <p:sp>
+        <p:nvSpPr>
+          <p:cNvPr id="5" name="TextBox 4">
+            <a:extLst>
+              <a:ext uri="{FF2B5EF4-FFF2-40B4-BE49-F238E27FC236}">
+                <a16:creationId xmlns:a16="http://schemas.microsoft.com/office/drawing/2014/main" id="{38A38BB5-69AB-40F2-A84D-BA4FE2EF22BB}"/>
+              </a:ext>
+            </a:extLst>
+          </p:cNvPr>
+          <p:cNvSpPr txBox="1"/>
+          <p:nvPr/>
+        </p:nvSpPr>
+        <p:spPr>
+          <a:xfrm>
+            <a:off x="7108867" y="2918673"/>
+            <a:ext cx="710513" cy="218484"/>
+          </a:xfrm>
+          <a:prstGeom prst="rect">
+            <a:avLst/>
+          </a:prstGeom>
+        </p:spPr>
+        <p:txBody>
+          <a:bodyPr vert="horz" wrap="square" lIns="0" tIns="0" rIns="0" bIns="0" rtlCol="0" anchor="t">
+            <a:normAutofit/>
+          </a:bodyPr>
+          <a:lstStyle/>
+          <a:p>
+            <a:r>
+              <a:rPr lang="en-US" sz="1400" dirty="0">
+                <a:latin typeface="Calibri" panose="020F0502020204030204" pitchFamily="34" charset="0"/>
+                <a:cs typeface="Calibri" panose="020F0502020204030204" pitchFamily="34" charset="0"/>
+              </a:rPr>
+              <a:t>see note</a:t>
+            </a:r>
+            <a:endParaRPr lang="en-GB" sz="1400" dirty="0">
+              <a:latin typeface="Calibri" panose="020F0502020204030204" pitchFamily="34" charset="0"/>
+              <a:cs typeface="Calibri" panose="020F0502020204030204" pitchFamily="34" charset="0"/>
+            </a:endParaRPr>
+          </a:p>
+        </p:txBody>
+      </p:sp>
     </p:spTree>
     <p:extLst>
       <p:ext uri="{BB962C8B-B14F-4D97-AF65-F5344CB8AC3E}">
@@ -15386,69 +15428,14 @@
 
 <file path=customXml/item1.xml><?xml version="1.0" encoding="utf-8"?>
 <?mso-contentType ?>
-<spe:Receivers xmlns:spe="http://schemas.microsoft.com/sharepoint/events">
-  <Receiver>
-    <Name>Document ID Generator</Name>
-    <Synchronization>Synchronous</Synchronization>
-    <Type>10001</Type>
-    <SequenceNumber>1000</SequenceNumber>
-    <Assembly>Microsoft.Office.DocumentManagement, Version=14.0.0.0, Culture=neutral, PublicKeyToken=71e9bce111e9429c</Assembly>
-    <Class>Microsoft.Office.DocumentManagement.Internal.DocIdHandler</Class>
-    <Data/>
-    <Filter/>
-  </Receiver>
-  <Receiver>
-    <Name>Document ID Generator</Name>
-    <Synchronization>Synchronous</Synchronization>
-    <Type>10002</Type>
-    <SequenceNumber>1001</SequenceNumber>
-    <Assembly>Microsoft.Office.DocumentManagement, Version=14.0.0.0, Culture=neutral, PublicKeyToken=71e9bce111e9429c</Assembly>
-    <Class>Microsoft.Office.DocumentManagement.Internal.DocIdHandler</Class>
-    <Data/>
-    <Filter/>
-  </Receiver>
-  <Receiver>
-    <Name>Document ID Generator</Name>
-    <Synchronization>Synchronous</Synchronization>
-    <Type>10004</Type>
-    <SequenceNumber>1002</SequenceNumber>
-    <Assembly>Microsoft.Office.DocumentManagement, Version=14.0.0.0, Culture=neutral, PublicKeyToken=71e9bce111e9429c</Assembly>
-    <Class>Microsoft.Office.DocumentManagement.Internal.DocIdHandler</Class>
-    <Data/>
-    <Filter/>
-  </Receiver>
-  <Receiver>
-    <Name>Document ID Generator</Name>
-    <Synchronization>Synchronous</Synchronization>
-    <Type>10006</Type>
-    <SequenceNumber>1003</SequenceNumber>
-    <Assembly>Microsoft.Office.DocumentManagement, Version=14.0.0.0, Culture=neutral, PublicKeyToken=71e9bce111e9429c</Assembly>
-    <Class>Microsoft.Office.DocumentManagement.Internal.DocIdHandler</Class>
-    <Data/>
-    <Filter/>
-  </Receiver>
-</spe:Receivers>
+<FormTemplates xmlns="http://schemas.microsoft.com/sharepoint/v3/contenttype/forms">
+  <Display>DocumentLibraryForm</Display>
+  <Edit>DocumentLibraryForm</Edit>
+  <New>DocumentLibraryForm</New>
+</FormTemplates>
 </file>
 
 <file path=customXml/item2.xml><?xml version="1.0" encoding="utf-8"?>
-<p:properties xmlns:p="http://schemas.microsoft.com/office/2006/metadata/properties" xmlns:xsi="http://www.w3.org/2001/XMLSchema-instance">
-  <documentManagement>
-    <AlternateThumbnailUrl xmlns="http://schemas.microsoft.com/sharepoint/v3">
-      <Url xsi:nil="true"/>
-      <Description xsi:nil="true"/>
-    </AlternateThumbnailUrl>
-    <ImageCreateDate xmlns="http://schemas.microsoft.com/sharepoint/v3" xsi:nil="true"/>
-    <Description xmlns="http://schemas.microsoft.com/sharepoint/v3" xsi:nil="true"/>
-    <_dlc_DocId xmlns="f2ad5090-61a8-4b8c-ab70-68f4ff4d1933">ARM-ECM-0151353</_dlc_DocId>
-    <_dlc_DocIdUrl xmlns="f2ad5090-61a8-4b8c-ab70-68f4ff4d1933">
-      <Url>http://teamsites.arm.com/sites/marketing/branding/_layouts/DocIdRedir.aspx?ID=ARM-ECM-0151353</Url>
-      <Description>ARM-ECM-0151353</Description>
-    </_dlc_DocIdUrl>
-  </documentManagement>
-</p:properties>
-</file>
-
-<file path=customXml/item3.xml><?xml version="1.0" encoding="utf-8"?>
 <ct:contentTypeSchema xmlns:ct="http://schemas.microsoft.com/office/2006/metadata/contentType" xmlns:ma="http://schemas.microsoft.com/office/2006/metadata/properties/metaAttributes" ct:_="" ma:_="" ma:contentTypeName="Picture" ma:contentTypeID="0x010102005A5C1BE65173D647975D08D04557E024" ma:contentTypeVersion="3" ma:contentTypeDescription="Upload an image or a photograph." ma:contentTypeScope="" ma:versionID="4e02033e9a8407b55ee482baa8e8773d">
   <xsd:schema xmlns:xsd="http://www.w3.org/2001/XMLSchema" xmlns:xs="http://www.w3.org/2001/XMLSchema" xmlns:p="http://schemas.microsoft.com/office/2006/metadata/properties" xmlns:ns1="http://schemas.microsoft.com/sharepoint/v3" xmlns:ns2="f2ad5090-61a8-4b8c-ab70-68f4ff4d1933" targetNamespace="http://schemas.microsoft.com/office/2006/metadata/properties" ma:root="true" ma:fieldsID="56baf7bb33d679821ced92383ddba583" ns1:_="" ns2:_="">
     <xsd:import namespace="http://schemas.microsoft.com/sharepoint/v3"/>
@@ -15649,41 +15636,79 @@
 </ct:contentTypeSchema>
 </file>
 
+<file path=customXml/item3.xml><?xml version="1.0" encoding="utf-8"?>
+<p:properties xmlns:p="http://schemas.microsoft.com/office/2006/metadata/properties" xmlns:xsi="http://www.w3.org/2001/XMLSchema-instance">
+  <documentManagement>
+    <AlternateThumbnailUrl xmlns="http://schemas.microsoft.com/sharepoint/v3">
+      <Url xsi:nil="true"/>
+      <Description xsi:nil="true"/>
+    </AlternateThumbnailUrl>
+    <ImageCreateDate xmlns="http://schemas.microsoft.com/sharepoint/v3" xsi:nil="true"/>
+    <Description xmlns="http://schemas.microsoft.com/sharepoint/v3" xsi:nil="true"/>
+    <_dlc_DocId xmlns="f2ad5090-61a8-4b8c-ab70-68f4ff4d1933">ARM-ECM-0151353</_dlc_DocId>
+    <_dlc_DocIdUrl xmlns="f2ad5090-61a8-4b8c-ab70-68f4ff4d1933">
+      <Url>http://teamsites.arm.com/sites/marketing/branding/_layouts/DocIdRedir.aspx?ID=ARM-ECM-0151353</Url>
+      <Description>ARM-ECM-0151353</Description>
+    </_dlc_DocIdUrl>
+  </documentManagement>
+</p:properties>
+</file>
+
 <file path=customXml/item4.xml><?xml version="1.0" encoding="utf-8"?>
 <?mso-contentType ?>
-<FormTemplates xmlns="http://schemas.microsoft.com/sharepoint/v3/contenttype/forms">
-  <Display>DocumentLibraryForm</Display>
-  <Edit>DocumentLibraryForm</Edit>
-  <New>DocumentLibraryForm</New>
-</FormTemplates>
+<spe:Receivers xmlns:spe="http://schemas.microsoft.com/sharepoint/events">
+  <Receiver>
+    <Name>Document ID Generator</Name>
+    <Synchronization>Synchronous</Synchronization>
+    <Type>10001</Type>
+    <SequenceNumber>1000</SequenceNumber>
+    <Assembly>Microsoft.Office.DocumentManagement, Version=14.0.0.0, Culture=neutral, PublicKeyToken=71e9bce111e9429c</Assembly>
+    <Class>Microsoft.Office.DocumentManagement.Internal.DocIdHandler</Class>
+    <Data/>
+    <Filter/>
+  </Receiver>
+  <Receiver>
+    <Name>Document ID Generator</Name>
+    <Synchronization>Synchronous</Synchronization>
+    <Type>10002</Type>
+    <SequenceNumber>1001</SequenceNumber>
+    <Assembly>Microsoft.Office.DocumentManagement, Version=14.0.0.0, Culture=neutral, PublicKeyToken=71e9bce111e9429c</Assembly>
+    <Class>Microsoft.Office.DocumentManagement.Internal.DocIdHandler</Class>
+    <Data/>
+    <Filter/>
+  </Receiver>
+  <Receiver>
+    <Name>Document ID Generator</Name>
+    <Synchronization>Synchronous</Synchronization>
+    <Type>10004</Type>
+    <SequenceNumber>1002</SequenceNumber>
+    <Assembly>Microsoft.Office.DocumentManagement, Version=14.0.0.0, Culture=neutral, PublicKeyToken=71e9bce111e9429c</Assembly>
+    <Class>Microsoft.Office.DocumentManagement.Internal.DocIdHandler</Class>
+    <Data/>
+    <Filter/>
+  </Receiver>
+  <Receiver>
+    <Name>Document ID Generator</Name>
+    <Synchronization>Synchronous</Synchronization>
+    <Type>10006</Type>
+    <SequenceNumber>1003</SequenceNumber>
+    <Assembly>Microsoft.Office.DocumentManagement, Version=14.0.0.0, Culture=neutral, PublicKeyToken=71e9bce111e9429c</Assembly>
+    <Class>Microsoft.Office.DocumentManagement.Internal.DocIdHandler</Class>
+    <Data/>
+    <Filter/>
+  </Receiver>
+</spe:Receivers>
 </file>
 
 <file path=customXml/itemProps1.xml><?xml version="1.0" encoding="utf-8"?>
-<ds:datastoreItem xmlns:ds="http://schemas.openxmlformats.org/officeDocument/2006/customXml" ds:itemID="{C8CB23D7-89E5-42FF-A5EB-008A06AB37C7}">
+<ds:datastoreItem xmlns:ds="http://schemas.openxmlformats.org/officeDocument/2006/customXml" ds:itemID="{9C777C69-0744-4BF3-8514-FB149EBD2248}">
   <ds:schemaRefs>
-    <ds:schemaRef ds:uri="http://schemas.microsoft.com/sharepoint/events"/>
+    <ds:schemaRef ds:uri="http://schemas.microsoft.com/sharepoint/v3/contenttype/forms"/>
   </ds:schemaRefs>
 </ds:datastoreItem>
 </file>
 
 <file path=customXml/itemProps2.xml><?xml version="1.0" encoding="utf-8"?>
-<ds:datastoreItem xmlns:ds="http://schemas.openxmlformats.org/officeDocument/2006/customXml" ds:itemID="{AE6E82D6-7FB8-4D99-A7B6-3C5BB1D894B9}">
-  <ds:schemaRefs>
-    <ds:schemaRef ds:uri="http://schemas.microsoft.com/office/2006/metadata/properties"/>
-    <ds:schemaRef ds:uri="http://schemas.openxmlformats.org/package/2006/metadata/core-properties"/>
-    <ds:schemaRef ds:uri="http://schemas.microsoft.com/office/2006/documentManagement/types"/>
-    <ds:schemaRef ds:uri="http://purl.org/dc/dcmitype/"/>
-    <ds:schemaRef ds:uri="http://purl.org/dc/elements/1.1/"/>
-    <ds:schemaRef ds:uri="http://schemas.microsoft.com/office/infopath/2007/PartnerControls"/>
-    <ds:schemaRef ds:uri="f2ad5090-61a8-4b8c-ab70-68f4ff4d1933"/>
-    <ds:schemaRef ds:uri="http://purl.org/dc/terms/"/>
-    <ds:schemaRef ds:uri="http://schemas.microsoft.com/sharepoint/v3"/>
-    <ds:schemaRef ds:uri="http://www.w3.org/XML/1998/namespace"/>
-  </ds:schemaRefs>
-</ds:datastoreItem>
-</file>
-
-<file path=customXml/itemProps3.xml><?xml version="1.0" encoding="utf-8"?>
 <ds:datastoreItem xmlns:ds="http://schemas.openxmlformats.org/officeDocument/2006/customXml" ds:itemID="{E2FEA05E-38D0-44EA-8B8D-2375FC6AAF09}">
   <ds:schemaRefs>
     <ds:schemaRef ds:uri="http://schemas.microsoft.com/office/2006/metadata/contentType"/>
@@ -15702,10 +15727,27 @@
 </ds:datastoreItem>
 </file>
 
+<file path=customXml/itemProps3.xml><?xml version="1.0" encoding="utf-8"?>
+<ds:datastoreItem xmlns:ds="http://schemas.openxmlformats.org/officeDocument/2006/customXml" ds:itemID="{AE6E82D6-7FB8-4D99-A7B6-3C5BB1D894B9}">
+  <ds:schemaRefs>
+    <ds:schemaRef ds:uri="http://schemas.microsoft.com/office/2006/metadata/properties"/>
+    <ds:schemaRef ds:uri="http://schemas.openxmlformats.org/package/2006/metadata/core-properties"/>
+    <ds:schemaRef ds:uri="http://schemas.microsoft.com/office/2006/documentManagement/types"/>
+    <ds:schemaRef ds:uri="http://purl.org/dc/dcmitype/"/>
+    <ds:schemaRef ds:uri="http://purl.org/dc/elements/1.1/"/>
+    <ds:schemaRef ds:uri="http://schemas.microsoft.com/office/infopath/2007/PartnerControls"/>
+    <ds:schemaRef ds:uri="f2ad5090-61a8-4b8c-ab70-68f4ff4d1933"/>
+    <ds:schemaRef ds:uri="http://purl.org/dc/terms/"/>
+    <ds:schemaRef ds:uri="http://schemas.microsoft.com/sharepoint/v3"/>
+    <ds:schemaRef ds:uri="http://www.w3.org/XML/1998/namespace"/>
+  </ds:schemaRefs>
+</ds:datastoreItem>
+</file>
+
 <file path=customXml/itemProps4.xml><?xml version="1.0" encoding="utf-8"?>
-<ds:datastoreItem xmlns:ds="http://schemas.openxmlformats.org/officeDocument/2006/customXml" ds:itemID="{9C777C69-0744-4BF3-8514-FB149EBD2248}">
+<ds:datastoreItem xmlns:ds="http://schemas.openxmlformats.org/officeDocument/2006/customXml" ds:itemID="{C8CB23D7-89E5-42FF-A5EB-008A06AB37C7}">
   <ds:schemaRefs>
-    <ds:schemaRef ds:uri="http://schemas.microsoft.com/sharepoint/v3/contenttype/forms"/>
+    <ds:schemaRef ds:uri="http://schemas.microsoft.com/sharepoint/events"/>
   </ds:schemaRefs>
 </ds:datastoreItem>
 </file>